--- a/Plakat_Intergeschlechtlichkeit.pptx
+++ b/Plakat_Intergeschlechtlichkeit.pptx
@@ -129,9 +129,1454 @@
 <file path=ppt/revisionInfo.xml><?xml version="1.0" encoding="utf-8"?>
 <p1510:revInfo xmlns:a="http://schemas.openxmlformats.org/drawingml/2006/main" xmlns:r="http://schemas.openxmlformats.org/officeDocument/2006/relationships" xmlns:p1510="http://schemas.microsoft.com/office/powerpoint/2015/10/main">
   <p1510:revLst>
-    <p1510:client id="{A4130DCC-6F6F-459E-B3DD-C2D9B565839D}" v="287" dt="2023-07-13T21:13:35.305"/>
+    <p1510:client id="{C3AD5994-71BB-4E97-BA5C-783AF1214255}" v="3" dt="2023-07-24T18:36:33.451"/>
   </p1510:revLst>
 </p1510:revInfo>
+</file>
+
+<file path=ppt/changesInfos/changesInfo1.xml><?xml version="1.0" encoding="utf-8"?>
+<pc:chgInfo xmlns:a="http://schemas.openxmlformats.org/drawingml/2006/main" xmlns:r="http://schemas.openxmlformats.org/officeDocument/2006/relationships" xmlns:ac="http://schemas.microsoft.com/office/drawing/2013/main/command" xmlns:pc="http://schemas.microsoft.com/office/powerpoint/2013/main/command">
+  <pc:docChgLst>
+    <pc:chgData name="Thomas Welter" userId="6ba22f2b25d63732" providerId="LiveId" clId="{C3AD5994-71BB-4E97-BA5C-783AF1214255}"/>
+    <pc:docChg chg="custSel modSld">
+      <pc:chgData name="Thomas Welter" userId="6ba22f2b25d63732" providerId="LiveId" clId="{C3AD5994-71BB-4E97-BA5C-783AF1214255}" dt="2023-07-24T19:02:44.569" v="835" actId="20577"/>
+      <pc:docMkLst>
+        <pc:docMk/>
+      </pc:docMkLst>
+      <pc:sldChg chg="addSp delSp modSp mod">
+        <pc:chgData name="Thomas Welter" userId="6ba22f2b25d63732" providerId="LiveId" clId="{C3AD5994-71BB-4E97-BA5C-783AF1214255}" dt="2023-07-24T19:02:44.569" v="835" actId="20577"/>
+        <pc:sldMkLst>
+          <pc:docMk/>
+          <pc:sldMk cId="2458947397" sldId="257"/>
+        </pc:sldMkLst>
+        <pc:spChg chg="mod">
+          <ac:chgData name="Thomas Welter" userId="6ba22f2b25d63732" providerId="LiveId" clId="{C3AD5994-71BB-4E97-BA5C-783AF1214255}" dt="2023-07-24T18:39:13.800" v="47" actId="1035"/>
+          <ac:spMkLst>
+            <pc:docMk/>
+            <pc:sldMk cId="2458947397" sldId="257"/>
+            <ac:spMk id="2" creationId="{9AFC412E-3D68-DB90-ACB0-2B671296DCB0}"/>
+          </ac:spMkLst>
+        </pc:spChg>
+        <pc:spChg chg="mod">
+          <ac:chgData name="Thomas Welter" userId="6ba22f2b25d63732" providerId="LiveId" clId="{C3AD5994-71BB-4E97-BA5C-783AF1214255}" dt="2023-07-24T18:39:13.800" v="47" actId="1035"/>
+          <ac:spMkLst>
+            <pc:docMk/>
+            <pc:sldMk cId="2458947397" sldId="257"/>
+            <ac:spMk id="3" creationId="{106C299F-F91B-ACE2-F0E2-FE2AFB96A726}"/>
+          </ac:spMkLst>
+        </pc:spChg>
+        <pc:spChg chg="mod">
+          <ac:chgData name="Thomas Welter" userId="6ba22f2b25d63732" providerId="LiveId" clId="{C3AD5994-71BB-4E97-BA5C-783AF1214255}" dt="2023-07-24T18:39:13.800" v="47" actId="1035"/>
+          <ac:spMkLst>
+            <pc:docMk/>
+            <pc:sldMk cId="2458947397" sldId="257"/>
+            <ac:spMk id="4" creationId="{65ABD244-1685-10E5-C914-C53A132216DF}"/>
+          </ac:spMkLst>
+        </pc:spChg>
+        <pc:spChg chg="mod">
+          <ac:chgData name="Thomas Welter" userId="6ba22f2b25d63732" providerId="LiveId" clId="{C3AD5994-71BB-4E97-BA5C-783AF1214255}" dt="2023-07-24T18:39:13.800" v="47" actId="1035"/>
+          <ac:spMkLst>
+            <pc:docMk/>
+            <pc:sldMk cId="2458947397" sldId="257"/>
+            <ac:spMk id="5" creationId="{F89AB58D-948E-A0CE-DC57-53934883EE67}"/>
+          </ac:spMkLst>
+        </pc:spChg>
+        <pc:spChg chg="mod">
+          <ac:chgData name="Thomas Welter" userId="6ba22f2b25d63732" providerId="LiveId" clId="{C3AD5994-71BB-4E97-BA5C-783AF1214255}" dt="2023-07-24T18:39:13.800" v="47" actId="1035"/>
+          <ac:spMkLst>
+            <pc:docMk/>
+            <pc:sldMk cId="2458947397" sldId="257"/>
+            <ac:spMk id="6" creationId="{0A38F1DE-2334-C812-B502-EC6D761E01FC}"/>
+          </ac:spMkLst>
+        </pc:spChg>
+        <pc:spChg chg="mod">
+          <ac:chgData name="Thomas Welter" userId="6ba22f2b25d63732" providerId="LiveId" clId="{C3AD5994-71BB-4E97-BA5C-783AF1214255}" dt="2023-07-24T18:39:13.800" v="47" actId="1035"/>
+          <ac:spMkLst>
+            <pc:docMk/>
+            <pc:sldMk cId="2458947397" sldId="257"/>
+            <ac:spMk id="7" creationId="{0056D53F-00F6-BE4F-7B7F-A6557C79DEB0}"/>
+          </ac:spMkLst>
+        </pc:spChg>
+        <pc:spChg chg="mod">
+          <ac:chgData name="Thomas Welter" userId="6ba22f2b25d63732" providerId="LiveId" clId="{C3AD5994-71BB-4E97-BA5C-783AF1214255}" dt="2023-07-24T18:39:13.800" v="47" actId="1035"/>
+          <ac:spMkLst>
+            <pc:docMk/>
+            <pc:sldMk cId="2458947397" sldId="257"/>
+            <ac:spMk id="8" creationId="{17E8382C-0C26-1FC5-DFE9-89172DA14711}"/>
+          </ac:spMkLst>
+        </pc:spChg>
+        <pc:spChg chg="mod">
+          <ac:chgData name="Thomas Welter" userId="6ba22f2b25d63732" providerId="LiveId" clId="{C3AD5994-71BB-4E97-BA5C-783AF1214255}" dt="2023-07-24T18:39:38.224" v="50" actId="207"/>
+          <ac:spMkLst>
+            <pc:docMk/>
+            <pc:sldMk cId="2458947397" sldId="257"/>
+            <ac:spMk id="9" creationId="{20F504F2-36D7-374B-F953-4282F29004C5}"/>
+          </ac:spMkLst>
+        </pc:spChg>
+        <pc:spChg chg="mod">
+          <ac:chgData name="Thomas Welter" userId="6ba22f2b25d63732" providerId="LiveId" clId="{C3AD5994-71BB-4E97-BA5C-783AF1214255}" dt="2023-07-24T18:39:50.809" v="53" actId="207"/>
+          <ac:spMkLst>
+            <pc:docMk/>
+            <pc:sldMk cId="2458947397" sldId="257"/>
+            <ac:spMk id="10" creationId="{9C88EF77-1163-48B7-A9EA-15D9F1D4DC85}"/>
+          </ac:spMkLst>
+        </pc:spChg>
+        <pc:spChg chg="mod">
+          <ac:chgData name="Thomas Welter" userId="6ba22f2b25d63732" providerId="LiveId" clId="{C3AD5994-71BB-4E97-BA5C-783AF1214255}" dt="2023-07-24T18:39:57.288" v="56" actId="207"/>
+          <ac:spMkLst>
+            <pc:docMk/>
+            <pc:sldMk cId="2458947397" sldId="257"/>
+            <ac:spMk id="11" creationId="{AE4BDB06-73B3-105A-38AA-368E34BA85FA}"/>
+          </ac:spMkLst>
+        </pc:spChg>
+        <pc:spChg chg="mod">
+          <ac:chgData name="Thomas Welter" userId="6ba22f2b25d63732" providerId="LiveId" clId="{C3AD5994-71BB-4E97-BA5C-783AF1214255}" dt="2023-07-24T18:39:13.800" v="47" actId="1035"/>
+          <ac:spMkLst>
+            <pc:docMk/>
+            <pc:sldMk cId="2458947397" sldId="257"/>
+            <ac:spMk id="12" creationId="{69792112-E8F4-74DE-92F9-AD6D16407D97}"/>
+          </ac:spMkLst>
+        </pc:spChg>
+        <pc:spChg chg="mod">
+          <ac:chgData name="Thomas Welter" userId="6ba22f2b25d63732" providerId="LiveId" clId="{C3AD5994-71BB-4E97-BA5C-783AF1214255}" dt="2023-07-24T18:39:13.800" v="47" actId="1035"/>
+          <ac:spMkLst>
+            <pc:docMk/>
+            <pc:sldMk cId="2458947397" sldId="257"/>
+            <ac:spMk id="14" creationId="{6017BA8A-2177-BE00-4E26-9E36A0DFD834}"/>
+          </ac:spMkLst>
+        </pc:spChg>
+        <pc:spChg chg="mod">
+          <ac:chgData name="Thomas Welter" userId="6ba22f2b25d63732" providerId="LiveId" clId="{C3AD5994-71BB-4E97-BA5C-783AF1214255}" dt="2023-07-24T18:39:13.800" v="47" actId="1035"/>
+          <ac:spMkLst>
+            <pc:docMk/>
+            <pc:sldMk cId="2458947397" sldId="257"/>
+            <ac:spMk id="17" creationId="{567F8047-2C03-1517-39D3-98847F910603}"/>
+          </ac:spMkLst>
+        </pc:spChg>
+        <pc:spChg chg="mod">
+          <ac:chgData name="Thomas Welter" userId="6ba22f2b25d63732" providerId="LiveId" clId="{C3AD5994-71BB-4E97-BA5C-783AF1214255}" dt="2023-07-24T18:39:13.800" v="47" actId="1035"/>
+          <ac:spMkLst>
+            <pc:docMk/>
+            <pc:sldMk cId="2458947397" sldId="257"/>
+            <ac:spMk id="18" creationId="{081A837D-C2A5-8E34-2116-EA46C7C75DA2}"/>
+          </ac:spMkLst>
+        </pc:spChg>
+        <pc:spChg chg="mod">
+          <ac:chgData name="Thomas Welter" userId="6ba22f2b25d63732" providerId="LiveId" clId="{C3AD5994-71BB-4E97-BA5C-783AF1214255}" dt="2023-07-24T18:39:13.800" v="47" actId="1035"/>
+          <ac:spMkLst>
+            <pc:docMk/>
+            <pc:sldMk cId="2458947397" sldId="257"/>
+            <ac:spMk id="39" creationId="{E25F6467-B356-6490-2D2E-767A490E090A}"/>
+          </ac:spMkLst>
+        </pc:spChg>
+        <pc:spChg chg="mod">
+          <ac:chgData name="Thomas Welter" userId="6ba22f2b25d63732" providerId="LiveId" clId="{C3AD5994-71BB-4E97-BA5C-783AF1214255}" dt="2023-07-24T18:39:13.800" v="47" actId="1035"/>
+          <ac:spMkLst>
+            <pc:docMk/>
+            <pc:sldMk cId="2458947397" sldId="257"/>
+            <ac:spMk id="40" creationId="{203A9C23-F215-77F9-4B66-6E76674CA17C}"/>
+          </ac:spMkLst>
+        </pc:spChg>
+        <pc:spChg chg="mod">
+          <ac:chgData name="Thomas Welter" userId="6ba22f2b25d63732" providerId="LiveId" clId="{C3AD5994-71BB-4E97-BA5C-783AF1214255}" dt="2023-07-24T18:39:13.800" v="47" actId="1035"/>
+          <ac:spMkLst>
+            <pc:docMk/>
+            <pc:sldMk cId="2458947397" sldId="257"/>
+            <ac:spMk id="41" creationId="{832F4107-0721-C7B8-A431-BB1780001262}"/>
+          </ac:spMkLst>
+        </pc:spChg>
+        <pc:spChg chg="mod">
+          <ac:chgData name="Thomas Welter" userId="6ba22f2b25d63732" providerId="LiveId" clId="{C3AD5994-71BB-4E97-BA5C-783AF1214255}" dt="2023-07-24T18:39:13.800" v="47" actId="1035"/>
+          <ac:spMkLst>
+            <pc:docMk/>
+            <pc:sldMk cId="2458947397" sldId="257"/>
+            <ac:spMk id="42" creationId="{C0BB19F7-4875-3C5F-9F2B-496864211690}"/>
+          </ac:spMkLst>
+        </pc:spChg>
+        <pc:spChg chg="mod">
+          <ac:chgData name="Thomas Welter" userId="6ba22f2b25d63732" providerId="LiveId" clId="{C3AD5994-71BB-4E97-BA5C-783AF1214255}" dt="2023-07-24T18:39:13.800" v="47" actId="1035"/>
+          <ac:spMkLst>
+            <pc:docMk/>
+            <pc:sldMk cId="2458947397" sldId="257"/>
+            <ac:spMk id="43" creationId="{4A1AC037-6891-3B62-483D-3ECF45886B54}"/>
+          </ac:spMkLst>
+        </pc:spChg>
+        <pc:spChg chg="mod">
+          <ac:chgData name="Thomas Welter" userId="6ba22f2b25d63732" providerId="LiveId" clId="{C3AD5994-71BB-4E97-BA5C-783AF1214255}" dt="2023-07-24T18:39:13.800" v="47" actId="1035"/>
+          <ac:spMkLst>
+            <pc:docMk/>
+            <pc:sldMk cId="2458947397" sldId="257"/>
+            <ac:spMk id="44" creationId="{8D2E34E8-5912-8677-AE7B-C7CCE88782CA}"/>
+          </ac:spMkLst>
+        </pc:spChg>
+        <pc:spChg chg="mod">
+          <ac:chgData name="Thomas Welter" userId="6ba22f2b25d63732" providerId="LiveId" clId="{C3AD5994-71BB-4E97-BA5C-783AF1214255}" dt="2023-07-24T18:39:13.800" v="47" actId="1035"/>
+          <ac:spMkLst>
+            <pc:docMk/>
+            <pc:sldMk cId="2458947397" sldId="257"/>
+            <ac:spMk id="45" creationId="{CD1CB85D-8B50-F13D-D526-CCBA76D061BB}"/>
+          </ac:spMkLst>
+        </pc:spChg>
+        <pc:spChg chg="mod">
+          <ac:chgData name="Thomas Welter" userId="6ba22f2b25d63732" providerId="LiveId" clId="{C3AD5994-71BB-4E97-BA5C-783AF1214255}" dt="2023-07-24T18:39:13.800" v="47" actId="1035"/>
+          <ac:spMkLst>
+            <pc:docMk/>
+            <pc:sldMk cId="2458947397" sldId="257"/>
+            <ac:spMk id="46" creationId="{F94837ED-43D1-1DDD-420A-44FBB213742A}"/>
+          </ac:spMkLst>
+        </pc:spChg>
+        <pc:spChg chg="mod">
+          <ac:chgData name="Thomas Welter" userId="6ba22f2b25d63732" providerId="LiveId" clId="{C3AD5994-71BB-4E97-BA5C-783AF1214255}" dt="2023-07-24T18:39:13.800" v="47" actId="1035"/>
+          <ac:spMkLst>
+            <pc:docMk/>
+            <pc:sldMk cId="2458947397" sldId="257"/>
+            <ac:spMk id="47" creationId="{E3BB5A9A-CDA8-B185-AE7F-0223FB8D3B78}"/>
+          </ac:spMkLst>
+        </pc:spChg>
+        <pc:spChg chg="mod">
+          <ac:chgData name="Thomas Welter" userId="6ba22f2b25d63732" providerId="LiveId" clId="{C3AD5994-71BB-4E97-BA5C-783AF1214255}" dt="2023-07-24T18:39:13.800" v="47" actId="1035"/>
+          <ac:spMkLst>
+            <pc:docMk/>
+            <pc:sldMk cId="2458947397" sldId="257"/>
+            <ac:spMk id="48" creationId="{C06DF6E8-EDE3-2DBC-2832-A13A21C2B900}"/>
+          </ac:spMkLst>
+        </pc:spChg>
+        <pc:spChg chg="mod">
+          <ac:chgData name="Thomas Welter" userId="6ba22f2b25d63732" providerId="LiveId" clId="{C3AD5994-71BB-4E97-BA5C-783AF1214255}" dt="2023-07-24T18:39:13.800" v="47" actId="1035"/>
+          <ac:spMkLst>
+            <pc:docMk/>
+            <pc:sldMk cId="2458947397" sldId="257"/>
+            <ac:spMk id="49" creationId="{081809CE-0ED5-304A-58AA-C00206B64F18}"/>
+          </ac:spMkLst>
+        </pc:spChg>
+        <pc:spChg chg="mod">
+          <ac:chgData name="Thomas Welter" userId="6ba22f2b25d63732" providerId="LiveId" clId="{C3AD5994-71BB-4E97-BA5C-783AF1214255}" dt="2023-07-24T18:39:13.800" v="47" actId="1035"/>
+          <ac:spMkLst>
+            <pc:docMk/>
+            <pc:sldMk cId="2458947397" sldId="257"/>
+            <ac:spMk id="50" creationId="{B9266920-B9A0-29F1-9DCD-C35F6BECA2D1}"/>
+          </ac:spMkLst>
+        </pc:spChg>
+        <pc:spChg chg="mod">
+          <ac:chgData name="Thomas Welter" userId="6ba22f2b25d63732" providerId="LiveId" clId="{C3AD5994-71BB-4E97-BA5C-783AF1214255}" dt="2023-07-24T18:39:13.800" v="47" actId="1035"/>
+          <ac:spMkLst>
+            <pc:docMk/>
+            <pc:sldMk cId="2458947397" sldId="257"/>
+            <ac:spMk id="51" creationId="{4986A171-284E-2682-7362-22EEA9A8F9D4}"/>
+          </ac:spMkLst>
+        </pc:spChg>
+        <pc:spChg chg="mod">
+          <ac:chgData name="Thomas Welter" userId="6ba22f2b25d63732" providerId="LiveId" clId="{C3AD5994-71BB-4E97-BA5C-783AF1214255}" dt="2023-07-24T18:39:13.800" v="47" actId="1035"/>
+          <ac:spMkLst>
+            <pc:docMk/>
+            <pc:sldMk cId="2458947397" sldId="257"/>
+            <ac:spMk id="56" creationId="{38B115C1-99CB-2037-CA5E-445DC18B6963}"/>
+          </ac:spMkLst>
+        </pc:spChg>
+        <pc:spChg chg="mod">
+          <ac:chgData name="Thomas Welter" userId="6ba22f2b25d63732" providerId="LiveId" clId="{C3AD5994-71BB-4E97-BA5C-783AF1214255}" dt="2023-07-24T18:39:13.800" v="47" actId="1035"/>
+          <ac:spMkLst>
+            <pc:docMk/>
+            <pc:sldMk cId="2458947397" sldId="257"/>
+            <ac:spMk id="57" creationId="{5AEA3E27-077D-7DBC-8568-0F089E2C7284}"/>
+          </ac:spMkLst>
+        </pc:spChg>
+        <pc:spChg chg="mod">
+          <ac:chgData name="Thomas Welter" userId="6ba22f2b25d63732" providerId="LiveId" clId="{C3AD5994-71BB-4E97-BA5C-783AF1214255}" dt="2023-07-24T18:39:13.800" v="47" actId="1035"/>
+          <ac:spMkLst>
+            <pc:docMk/>
+            <pc:sldMk cId="2458947397" sldId="257"/>
+            <ac:spMk id="58" creationId="{4C715960-7D7C-4E41-1940-AF88E5269198}"/>
+          </ac:spMkLst>
+        </pc:spChg>
+        <pc:spChg chg="mod">
+          <ac:chgData name="Thomas Welter" userId="6ba22f2b25d63732" providerId="LiveId" clId="{C3AD5994-71BB-4E97-BA5C-783AF1214255}" dt="2023-07-24T18:39:13.800" v="47" actId="1035"/>
+          <ac:spMkLst>
+            <pc:docMk/>
+            <pc:sldMk cId="2458947397" sldId="257"/>
+            <ac:spMk id="59" creationId="{D8BCD92D-4699-E86D-5C32-E53240B3D5FA}"/>
+          </ac:spMkLst>
+        </pc:spChg>
+        <pc:spChg chg="mod">
+          <ac:chgData name="Thomas Welter" userId="6ba22f2b25d63732" providerId="LiveId" clId="{C3AD5994-71BB-4E97-BA5C-783AF1214255}" dt="2023-07-24T18:39:13.800" v="47" actId="1035"/>
+          <ac:spMkLst>
+            <pc:docMk/>
+            <pc:sldMk cId="2458947397" sldId="257"/>
+            <ac:spMk id="60" creationId="{23F9FFA7-21FF-BA08-EE65-3E3EB60EDADE}"/>
+          </ac:spMkLst>
+        </pc:spChg>
+        <pc:spChg chg="mod">
+          <ac:chgData name="Thomas Welter" userId="6ba22f2b25d63732" providerId="LiveId" clId="{C3AD5994-71BB-4E97-BA5C-783AF1214255}" dt="2023-07-24T18:39:13.800" v="47" actId="1035"/>
+          <ac:spMkLst>
+            <pc:docMk/>
+            <pc:sldMk cId="2458947397" sldId="257"/>
+            <ac:spMk id="61" creationId="{9C80FA5C-DA8E-5E90-27FE-31017C82FC03}"/>
+          </ac:spMkLst>
+        </pc:spChg>
+        <pc:spChg chg="mod">
+          <ac:chgData name="Thomas Welter" userId="6ba22f2b25d63732" providerId="LiveId" clId="{C3AD5994-71BB-4E97-BA5C-783AF1214255}" dt="2023-07-24T18:39:13.800" v="47" actId="1035"/>
+          <ac:spMkLst>
+            <pc:docMk/>
+            <pc:sldMk cId="2458947397" sldId="257"/>
+            <ac:spMk id="62" creationId="{2AD3B272-EED3-4569-7426-C9C5C147206A}"/>
+          </ac:spMkLst>
+        </pc:spChg>
+        <pc:spChg chg="mod">
+          <ac:chgData name="Thomas Welter" userId="6ba22f2b25d63732" providerId="LiveId" clId="{C3AD5994-71BB-4E97-BA5C-783AF1214255}" dt="2023-07-24T18:39:13.800" v="47" actId="1035"/>
+          <ac:spMkLst>
+            <pc:docMk/>
+            <pc:sldMk cId="2458947397" sldId="257"/>
+            <ac:spMk id="63" creationId="{96199CB2-52D2-153D-9C1D-16444F80700B}"/>
+          </ac:spMkLst>
+        </pc:spChg>
+        <pc:spChg chg="mod">
+          <ac:chgData name="Thomas Welter" userId="6ba22f2b25d63732" providerId="LiveId" clId="{C3AD5994-71BB-4E97-BA5C-783AF1214255}" dt="2023-07-24T18:39:13.800" v="47" actId="1035"/>
+          <ac:spMkLst>
+            <pc:docMk/>
+            <pc:sldMk cId="2458947397" sldId="257"/>
+            <ac:spMk id="64" creationId="{1309B63A-BD65-4118-76F1-1B7EF9072D01}"/>
+          </ac:spMkLst>
+        </pc:spChg>
+        <pc:spChg chg="mod">
+          <ac:chgData name="Thomas Welter" userId="6ba22f2b25d63732" providerId="LiveId" clId="{C3AD5994-71BB-4E97-BA5C-783AF1214255}" dt="2023-07-24T18:39:13.800" v="47" actId="1035"/>
+          <ac:spMkLst>
+            <pc:docMk/>
+            <pc:sldMk cId="2458947397" sldId="257"/>
+            <ac:spMk id="65" creationId="{3DDA33C5-537A-C83B-2A91-80445DB8248D}"/>
+          </ac:spMkLst>
+        </pc:spChg>
+        <pc:spChg chg="mod">
+          <ac:chgData name="Thomas Welter" userId="6ba22f2b25d63732" providerId="LiveId" clId="{C3AD5994-71BB-4E97-BA5C-783AF1214255}" dt="2023-07-24T18:39:13.800" v="47" actId="1035"/>
+          <ac:spMkLst>
+            <pc:docMk/>
+            <pc:sldMk cId="2458947397" sldId="257"/>
+            <ac:spMk id="66" creationId="{CA8CFE95-A0E9-09E3-F49C-6396AD969040}"/>
+          </ac:spMkLst>
+        </pc:spChg>
+        <pc:spChg chg="mod">
+          <ac:chgData name="Thomas Welter" userId="6ba22f2b25d63732" providerId="LiveId" clId="{C3AD5994-71BB-4E97-BA5C-783AF1214255}" dt="2023-07-24T18:39:13.800" v="47" actId="1035"/>
+          <ac:spMkLst>
+            <pc:docMk/>
+            <pc:sldMk cId="2458947397" sldId="257"/>
+            <ac:spMk id="69" creationId="{002CBD96-F52C-B8FE-1D63-587609D7FDEB}"/>
+          </ac:spMkLst>
+        </pc:spChg>
+        <pc:spChg chg="mod">
+          <ac:chgData name="Thomas Welter" userId="6ba22f2b25d63732" providerId="LiveId" clId="{C3AD5994-71BB-4E97-BA5C-783AF1214255}" dt="2023-07-24T18:39:13.800" v="47" actId="1035"/>
+          <ac:spMkLst>
+            <pc:docMk/>
+            <pc:sldMk cId="2458947397" sldId="257"/>
+            <ac:spMk id="70" creationId="{59D623D4-55D0-97B0-B4CE-9CB0A2CAE8C4}"/>
+          </ac:spMkLst>
+        </pc:spChg>
+        <pc:spChg chg="mod">
+          <ac:chgData name="Thomas Welter" userId="6ba22f2b25d63732" providerId="LiveId" clId="{C3AD5994-71BB-4E97-BA5C-783AF1214255}" dt="2023-07-24T18:39:13.800" v="47" actId="1035"/>
+          <ac:spMkLst>
+            <pc:docMk/>
+            <pc:sldMk cId="2458947397" sldId="257"/>
+            <ac:spMk id="71" creationId="{2D40D04E-6DF0-FD63-DF58-3D8FF35594C3}"/>
+          </ac:spMkLst>
+        </pc:spChg>
+        <pc:spChg chg="mod">
+          <ac:chgData name="Thomas Welter" userId="6ba22f2b25d63732" providerId="LiveId" clId="{C3AD5994-71BB-4E97-BA5C-783AF1214255}" dt="2023-07-24T18:39:13.800" v="47" actId="1035"/>
+          <ac:spMkLst>
+            <pc:docMk/>
+            <pc:sldMk cId="2458947397" sldId="257"/>
+            <ac:spMk id="72" creationId="{A71C74BF-5289-D8FE-68CD-0293C98618F5}"/>
+          </ac:spMkLst>
+        </pc:spChg>
+        <pc:spChg chg="mod">
+          <ac:chgData name="Thomas Welter" userId="6ba22f2b25d63732" providerId="LiveId" clId="{C3AD5994-71BB-4E97-BA5C-783AF1214255}" dt="2023-07-24T18:39:13.800" v="47" actId="1035"/>
+          <ac:spMkLst>
+            <pc:docMk/>
+            <pc:sldMk cId="2458947397" sldId="257"/>
+            <ac:spMk id="73" creationId="{37E6E4C3-CEA8-763D-4B21-9B9DB5DF30B7}"/>
+          </ac:spMkLst>
+        </pc:spChg>
+        <pc:spChg chg="mod">
+          <ac:chgData name="Thomas Welter" userId="6ba22f2b25d63732" providerId="LiveId" clId="{C3AD5994-71BB-4E97-BA5C-783AF1214255}" dt="2023-07-24T18:39:13.800" v="47" actId="1035"/>
+          <ac:spMkLst>
+            <pc:docMk/>
+            <pc:sldMk cId="2458947397" sldId="257"/>
+            <ac:spMk id="74" creationId="{0A017236-DFF3-1C8A-91B0-BD8A28DC694B}"/>
+          </ac:spMkLst>
+        </pc:spChg>
+        <pc:spChg chg="mod">
+          <ac:chgData name="Thomas Welter" userId="6ba22f2b25d63732" providerId="LiveId" clId="{C3AD5994-71BB-4E97-BA5C-783AF1214255}" dt="2023-07-24T18:39:13.800" v="47" actId="1035"/>
+          <ac:spMkLst>
+            <pc:docMk/>
+            <pc:sldMk cId="2458947397" sldId="257"/>
+            <ac:spMk id="75" creationId="{198136B3-E14C-7BEB-E72D-E9FC154A3E65}"/>
+          </ac:spMkLst>
+        </pc:spChg>
+        <pc:spChg chg="mod">
+          <ac:chgData name="Thomas Welter" userId="6ba22f2b25d63732" providerId="LiveId" clId="{C3AD5994-71BB-4E97-BA5C-783AF1214255}" dt="2023-07-24T18:39:13.800" v="47" actId="1035"/>
+          <ac:spMkLst>
+            <pc:docMk/>
+            <pc:sldMk cId="2458947397" sldId="257"/>
+            <ac:spMk id="76" creationId="{884AB7A4-1A81-64F1-3A68-B59C7B164B77}"/>
+          </ac:spMkLst>
+        </pc:spChg>
+        <pc:spChg chg="mod">
+          <ac:chgData name="Thomas Welter" userId="6ba22f2b25d63732" providerId="LiveId" clId="{C3AD5994-71BB-4E97-BA5C-783AF1214255}" dt="2023-07-24T18:39:13.800" v="47" actId="1035"/>
+          <ac:spMkLst>
+            <pc:docMk/>
+            <pc:sldMk cId="2458947397" sldId="257"/>
+            <ac:spMk id="77" creationId="{5A91F3E8-8EAB-9BF2-EB51-3D885A718A7B}"/>
+          </ac:spMkLst>
+        </pc:spChg>
+        <pc:spChg chg="mod">
+          <ac:chgData name="Thomas Welter" userId="6ba22f2b25d63732" providerId="LiveId" clId="{C3AD5994-71BB-4E97-BA5C-783AF1214255}" dt="2023-07-24T18:39:13.800" v="47" actId="1035"/>
+          <ac:spMkLst>
+            <pc:docMk/>
+            <pc:sldMk cId="2458947397" sldId="257"/>
+            <ac:spMk id="78" creationId="{E29BDFF8-D1C0-F369-44FA-ECAA05DBE278}"/>
+          </ac:spMkLst>
+        </pc:spChg>
+        <pc:spChg chg="mod">
+          <ac:chgData name="Thomas Welter" userId="6ba22f2b25d63732" providerId="LiveId" clId="{C3AD5994-71BB-4E97-BA5C-783AF1214255}" dt="2023-07-24T18:39:13.800" v="47" actId="1035"/>
+          <ac:spMkLst>
+            <pc:docMk/>
+            <pc:sldMk cId="2458947397" sldId="257"/>
+            <ac:spMk id="79" creationId="{1E252F42-D791-F20D-FBB2-E7FDFCFC9C5C}"/>
+          </ac:spMkLst>
+        </pc:spChg>
+        <pc:spChg chg="mod">
+          <ac:chgData name="Thomas Welter" userId="6ba22f2b25d63732" providerId="LiveId" clId="{C3AD5994-71BB-4E97-BA5C-783AF1214255}" dt="2023-07-24T18:39:13.800" v="47" actId="1035"/>
+          <ac:spMkLst>
+            <pc:docMk/>
+            <pc:sldMk cId="2458947397" sldId="257"/>
+            <ac:spMk id="80" creationId="{FD54F15D-D5F0-84CE-DA40-FC53E27D0D20}"/>
+          </ac:spMkLst>
+        </pc:spChg>
+        <pc:spChg chg="mod">
+          <ac:chgData name="Thomas Welter" userId="6ba22f2b25d63732" providerId="LiveId" clId="{C3AD5994-71BB-4E97-BA5C-783AF1214255}" dt="2023-07-24T18:39:13.800" v="47" actId="1035"/>
+          <ac:spMkLst>
+            <pc:docMk/>
+            <pc:sldMk cId="2458947397" sldId="257"/>
+            <ac:spMk id="81" creationId="{258F18B5-6E57-669B-9DA6-5F038A4D32DE}"/>
+          </ac:spMkLst>
+        </pc:spChg>
+        <pc:spChg chg="mod">
+          <ac:chgData name="Thomas Welter" userId="6ba22f2b25d63732" providerId="LiveId" clId="{C3AD5994-71BB-4E97-BA5C-783AF1214255}" dt="2023-07-24T18:39:13.800" v="47" actId="1035"/>
+          <ac:spMkLst>
+            <pc:docMk/>
+            <pc:sldMk cId="2458947397" sldId="257"/>
+            <ac:spMk id="82" creationId="{A2895EE5-CBAF-BB9B-9062-6B45BB1F896E}"/>
+          </ac:spMkLst>
+        </pc:spChg>
+        <pc:spChg chg="mod">
+          <ac:chgData name="Thomas Welter" userId="6ba22f2b25d63732" providerId="LiveId" clId="{C3AD5994-71BB-4E97-BA5C-783AF1214255}" dt="2023-07-24T18:39:13.800" v="47" actId="1035"/>
+          <ac:spMkLst>
+            <pc:docMk/>
+            <pc:sldMk cId="2458947397" sldId="257"/>
+            <ac:spMk id="83" creationId="{6FDC9083-0C3D-5402-0D55-13D60BA9A673}"/>
+          </ac:spMkLst>
+        </pc:spChg>
+        <pc:spChg chg="mod">
+          <ac:chgData name="Thomas Welter" userId="6ba22f2b25d63732" providerId="LiveId" clId="{C3AD5994-71BB-4E97-BA5C-783AF1214255}" dt="2023-07-24T18:39:13.800" v="47" actId="1035"/>
+          <ac:spMkLst>
+            <pc:docMk/>
+            <pc:sldMk cId="2458947397" sldId="257"/>
+            <ac:spMk id="84" creationId="{AC267491-45E2-4964-FC24-2EFEA9006E1C}"/>
+          </ac:spMkLst>
+        </pc:spChg>
+        <pc:spChg chg="mod">
+          <ac:chgData name="Thomas Welter" userId="6ba22f2b25d63732" providerId="LiveId" clId="{C3AD5994-71BB-4E97-BA5C-783AF1214255}" dt="2023-07-24T18:39:13.800" v="47" actId="1035"/>
+          <ac:spMkLst>
+            <pc:docMk/>
+            <pc:sldMk cId="2458947397" sldId="257"/>
+            <ac:spMk id="85" creationId="{83C54AA4-578E-C7D0-8468-C7132C5A46FE}"/>
+          </ac:spMkLst>
+        </pc:spChg>
+        <pc:spChg chg="mod">
+          <ac:chgData name="Thomas Welter" userId="6ba22f2b25d63732" providerId="LiveId" clId="{C3AD5994-71BB-4E97-BA5C-783AF1214255}" dt="2023-07-24T18:39:13.800" v="47" actId="1035"/>
+          <ac:spMkLst>
+            <pc:docMk/>
+            <pc:sldMk cId="2458947397" sldId="257"/>
+            <ac:spMk id="86" creationId="{AFD9142B-D1DC-C963-1B77-D07A6E7D4196}"/>
+          </ac:spMkLst>
+        </pc:spChg>
+        <pc:spChg chg="mod">
+          <ac:chgData name="Thomas Welter" userId="6ba22f2b25d63732" providerId="LiveId" clId="{C3AD5994-71BB-4E97-BA5C-783AF1214255}" dt="2023-07-24T18:39:13.800" v="47" actId="1035"/>
+          <ac:spMkLst>
+            <pc:docMk/>
+            <pc:sldMk cId="2458947397" sldId="257"/>
+            <ac:spMk id="87" creationId="{BA7B98C7-CA35-9376-5273-6D035F6B6353}"/>
+          </ac:spMkLst>
+        </pc:spChg>
+        <pc:spChg chg="mod">
+          <ac:chgData name="Thomas Welter" userId="6ba22f2b25d63732" providerId="LiveId" clId="{C3AD5994-71BB-4E97-BA5C-783AF1214255}" dt="2023-07-24T18:39:13.800" v="47" actId="1035"/>
+          <ac:spMkLst>
+            <pc:docMk/>
+            <pc:sldMk cId="2458947397" sldId="257"/>
+            <ac:spMk id="88" creationId="{037AD5E9-BD42-8869-4DF2-794A14A0D0AF}"/>
+          </ac:spMkLst>
+        </pc:spChg>
+        <pc:spChg chg="mod">
+          <ac:chgData name="Thomas Welter" userId="6ba22f2b25d63732" providerId="LiveId" clId="{C3AD5994-71BB-4E97-BA5C-783AF1214255}" dt="2023-07-24T18:39:13.800" v="47" actId="1035"/>
+          <ac:spMkLst>
+            <pc:docMk/>
+            <pc:sldMk cId="2458947397" sldId="257"/>
+            <ac:spMk id="89" creationId="{3ABF6953-8C4D-11B8-1F36-216453FD778D}"/>
+          </ac:spMkLst>
+        </pc:spChg>
+        <pc:spChg chg="mod">
+          <ac:chgData name="Thomas Welter" userId="6ba22f2b25d63732" providerId="LiveId" clId="{C3AD5994-71BB-4E97-BA5C-783AF1214255}" dt="2023-07-24T18:39:13.800" v="47" actId="1035"/>
+          <ac:spMkLst>
+            <pc:docMk/>
+            <pc:sldMk cId="2458947397" sldId="257"/>
+            <ac:spMk id="90" creationId="{EBB37C4C-E263-AB7F-0559-34F72B1C7576}"/>
+          </ac:spMkLst>
+        </pc:spChg>
+        <pc:spChg chg="mod">
+          <ac:chgData name="Thomas Welter" userId="6ba22f2b25d63732" providerId="LiveId" clId="{C3AD5994-71BB-4E97-BA5C-783AF1214255}" dt="2023-07-24T18:39:13.800" v="47" actId="1035"/>
+          <ac:spMkLst>
+            <pc:docMk/>
+            <pc:sldMk cId="2458947397" sldId="257"/>
+            <ac:spMk id="91" creationId="{DD75CE0B-A641-6EFA-A3A1-F417B75763BF}"/>
+          </ac:spMkLst>
+        </pc:spChg>
+        <pc:spChg chg="mod">
+          <ac:chgData name="Thomas Welter" userId="6ba22f2b25d63732" providerId="LiveId" clId="{C3AD5994-71BB-4E97-BA5C-783AF1214255}" dt="2023-07-24T18:39:13.800" v="47" actId="1035"/>
+          <ac:spMkLst>
+            <pc:docMk/>
+            <pc:sldMk cId="2458947397" sldId="257"/>
+            <ac:spMk id="92" creationId="{615B9EC0-AC4E-5D71-8F8F-AEE78B0B8BAD}"/>
+          </ac:spMkLst>
+        </pc:spChg>
+        <pc:spChg chg="mod">
+          <ac:chgData name="Thomas Welter" userId="6ba22f2b25d63732" providerId="LiveId" clId="{C3AD5994-71BB-4E97-BA5C-783AF1214255}" dt="2023-07-24T18:39:13.800" v="47" actId="1035"/>
+          <ac:spMkLst>
+            <pc:docMk/>
+            <pc:sldMk cId="2458947397" sldId="257"/>
+            <ac:spMk id="93" creationId="{9FBF675C-FFB5-CFB3-3098-58234FD41007}"/>
+          </ac:spMkLst>
+        </pc:spChg>
+        <pc:spChg chg="mod">
+          <ac:chgData name="Thomas Welter" userId="6ba22f2b25d63732" providerId="LiveId" clId="{C3AD5994-71BB-4E97-BA5C-783AF1214255}" dt="2023-07-24T18:39:13.800" v="47" actId="1035"/>
+          <ac:spMkLst>
+            <pc:docMk/>
+            <pc:sldMk cId="2458947397" sldId="257"/>
+            <ac:spMk id="94" creationId="{472DE5C4-90FC-8BE9-F71B-F96089F60892}"/>
+          </ac:spMkLst>
+        </pc:spChg>
+        <pc:spChg chg="mod">
+          <ac:chgData name="Thomas Welter" userId="6ba22f2b25d63732" providerId="LiveId" clId="{C3AD5994-71BB-4E97-BA5C-783AF1214255}" dt="2023-07-24T18:39:13.800" v="47" actId="1035"/>
+          <ac:spMkLst>
+            <pc:docMk/>
+            <pc:sldMk cId="2458947397" sldId="257"/>
+            <ac:spMk id="95" creationId="{5E0CEBC9-E889-750D-99B5-FC0B847B9B72}"/>
+          </ac:spMkLst>
+        </pc:spChg>
+        <pc:spChg chg="mod">
+          <ac:chgData name="Thomas Welter" userId="6ba22f2b25d63732" providerId="LiveId" clId="{C3AD5994-71BB-4E97-BA5C-783AF1214255}" dt="2023-07-24T18:39:13.800" v="47" actId="1035"/>
+          <ac:spMkLst>
+            <pc:docMk/>
+            <pc:sldMk cId="2458947397" sldId="257"/>
+            <ac:spMk id="96" creationId="{0DD71C83-3722-FFBC-98C8-8275715F14E0}"/>
+          </ac:spMkLst>
+        </pc:spChg>
+        <pc:spChg chg="mod">
+          <ac:chgData name="Thomas Welter" userId="6ba22f2b25d63732" providerId="LiveId" clId="{C3AD5994-71BB-4E97-BA5C-783AF1214255}" dt="2023-07-24T18:39:13.800" v="47" actId="1035"/>
+          <ac:spMkLst>
+            <pc:docMk/>
+            <pc:sldMk cId="2458947397" sldId="257"/>
+            <ac:spMk id="97" creationId="{6013BD1C-9D56-7430-25A2-722A7EA84357}"/>
+          </ac:spMkLst>
+        </pc:spChg>
+        <pc:spChg chg="mod">
+          <ac:chgData name="Thomas Welter" userId="6ba22f2b25d63732" providerId="LiveId" clId="{C3AD5994-71BB-4E97-BA5C-783AF1214255}" dt="2023-07-24T18:39:13.800" v="47" actId="1035"/>
+          <ac:spMkLst>
+            <pc:docMk/>
+            <pc:sldMk cId="2458947397" sldId="257"/>
+            <ac:spMk id="98" creationId="{4EC9E077-78BC-C08B-CC20-FAECF8030624}"/>
+          </ac:spMkLst>
+        </pc:spChg>
+        <pc:spChg chg="mod">
+          <ac:chgData name="Thomas Welter" userId="6ba22f2b25d63732" providerId="LiveId" clId="{C3AD5994-71BB-4E97-BA5C-783AF1214255}" dt="2023-07-24T18:39:13.800" v="47" actId="1035"/>
+          <ac:spMkLst>
+            <pc:docMk/>
+            <pc:sldMk cId="2458947397" sldId="257"/>
+            <ac:spMk id="99" creationId="{34EAAB68-95A8-5AE3-5222-922B2B05CF08}"/>
+          </ac:spMkLst>
+        </pc:spChg>
+        <pc:spChg chg="mod">
+          <ac:chgData name="Thomas Welter" userId="6ba22f2b25d63732" providerId="LiveId" clId="{C3AD5994-71BB-4E97-BA5C-783AF1214255}" dt="2023-07-24T18:39:13.800" v="47" actId="1035"/>
+          <ac:spMkLst>
+            <pc:docMk/>
+            <pc:sldMk cId="2458947397" sldId="257"/>
+            <ac:spMk id="100" creationId="{ECE1213A-69FF-68E8-20A6-54BBD380BF3E}"/>
+          </ac:spMkLst>
+        </pc:spChg>
+        <pc:spChg chg="mod">
+          <ac:chgData name="Thomas Welter" userId="6ba22f2b25d63732" providerId="LiveId" clId="{C3AD5994-71BB-4E97-BA5C-783AF1214255}" dt="2023-07-24T18:39:13.800" v="47" actId="1035"/>
+          <ac:spMkLst>
+            <pc:docMk/>
+            <pc:sldMk cId="2458947397" sldId="257"/>
+            <ac:spMk id="101" creationId="{DD01D552-F8EC-AC9B-1346-FC4E49B7CB1E}"/>
+          </ac:spMkLst>
+        </pc:spChg>
+        <pc:spChg chg="mod">
+          <ac:chgData name="Thomas Welter" userId="6ba22f2b25d63732" providerId="LiveId" clId="{C3AD5994-71BB-4E97-BA5C-783AF1214255}" dt="2023-07-24T18:39:13.800" v="47" actId="1035"/>
+          <ac:spMkLst>
+            <pc:docMk/>
+            <pc:sldMk cId="2458947397" sldId="257"/>
+            <ac:spMk id="102" creationId="{30D76209-CD3E-2932-3D50-02A289B6AD67}"/>
+          </ac:spMkLst>
+        </pc:spChg>
+        <pc:spChg chg="mod">
+          <ac:chgData name="Thomas Welter" userId="6ba22f2b25d63732" providerId="LiveId" clId="{C3AD5994-71BB-4E97-BA5C-783AF1214255}" dt="2023-07-24T18:39:13.800" v="47" actId="1035"/>
+          <ac:spMkLst>
+            <pc:docMk/>
+            <pc:sldMk cId="2458947397" sldId="257"/>
+            <ac:spMk id="103" creationId="{87604F43-EA48-B9B3-C997-3C2C7F0F80B3}"/>
+          </ac:spMkLst>
+        </pc:spChg>
+        <pc:spChg chg="mod">
+          <ac:chgData name="Thomas Welter" userId="6ba22f2b25d63732" providerId="LiveId" clId="{C3AD5994-71BB-4E97-BA5C-783AF1214255}" dt="2023-07-24T18:39:13.800" v="47" actId="1035"/>
+          <ac:spMkLst>
+            <pc:docMk/>
+            <pc:sldMk cId="2458947397" sldId="257"/>
+            <ac:spMk id="104" creationId="{143A810A-E68F-989B-E775-DA6075B27C5C}"/>
+          </ac:spMkLst>
+        </pc:spChg>
+        <pc:spChg chg="mod">
+          <ac:chgData name="Thomas Welter" userId="6ba22f2b25d63732" providerId="LiveId" clId="{C3AD5994-71BB-4E97-BA5C-783AF1214255}" dt="2023-07-24T18:39:13.800" v="47" actId="1035"/>
+          <ac:spMkLst>
+            <pc:docMk/>
+            <pc:sldMk cId="2458947397" sldId="257"/>
+            <ac:spMk id="105" creationId="{48CC4C70-1078-C9FD-B71D-F6A690D21AD6}"/>
+          </ac:spMkLst>
+        </pc:spChg>
+        <pc:spChg chg="mod">
+          <ac:chgData name="Thomas Welter" userId="6ba22f2b25d63732" providerId="LiveId" clId="{C3AD5994-71BB-4E97-BA5C-783AF1214255}" dt="2023-07-24T18:39:13.800" v="47" actId="1035"/>
+          <ac:spMkLst>
+            <pc:docMk/>
+            <pc:sldMk cId="2458947397" sldId="257"/>
+            <ac:spMk id="106" creationId="{2FA29979-1D4A-6C6A-8BE8-C8114C93581A}"/>
+          </ac:spMkLst>
+        </pc:spChg>
+        <pc:spChg chg="mod">
+          <ac:chgData name="Thomas Welter" userId="6ba22f2b25d63732" providerId="LiveId" clId="{C3AD5994-71BB-4E97-BA5C-783AF1214255}" dt="2023-07-24T18:39:13.800" v="47" actId="1035"/>
+          <ac:spMkLst>
+            <pc:docMk/>
+            <pc:sldMk cId="2458947397" sldId="257"/>
+            <ac:spMk id="107" creationId="{456D9994-D69B-EAA6-8C78-F17F00E8F674}"/>
+          </ac:spMkLst>
+        </pc:spChg>
+        <pc:spChg chg="mod">
+          <ac:chgData name="Thomas Welter" userId="6ba22f2b25d63732" providerId="LiveId" clId="{C3AD5994-71BB-4E97-BA5C-783AF1214255}" dt="2023-07-24T18:39:13.800" v="47" actId="1035"/>
+          <ac:spMkLst>
+            <pc:docMk/>
+            <pc:sldMk cId="2458947397" sldId="257"/>
+            <ac:spMk id="108" creationId="{616C8A35-8CE1-705A-627F-B5A64BEEAD54}"/>
+          </ac:spMkLst>
+        </pc:spChg>
+        <pc:spChg chg="mod">
+          <ac:chgData name="Thomas Welter" userId="6ba22f2b25d63732" providerId="LiveId" clId="{C3AD5994-71BB-4E97-BA5C-783AF1214255}" dt="2023-07-24T18:39:13.800" v="47" actId="1035"/>
+          <ac:spMkLst>
+            <pc:docMk/>
+            <pc:sldMk cId="2458947397" sldId="257"/>
+            <ac:spMk id="109" creationId="{CF4F5FAF-0ED1-F0FF-A2C3-3D8F64220833}"/>
+          </ac:spMkLst>
+        </pc:spChg>
+        <pc:spChg chg="mod">
+          <ac:chgData name="Thomas Welter" userId="6ba22f2b25d63732" providerId="LiveId" clId="{C3AD5994-71BB-4E97-BA5C-783AF1214255}" dt="2023-07-24T18:39:13.800" v="47" actId="1035"/>
+          <ac:spMkLst>
+            <pc:docMk/>
+            <pc:sldMk cId="2458947397" sldId="257"/>
+            <ac:spMk id="113" creationId="{2B209D15-F079-C56A-F7A6-F097F745BAF3}"/>
+          </ac:spMkLst>
+        </pc:spChg>
+        <pc:spChg chg="mod">
+          <ac:chgData name="Thomas Welter" userId="6ba22f2b25d63732" providerId="LiveId" clId="{C3AD5994-71BB-4E97-BA5C-783AF1214255}" dt="2023-07-24T18:39:13.800" v="47" actId="1035"/>
+          <ac:spMkLst>
+            <pc:docMk/>
+            <pc:sldMk cId="2458947397" sldId="257"/>
+            <ac:spMk id="114" creationId="{BDFC4EF0-38AB-9020-6480-895F1E11166A}"/>
+          </ac:spMkLst>
+        </pc:spChg>
+        <pc:spChg chg="mod">
+          <ac:chgData name="Thomas Welter" userId="6ba22f2b25d63732" providerId="LiveId" clId="{C3AD5994-71BB-4E97-BA5C-783AF1214255}" dt="2023-07-24T18:39:13.800" v="47" actId="1035"/>
+          <ac:spMkLst>
+            <pc:docMk/>
+            <pc:sldMk cId="2458947397" sldId="257"/>
+            <ac:spMk id="116" creationId="{3FB74089-1235-F850-ECA9-833B093EAE53}"/>
+          </ac:spMkLst>
+        </pc:spChg>
+        <pc:spChg chg="mod">
+          <ac:chgData name="Thomas Welter" userId="6ba22f2b25d63732" providerId="LiveId" clId="{C3AD5994-71BB-4E97-BA5C-783AF1214255}" dt="2023-07-24T18:39:13.800" v="47" actId="1035"/>
+          <ac:spMkLst>
+            <pc:docMk/>
+            <pc:sldMk cId="2458947397" sldId="257"/>
+            <ac:spMk id="117" creationId="{43417C66-EA0A-8DDC-8C98-F1D2404730EE}"/>
+          </ac:spMkLst>
+        </pc:spChg>
+        <pc:spChg chg="mod">
+          <ac:chgData name="Thomas Welter" userId="6ba22f2b25d63732" providerId="LiveId" clId="{C3AD5994-71BB-4E97-BA5C-783AF1214255}" dt="2023-07-24T18:39:13.800" v="47" actId="1035"/>
+          <ac:spMkLst>
+            <pc:docMk/>
+            <pc:sldMk cId="2458947397" sldId="257"/>
+            <ac:spMk id="118" creationId="{E320FF67-78E4-1861-C705-C62400935EC2}"/>
+          </ac:spMkLst>
+        </pc:spChg>
+        <pc:spChg chg="mod">
+          <ac:chgData name="Thomas Welter" userId="6ba22f2b25d63732" providerId="LiveId" clId="{C3AD5994-71BB-4E97-BA5C-783AF1214255}" dt="2023-07-24T18:39:13.800" v="47" actId="1035"/>
+          <ac:spMkLst>
+            <pc:docMk/>
+            <pc:sldMk cId="2458947397" sldId="257"/>
+            <ac:spMk id="119" creationId="{AB88BD47-FD91-DCF1-0540-E531B2499E69}"/>
+          </ac:spMkLst>
+        </pc:spChg>
+        <pc:spChg chg="add mod">
+          <ac:chgData name="Thomas Welter" userId="6ba22f2b25d63732" providerId="LiveId" clId="{C3AD5994-71BB-4E97-BA5C-783AF1214255}" dt="2023-07-24T19:02:44.569" v="835" actId="20577"/>
+          <ac:spMkLst>
+            <pc:docMk/>
+            <pc:sldMk cId="2458947397" sldId="257"/>
+            <ac:spMk id="122" creationId="{640B31C2-1F81-E9A6-2477-F067E9FFD180}"/>
+          </ac:spMkLst>
+        </pc:spChg>
+        <pc:spChg chg="mod">
+          <ac:chgData name="Thomas Welter" userId="6ba22f2b25d63732" providerId="LiveId" clId="{C3AD5994-71BB-4E97-BA5C-783AF1214255}" dt="2023-07-24T18:39:13.800" v="47" actId="1035"/>
+          <ac:spMkLst>
+            <pc:docMk/>
+            <pc:sldMk cId="2458947397" sldId="257"/>
+            <ac:spMk id="123" creationId="{2B8EE4FE-3485-0F58-D536-AA388AC69213}"/>
+          </ac:spMkLst>
+        </pc:spChg>
+        <pc:spChg chg="mod">
+          <ac:chgData name="Thomas Welter" userId="6ba22f2b25d63732" providerId="LiveId" clId="{C3AD5994-71BB-4E97-BA5C-783AF1214255}" dt="2023-07-24T18:39:13.800" v="47" actId="1035"/>
+          <ac:spMkLst>
+            <pc:docMk/>
+            <pc:sldMk cId="2458947397" sldId="257"/>
+            <ac:spMk id="124" creationId="{D4DF43AE-EB6A-97B6-B86D-3122352224B2}"/>
+          </ac:spMkLst>
+        </pc:spChg>
+        <pc:spChg chg="mod">
+          <ac:chgData name="Thomas Welter" userId="6ba22f2b25d63732" providerId="LiveId" clId="{C3AD5994-71BB-4E97-BA5C-783AF1214255}" dt="2023-07-24T18:39:13.800" v="47" actId="1035"/>
+          <ac:spMkLst>
+            <pc:docMk/>
+            <pc:sldMk cId="2458947397" sldId="257"/>
+            <ac:spMk id="125" creationId="{2BD52F95-B0F6-0C19-6064-AF0F89BCD459}"/>
+          </ac:spMkLst>
+        </pc:spChg>
+        <pc:spChg chg="mod">
+          <ac:chgData name="Thomas Welter" userId="6ba22f2b25d63732" providerId="LiveId" clId="{C3AD5994-71BB-4E97-BA5C-783AF1214255}" dt="2023-07-24T18:39:13.800" v="47" actId="1035"/>
+          <ac:spMkLst>
+            <pc:docMk/>
+            <pc:sldMk cId="2458947397" sldId="257"/>
+            <ac:spMk id="126" creationId="{9537A804-FBE0-17AF-4A8C-F486CA5B14BF}"/>
+          </ac:spMkLst>
+        </pc:spChg>
+        <pc:spChg chg="mod">
+          <ac:chgData name="Thomas Welter" userId="6ba22f2b25d63732" providerId="LiveId" clId="{C3AD5994-71BB-4E97-BA5C-783AF1214255}" dt="2023-07-24T18:39:13.800" v="47" actId="1035"/>
+          <ac:spMkLst>
+            <pc:docMk/>
+            <pc:sldMk cId="2458947397" sldId="257"/>
+            <ac:spMk id="127" creationId="{57EC82EA-B735-1C8A-733B-670BDC0D598B}"/>
+          </ac:spMkLst>
+        </pc:spChg>
+        <pc:spChg chg="mod">
+          <ac:chgData name="Thomas Welter" userId="6ba22f2b25d63732" providerId="LiveId" clId="{C3AD5994-71BB-4E97-BA5C-783AF1214255}" dt="2023-07-24T18:39:13.800" v="47" actId="1035"/>
+          <ac:spMkLst>
+            <pc:docMk/>
+            <pc:sldMk cId="2458947397" sldId="257"/>
+            <ac:spMk id="128" creationId="{1BD452C5-424E-2812-25CC-8F603D6E362F}"/>
+          </ac:spMkLst>
+        </pc:spChg>
+        <pc:spChg chg="mod">
+          <ac:chgData name="Thomas Welter" userId="6ba22f2b25d63732" providerId="LiveId" clId="{C3AD5994-71BB-4E97-BA5C-783AF1214255}" dt="2023-07-24T18:39:13.800" v="47" actId="1035"/>
+          <ac:spMkLst>
+            <pc:docMk/>
+            <pc:sldMk cId="2458947397" sldId="257"/>
+            <ac:spMk id="129" creationId="{0E84C871-8F1B-AC11-9BDD-BE0482E454B1}"/>
+          </ac:spMkLst>
+        </pc:spChg>
+        <pc:spChg chg="mod">
+          <ac:chgData name="Thomas Welter" userId="6ba22f2b25d63732" providerId="LiveId" clId="{C3AD5994-71BB-4E97-BA5C-783AF1214255}" dt="2023-07-24T18:39:13.800" v="47" actId="1035"/>
+          <ac:spMkLst>
+            <pc:docMk/>
+            <pc:sldMk cId="2458947397" sldId="257"/>
+            <ac:spMk id="130" creationId="{7AE4F301-624D-F960-26D5-4BA954561BDA}"/>
+          </ac:spMkLst>
+        </pc:spChg>
+        <pc:spChg chg="mod">
+          <ac:chgData name="Thomas Welter" userId="6ba22f2b25d63732" providerId="LiveId" clId="{C3AD5994-71BB-4E97-BA5C-783AF1214255}" dt="2023-07-24T18:39:13.800" v="47" actId="1035"/>
+          <ac:spMkLst>
+            <pc:docMk/>
+            <pc:sldMk cId="2458947397" sldId="257"/>
+            <ac:spMk id="131" creationId="{AB1554BF-63FB-7E08-D651-B8D5DC20F685}"/>
+          </ac:spMkLst>
+        </pc:spChg>
+        <pc:spChg chg="mod">
+          <ac:chgData name="Thomas Welter" userId="6ba22f2b25d63732" providerId="LiveId" clId="{C3AD5994-71BB-4E97-BA5C-783AF1214255}" dt="2023-07-24T18:38:02.487" v="38" actId="14100"/>
+          <ac:spMkLst>
+            <pc:docMk/>
+            <pc:sldMk cId="2458947397" sldId="257"/>
+            <ac:spMk id="132" creationId="{F7BE200B-5612-4742-3AAE-19B2BB09CA80}"/>
+          </ac:spMkLst>
+        </pc:spChg>
+        <pc:spChg chg="mod">
+          <ac:chgData name="Thomas Welter" userId="6ba22f2b25d63732" providerId="LiveId" clId="{C3AD5994-71BB-4E97-BA5C-783AF1214255}" dt="2023-07-24T18:37:59.417" v="37" actId="14100"/>
+          <ac:spMkLst>
+            <pc:docMk/>
+            <pc:sldMk cId="2458947397" sldId="257"/>
+            <ac:spMk id="133" creationId="{08F8CC36-46FB-2B41-6AFF-8FED3306063B}"/>
+          </ac:spMkLst>
+        </pc:spChg>
+        <pc:spChg chg="mod">
+          <ac:chgData name="Thomas Welter" userId="6ba22f2b25d63732" providerId="LiveId" clId="{C3AD5994-71BB-4E97-BA5C-783AF1214255}" dt="2023-07-24T18:37:54.844" v="36" actId="14100"/>
+          <ac:spMkLst>
+            <pc:docMk/>
+            <pc:sldMk cId="2458947397" sldId="257"/>
+            <ac:spMk id="134" creationId="{A62E68ED-BB8A-D802-A9A4-F660079053D1}"/>
+          </ac:spMkLst>
+        </pc:spChg>
+        <pc:spChg chg="mod">
+          <ac:chgData name="Thomas Welter" userId="6ba22f2b25d63732" providerId="LiveId" clId="{C3AD5994-71BB-4E97-BA5C-783AF1214255}" dt="2023-07-24T18:37:45.888" v="35" actId="14100"/>
+          <ac:spMkLst>
+            <pc:docMk/>
+            <pc:sldMk cId="2458947397" sldId="257"/>
+            <ac:spMk id="135" creationId="{5045ED39-2258-0E65-98DF-FFFA9E42A9A2}"/>
+          </ac:spMkLst>
+        </pc:spChg>
+        <pc:spChg chg="mod">
+          <ac:chgData name="Thomas Welter" userId="6ba22f2b25d63732" providerId="LiveId" clId="{C3AD5994-71BB-4E97-BA5C-783AF1214255}" dt="2023-07-24T18:37:38.836" v="34" actId="14100"/>
+          <ac:spMkLst>
+            <pc:docMk/>
+            <pc:sldMk cId="2458947397" sldId="257"/>
+            <ac:spMk id="136" creationId="{59EB18C8-DDE8-E03C-C3FC-750A2892EEA2}"/>
+          </ac:spMkLst>
+        </pc:spChg>
+        <pc:spChg chg="mod">
+          <ac:chgData name="Thomas Welter" userId="6ba22f2b25d63732" providerId="LiveId" clId="{C3AD5994-71BB-4E97-BA5C-783AF1214255}" dt="2023-07-24T18:38:05.267" v="39" actId="14100"/>
+          <ac:spMkLst>
+            <pc:docMk/>
+            <pc:sldMk cId="2458947397" sldId="257"/>
+            <ac:spMk id="137" creationId="{18A8A572-C21B-53E0-62A3-1AB2A89FFE3A}"/>
+          </ac:spMkLst>
+        </pc:spChg>
+        <pc:spChg chg="mod">
+          <ac:chgData name="Thomas Welter" userId="6ba22f2b25d63732" providerId="LiveId" clId="{C3AD5994-71BB-4E97-BA5C-783AF1214255}" dt="2023-07-24T18:38:20.326" v="42" actId="14100"/>
+          <ac:spMkLst>
+            <pc:docMk/>
+            <pc:sldMk cId="2458947397" sldId="257"/>
+            <ac:spMk id="138" creationId="{031A9FF8-2277-25B4-FBFE-CCB5E3D96E9D}"/>
+          </ac:spMkLst>
+        </pc:spChg>
+        <pc:spChg chg="mod">
+          <ac:chgData name="Thomas Welter" userId="6ba22f2b25d63732" providerId="LiveId" clId="{C3AD5994-71BB-4E97-BA5C-783AF1214255}" dt="2023-07-24T18:38:24.106" v="43" actId="14100"/>
+          <ac:spMkLst>
+            <pc:docMk/>
+            <pc:sldMk cId="2458947397" sldId="257"/>
+            <ac:spMk id="139" creationId="{1F4274A5-0420-FFB7-5FAA-9B55CA4AC3A6}"/>
+          </ac:spMkLst>
+        </pc:spChg>
+        <pc:spChg chg="add mod">
+          <ac:chgData name="Thomas Welter" userId="6ba22f2b25d63732" providerId="LiveId" clId="{C3AD5994-71BB-4E97-BA5C-783AF1214255}" dt="2023-07-24T19:00:57.660" v="824" actId="207"/>
+          <ac:spMkLst>
+            <pc:docMk/>
+            <pc:sldMk cId="2458947397" sldId="257"/>
+            <ac:spMk id="142" creationId="{D29C1F22-2B49-8599-164F-348A9CF12434}"/>
+          </ac:spMkLst>
+        </pc:spChg>
+        <pc:spChg chg="mod">
+          <ac:chgData name="Thomas Welter" userId="6ba22f2b25d63732" providerId="LiveId" clId="{C3AD5994-71BB-4E97-BA5C-783AF1214255}" dt="2023-07-24T18:39:13.800" v="47" actId="1035"/>
+          <ac:spMkLst>
+            <pc:docMk/>
+            <pc:sldMk cId="2458947397" sldId="257"/>
+            <ac:spMk id="152" creationId="{DBB9F014-18B1-047F-04EC-513FFAADBB1D}"/>
+          </ac:spMkLst>
+        </pc:spChg>
+        <pc:spChg chg="mod">
+          <ac:chgData name="Thomas Welter" userId="6ba22f2b25d63732" providerId="LiveId" clId="{C3AD5994-71BB-4E97-BA5C-783AF1214255}" dt="2023-07-24T18:39:13.800" v="47" actId="1035"/>
+          <ac:spMkLst>
+            <pc:docMk/>
+            <pc:sldMk cId="2458947397" sldId="257"/>
+            <ac:spMk id="153" creationId="{1034E156-36E4-C8BD-FF75-AB11C85EC8CA}"/>
+          </ac:spMkLst>
+        </pc:spChg>
+        <pc:spChg chg="mod">
+          <ac:chgData name="Thomas Welter" userId="6ba22f2b25d63732" providerId="LiveId" clId="{C3AD5994-71BB-4E97-BA5C-783AF1214255}" dt="2023-07-24T18:39:13.800" v="47" actId="1035"/>
+          <ac:spMkLst>
+            <pc:docMk/>
+            <pc:sldMk cId="2458947397" sldId="257"/>
+            <ac:spMk id="154" creationId="{7FD2A5EE-3EFF-C499-2A94-4476E1B72E79}"/>
+          </ac:spMkLst>
+        </pc:spChg>
+        <pc:spChg chg="mod">
+          <ac:chgData name="Thomas Welter" userId="6ba22f2b25d63732" providerId="LiveId" clId="{C3AD5994-71BB-4E97-BA5C-783AF1214255}" dt="2023-07-24T18:39:13.800" v="47" actId="1035"/>
+          <ac:spMkLst>
+            <pc:docMk/>
+            <pc:sldMk cId="2458947397" sldId="257"/>
+            <ac:spMk id="155" creationId="{CF20EB0E-8BAA-87AC-0098-B2672E56081A}"/>
+          </ac:spMkLst>
+        </pc:spChg>
+        <pc:spChg chg="mod">
+          <ac:chgData name="Thomas Welter" userId="6ba22f2b25d63732" providerId="LiveId" clId="{C3AD5994-71BB-4E97-BA5C-783AF1214255}" dt="2023-07-24T18:39:13.800" v="47" actId="1035"/>
+          <ac:spMkLst>
+            <pc:docMk/>
+            <pc:sldMk cId="2458947397" sldId="257"/>
+            <ac:spMk id="156" creationId="{F5644C67-9B38-648F-0BAD-FAED0D5827FC}"/>
+          </ac:spMkLst>
+        </pc:spChg>
+        <pc:spChg chg="mod">
+          <ac:chgData name="Thomas Welter" userId="6ba22f2b25d63732" providerId="LiveId" clId="{C3AD5994-71BB-4E97-BA5C-783AF1214255}" dt="2023-07-24T18:39:13.800" v="47" actId="1035"/>
+          <ac:spMkLst>
+            <pc:docMk/>
+            <pc:sldMk cId="2458947397" sldId="257"/>
+            <ac:spMk id="161" creationId="{57DFFA8D-5E08-429D-447C-17B2A8DFE3B3}"/>
+          </ac:spMkLst>
+        </pc:spChg>
+        <pc:spChg chg="mod">
+          <ac:chgData name="Thomas Welter" userId="6ba22f2b25d63732" providerId="LiveId" clId="{C3AD5994-71BB-4E97-BA5C-783AF1214255}" dt="2023-07-24T18:39:13.800" v="47" actId="1035"/>
+          <ac:spMkLst>
+            <pc:docMk/>
+            <pc:sldMk cId="2458947397" sldId="257"/>
+            <ac:spMk id="168" creationId="{02B06EC0-DEBA-05E7-BD0A-F9371D41D79D}"/>
+          </ac:spMkLst>
+        </pc:spChg>
+        <pc:spChg chg="mod">
+          <ac:chgData name="Thomas Welter" userId="6ba22f2b25d63732" providerId="LiveId" clId="{C3AD5994-71BB-4E97-BA5C-783AF1214255}" dt="2023-07-24T18:39:13.800" v="47" actId="1035"/>
+          <ac:spMkLst>
+            <pc:docMk/>
+            <pc:sldMk cId="2458947397" sldId="257"/>
+            <ac:spMk id="175" creationId="{F91F5002-BF27-640D-9129-D0E019B580D9}"/>
+          </ac:spMkLst>
+        </pc:spChg>
+        <pc:spChg chg="mod">
+          <ac:chgData name="Thomas Welter" userId="6ba22f2b25d63732" providerId="LiveId" clId="{C3AD5994-71BB-4E97-BA5C-783AF1214255}" dt="2023-07-24T18:39:13.800" v="47" actId="1035"/>
+          <ac:spMkLst>
+            <pc:docMk/>
+            <pc:sldMk cId="2458947397" sldId="257"/>
+            <ac:spMk id="176" creationId="{8DDFD4BB-F4B0-D254-1366-6242221AE48C}"/>
+          </ac:spMkLst>
+        </pc:spChg>
+        <pc:spChg chg="mod">
+          <ac:chgData name="Thomas Welter" userId="6ba22f2b25d63732" providerId="LiveId" clId="{C3AD5994-71BB-4E97-BA5C-783AF1214255}" dt="2023-07-24T18:39:13.800" v="47" actId="1035"/>
+          <ac:spMkLst>
+            <pc:docMk/>
+            <pc:sldMk cId="2458947397" sldId="257"/>
+            <ac:spMk id="177" creationId="{DFD9A2EE-B14D-6697-9073-B9219B2C9F65}"/>
+          </ac:spMkLst>
+        </pc:spChg>
+        <pc:spChg chg="mod">
+          <ac:chgData name="Thomas Welter" userId="6ba22f2b25d63732" providerId="LiveId" clId="{C3AD5994-71BB-4E97-BA5C-783AF1214255}" dt="2023-07-24T18:39:13.800" v="47" actId="1035"/>
+          <ac:spMkLst>
+            <pc:docMk/>
+            <pc:sldMk cId="2458947397" sldId="257"/>
+            <ac:spMk id="186" creationId="{04D50049-CB5D-793C-5FE9-46BFE288C53D}"/>
+          </ac:spMkLst>
+        </pc:spChg>
+        <pc:spChg chg="mod">
+          <ac:chgData name="Thomas Welter" userId="6ba22f2b25d63732" providerId="LiveId" clId="{C3AD5994-71BB-4E97-BA5C-783AF1214255}" dt="2023-07-24T18:39:13.800" v="47" actId="1035"/>
+          <ac:spMkLst>
+            <pc:docMk/>
+            <pc:sldMk cId="2458947397" sldId="257"/>
+            <ac:spMk id="327" creationId="{E6847C51-20D8-F3FA-9BE3-DD3A4A97530B}"/>
+          </ac:spMkLst>
+        </pc:spChg>
+        <pc:spChg chg="mod">
+          <ac:chgData name="Thomas Welter" userId="6ba22f2b25d63732" providerId="LiveId" clId="{C3AD5994-71BB-4E97-BA5C-783AF1214255}" dt="2023-07-24T18:39:13.800" v="47" actId="1035"/>
+          <ac:spMkLst>
+            <pc:docMk/>
+            <pc:sldMk cId="2458947397" sldId="257"/>
+            <ac:spMk id="331" creationId="{71AB2A86-15A3-EE52-4889-E8507355EA07}"/>
+          </ac:spMkLst>
+        </pc:spChg>
+        <pc:spChg chg="mod">
+          <ac:chgData name="Thomas Welter" userId="6ba22f2b25d63732" providerId="LiveId" clId="{C3AD5994-71BB-4E97-BA5C-783AF1214255}" dt="2023-07-24T18:39:13.800" v="47" actId="1035"/>
+          <ac:spMkLst>
+            <pc:docMk/>
+            <pc:sldMk cId="2458947397" sldId="257"/>
+            <ac:spMk id="409" creationId="{660C9B53-EFAE-78BF-C4DA-5A9E9A3C517D}"/>
+          </ac:spMkLst>
+        </pc:spChg>
+        <pc:grpChg chg="add mod">
+          <ac:chgData name="Thomas Welter" userId="6ba22f2b25d63732" providerId="LiveId" clId="{C3AD5994-71BB-4E97-BA5C-783AF1214255}" dt="2023-07-24T18:38:16.922" v="41" actId="14100"/>
+          <ac:grpSpMkLst>
+            <pc:docMk/>
+            <pc:sldMk cId="2458947397" sldId="257"/>
+            <ac:grpSpMk id="140" creationId="{A1B8F445-84B3-C67A-57AE-2BDB7FD7FBF6}"/>
+          </ac:grpSpMkLst>
+        </pc:grpChg>
+        <pc:cxnChg chg="mod">
+          <ac:chgData name="Thomas Welter" userId="6ba22f2b25d63732" providerId="LiveId" clId="{C3AD5994-71BB-4E97-BA5C-783AF1214255}" dt="2023-07-24T18:39:13.800" v="47" actId="1035"/>
+          <ac:cxnSpMkLst>
+            <pc:docMk/>
+            <pc:sldMk cId="2458947397" sldId="257"/>
+            <ac:cxnSpMk id="26" creationId="{752B3071-4C42-BBFC-395C-1FBA1BFB8056}"/>
+          </ac:cxnSpMkLst>
+        </pc:cxnChg>
+        <pc:cxnChg chg="mod">
+          <ac:chgData name="Thomas Welter" userId="6ba22f2b25d63732" providerId="LiveId" clId="{C3AD5994-71BB-4E97-BA5C-783AF1214255}" dt="2023-07-24T18:39:13.800" v="47" actId="1035"/>
+          <ac:cxnSpMkLst>
+            <pc:docMk/>
+            <pc:sldMk cId="2458947397" sldId="257"/>
+            <ac:cxnSpMk id="37" creationId="{85390976-9D77-586F-84A7-EE14D7F693EB}"/>
+          </ac:cxnSpMkLst>
+        </pc:cxnChg>
+        <pc:cxnChg chg="add del mod">
+          <ac:chgData name="Thomas Welter" userId="6ba22f2b25d63732" providerId="LiveId" clId="{C3AD5994-71BB-4E97-BA5C-783AF1214255}" dt="2023-07-24T18:28:53.725" v="13" actId="478"/>
+          <ac:cxnSpMkLst>
+            <pc:docMk/>
+            <pc:sldMk cId="2458947397" sldId="257"/>
+            <ac:cxnSpMk id="52" creationId="{8081F7EC-0659-7CF2-528C-5443F564E03D}"/>
+          </ac:cxnSpMkLst>
+        </pc:cxnChg>
+        <pc:cxnChg chg="mod">
+          <ac:chgData name="Thomas Welter" userId="6ba22f2b25d63732" providerId="LiveId" clId="{C3AD5994-71BB-4E97-BA5C-783AF1214255}" dt="2023-07-24T18:39:13.800" v="47" actId="1035"/>
+          <ac:cxnSpMkLst>
+            <pc:docMk/>
+            <pc:sldMk cId="2458947397" sldId="257"/>
+            <ac:cxnSpMk id="53" creationId="{0854AA5B-B3F8-8919-E5B1-D4F77805FF2D}"/>
+          </ac:cxnSpMkLst>
+        </pc:cxnChg>
+        <pc:cxnChg chg="mod">
+          <ac:chgData name="Thomas Welter" userId="6ba22f2b25d63732" providerId="LiveId" clId="{C3AD5994-71BB-4E97-BA5C-783AF1214255}" dt="2023-07-24T18:39:13.800" v="47" actId="1035"/>
+          <ac:cxnSpMkLst>
+            <pc:docMk/>
+            <pc:sldMk cId="2458947397" sldId="257"/>
+            <ac:cxnSpMk id="67" creationId="{FD63E5BA-9845-148F-9350-C8518A0AF6AD}"/>
+          </ac:cxnSpMkLst>
+        </pc:cxnChg>
+        <pc:cxnChg chg="mod">
+          <ac:chgData name="Thomas Welter" userId="6ba22f2b25d63732" providerId="LiveId" clId="{C3AD5994-71BB-4E97-BA5C-783AF1214255}" dt="2023-07-24T18:39:13.800" v="47" actId="1035"/>
+          <ac:cxnSpMkLst>
+            <pc:docMk/>
+            <pc:sldMk cId="2458947397" sldId="257"/>
+            <ac:cxnSpMk id="110" creationId="{AD0DF888-6AF9-F10D-7467-0C3F5A176A69}"/>
+          </ac:cxnSpMkLst>
+        </pc:cxnChg>
+        <pc:cxnChg chg="add del mod">
+          <ac:chgData name="Thomas Welter" userId="6ba22f2b25d63732" providerId="LiveId" clId="{C3AD5994-71BB-4E97-BA5C-783AF1214255}" dt="2023-07-24T18:40:45.827" v="60" actId="478"/>
+          <ac:cxnSpMkLst>
+            <pc:docMk/>
+            <pc:sldMk cId="2458947397" sldId="257"/>
+            <ac:cxnSpMk id="111" creationId="{5845A4AE-0229-BEDF-DD89-3662E151F9C3}"/>
+          </ac:cxnSpMkLst>
+        </pc:cxnChg>
+        <pc:cxnChg chg="add del mod">
+          <ac:chgData name="Thomas Welter" userId="6ba22f2b25d63732" providerId="LiveId" clId="{C3AD5994-71BB-4E97-BA5C-783AF1214255}" dt="2023-07-24T18:40:46.725" v="61" actId="478"/>
+          <ac:cxnSpMkLst>
+            <pc:docMk/>
+            <pc:sldMk cId="2458947397" sldId="257"/>
+            <ac:cxnSpMk id="112" creationId="{9CC02040-62B6-AAE3-D2FB-655AA6F144D9}"/>
+          </ac:cxnSpMkLst>
+        </pc:cxnChg>
+        <pc:cxnChg chg="mod">
+          <ac:chgData name="Thomas Welter" userId="6ba22f2b25d63732" providerId="LiveId" clId="{C3AD5994-71BB-4E97-BA5C-783AF1214255}" dt="2023-07-24T18:39:13.800" v="47" actId="1035"/>
+          <ac:cxnSpMkLst>
+            <pc:docMk/>
+            <pc:sldMk cId="2458947397" sldId="257"/>
+            <ac:cxnSpMk id="159" creationId="{3E027327-2517-3E5C-212C-F12A935CD5ED}"/>
+          </ac:cxnSpMkLst>
+        </pc:cxnChg>
+        <pc:cxnChg chg="mod">
+          <ac:chgData name="Thomas Welter" userId="6ba22f2b25d63732" providerId="LiveId" clId="{C3AD5994-71BB-4E97-BA5C-783AF1214255}" dt="2023-07-24T18:39:13.800" v="47" actId="1035"/>
+          <ac:cxnSpMkLst>
+            <pc:docMk/>
+            <pc:sldMk cId="2458947397" sldId="257"/>
+            <ac:cxnSpMk id="162" creationId="{119FCF2C-386A-81C3-17AA-A0D3E9B9EFFB}"/>
+          </ac:cxnSpMkLst>
+        </pc:cxnChg>
+        <pc:cxnChg chg="mod">
+          <ac:chgData name="Thomas Welter" userId="6ba22f2b25d63732" providerId="LiveId" clId="{C3AD5994-71BB-4E97-BA5C-783AF1214255}" dt="2023-07-24T18:39:13.800" v="47" actId="1035"/>
+          <ac:cxnSpMkLst>
+            <pc:docMk/>
+            <pc:sldMk cId="2458947397" sldId="257"/>
+            <ac:cxnSpMk id="169" creationId="{E349ED96-2D62-B31D-6180-D6B772BB5026}"/>
+          </ac:cxnSpMkLst>
+        </pc:cxnChg>
+        <pc:cxnChg chg="mod">
+          <ac:chgData name="Thomas Welter" userId="6ba22f2b25d63732" providerId="LiveId" clId="{C3AD5994-71BB-4E97-BA5C-783AF1214255}" dt="2023-07-24T18:39:13.800" v="47" actId="1035"/>
+          <ac:cxnSpMkLst>
+            <pc:docMk/>
+            <pc:sldMk cId="2458947397" sldId="257"/>
+            <ac:cxnSpMk id="171" creationId="{24BAF8AC-8907-2E3B-88A7-A55516F717E8}"/>
+          </ac:cxnSpMkLst>
+        </pc:cxnChg>
+        <pc:cxnChg chg="mod">
+          <ac:chgData name="Thomas Welter" userId="6ba22f2b25d63732" providerId="LiveId" clId="{C3AD5994-71BB-4E97-BA5C-783AF1214255}" dt="2023-07-24T18:39:13.800" v="47" actId="1035"/>
+          <ac:cxnSpMkLst>
+            <pc:docMk/>
+            <pc:sldMk cId="2458947397" sldId="257"/>
+            <ac:cxnSpMk id="178" creationId="{EE7CCE53-175A-CB6B-4F9D-8843D7C8EC56}"/>
+          </ac:cxnSpMkLst>
+        </pc:cxnChg>
+        <pc:cxnChg chg="mod">
+          <ac:chgData name="Thomas Welter" userId="6ba22f2b25d63732" providerId="LiveId" clId="{C3AD5994-71BB-4E97-BA5C-783AF1214255}" dt="2023-07-24T18:39:13.800" v="47" actId="1035"/>
+          <ac:cxnSpMkLst>
+            <pc:docMk/>
+            <pc:sldMk cId="2458947397" sldId="257"/>
+            <ac:cxnSpMk id="179" creationId="{25B1BD73-9948-AC1A-A4D9-9D47CE8F1D9C}"/>
+          </ac:cxnSpMkLst>
+        </pc:cxnChg>
+        <pc:cxnChg chg="mod">
+          <ac:chgData name="Thomas Welter" userId="6ba22f2b25d63732" providerId="LiveId" clId="{C3AD5994-71BB-4E97-BA5C-783AF1214255}" dt="2023-07-24T18:39:13.800" v="47" actId="1035"/>
+          <ac:cxnSpMkLst>
+            <pc:docMk/>
+            <pc:sldMk cId="2458947397" sldId="257"/>
+            <ac:cxnSpMk id="182" creationId="{096DC542-DD10-67A4-4AB4-C28304AB1533}"/>
+          </ac:cxnSpMkLst>
+        </pc:cxnChg>
+        <pc:cxnChg chg="mod">
+          <ac:chgData name="Thomas Welter" userId="6ba22f2b25d63732" providerId="LiveId" clId="{C3AD5994-71BB-4E97-BA5C-783AF1214255}" dt="2023-07-24T18:39:13.800" v="47" actId="1035"/>
+          <ac:cxnSpMkLst>
+            <pc:docMk/>
+            <pc:sldMk cId="2458947397" sldId="257"/>
+            <ac:cxnSpMk id="187" creationId="{0333DAC1-E2B3-813F-1D0B-11C616A3A07D}"/>
+          </ac:cxnSpMkLst>
+        </pc:cxnChg>
+        <pc:cxnChg chg="mod">
+          <ac:chgData name="Thomas Welter" userId="6ba22f2b25d63732" providerId="LiveId" clId="{C3AD5994-71BB-4E97-BA5C-783AF1214255}" dt="2023-07-24T18:39:13.800" v="47" actId="1035"/>
+          <ac:cxnSpMkLst>
+            <pc:docMk/>
+            <pc:sldMk cId="2458947397" sldId="257"/>
+            <ac:cxnSpMk id="191" creationId="{5CA91702-A83C-2F10-8F12-26B63F557FF1}"/>
+          </ac:cxnSpMkLst>
+        </pc:cxnChg>
+        <pc:cxnChg chg="mod">
+          <ac:chgData name="Thomas Welter" userId="6ba22f2b25d63732" providerId="LiveId" clId="{C3AD5994-71BB-4E97-BA5C-783AF1214255}" dt="2023-07-24T18:39:13.800" v="47" actId="1035"/>
+          <ac:cxnSpMkLst>
+            <pc:docMk/>
+            <pc:sldMk cId="2458947397" sldId="257"/>
+            <ac:cxnSpMk id="193" creationId="{9DEB76A2-1B6D-8C36-3464-9BE1EC80C0F1}"/>
+          </ac:cxnSpMkLst>
+        </pc:cxnChg>
+        <pc:cxnChg chg="mod">
+          <ac:chgData name="Thomas Welter" userId="6ba22f2b25d63732" providerId="LiveId" clId="{C3AD5994-71BB-4E97-BA5C-783AF1214255}" dt="2023-07-24T18:39:13.800" v="47" actId="1035"/>
+          <ac:cxnSpMkLst>
+            <pc:docMk/>
+            <pc:sldMk cId="2458947397" sldId="257"/>
+            <ac:cxnSpMk id="197" creationId="{9113B961-67C3-B01D-7E44-6587ACC5CC29}"/>
+          </ac:cxnSpMkLst>
+        </pc:cxnChg>
+        <pc:cxnChg chg="mod">
+          <ac:chgData name="Thomas Welter" userId="6ba22f2b25d63732" providerId="LiveId" clId="{C3AD5994-71BB-4E97-BA5C-783AF1214255}" dt="2023-07-24T18:39:13.800" v="47" actId="1035"/>
+          <ac:cxnSpMkLst>
+            <pc:docMk/>
+            <pc:sldMk cId="2458947397" sldId="257"/>
+            <ac:cxnSpMk id="201" creationId="{908DAE42-17BC-5181-3EB8-A1875DF68614}"/>
+          </ac:cxnSpMkLst>
+        </pc:cxnChg>
+        <pc:cxnChg chg="mod">
+          <ac:chgData name="Thomas Welter" userId="6ba22f2b25d63732" providerId="LiveId" clId="{C3AD5994-71BB-4E97-BA5C-783AF1214255}" dt="2023-07-24T18:39:13.800" v="47" actId="1035"/>
+          <ac:cxnSpMkLst>
+            <pc:docMk/>
+            <pc:sldMk cId="2458947397" sldId="257"/>
+            <ac:cxnSpMk id="227" creationId="{B6707C96-0A9D-3448-4CDD-611D24579008}"/>
+          </ac:cxnSpMkLst>
+        </pc:cxnChg>
+        <pc:cxnChg chg="mod">
+          <ac:chgData name="Thomas Welter" userId="6ba22f2b25d63732" providerId="LiveId" clId="{C3AD5994-71BB-4E97-BA5C-783AF1214255}" dt="2023-07-24T18:39:13.800" v="47" actId="1035"/>
+          <ac:cxnSpMkLst>
+            <pc:docMk/>
+            <pc:sldMk cId="2458947397" sldId="257"/>
+            <ac:cxnSpMk id="273" creationId="{71CCE023-DD0E-A26A-78BA-9B09933375DC}"/>
+          </ac:cxnSpMkLst>
+        </pc:cxnChg>
+        <pc:cxnChg chg="mod">
+          <ac:chgData name="Thomas Welter" userId="6ba22f2b25d63732" providerId="LiveId" clId="{C3AD5994-71BB-4E97-BA5C-783AF1214255}" dt="2023-07-24T18:39:13.800" v="47" actId="1035"/>
+          <ac:cxnSpMkLst>
+            <pc:docMk/>
+            <pc:sldMk cId="2458947397" sldId="257"/>
+            <ac:cxnSpMk id="277" creationId="{5A8433E9-BA1B-C321-0EB9-FB88C4A517A2}"/>
+          </ac:cxnSpMkLst>
+        </pc:cxnChg>
+        <pc:cxnChg chg="mod">
+          <ac:chgData name="Thomas Welter" userId="6ba22f2b25d63732" providerId="LiveId" clId="{C3AD5994-71BB-4E97-BA5C-783AF1214255}" dt="2023-07-24T18:39:13.800" v="47" actId="1035"/>
+          <ac:cxnSpMkLst>
+            <pc:docMk/>
+            <pc:sldMk cId="2458947397" sldId="257"/>
+            <ac:cxnSpMk id="281" creationId="{9D725A7B-34A3-9B0B-A9E2-029A563734D5}"/>
+          </ac:cxnSpMkLst>
+        </pc:cxnChg>
+        <pc:cxnChg chg="mod">
+          <ac:chgData name="Thomas Welter" userId="6ba22f2b25d63732" providerId="LiveId" clId="{C3AD5994-71BB-4E97-BA5C-783AF1214255}" dt="2023-07-24T18:39:13.800" v="47" actId="1035"/>
+          <ac:cxnSpMkLst>
+            <pc:docMk/>
+            <pc:sldMk cId="2458947397" sldId="257"/>
+            <ac:cxnSpMk id="284" creationId="{84B48769-3A1C-3877-FE3E-2FB9697556CA}"/>
+          </ac:cxnSpMkLst>
+        </pc:cxnChg>
+        <pc:cxnChg chg="mod">
+          <ac:chgData name="Thomas Welter" userId="6ba22f2b25d63732" providerId="LiveId" clId="{C3AD5994-71BB-4E97-BA5C-783AF1214255}" dt="2023-07-24T18:39:13.800" v="47" actId="1035"/>
+          <ac:cxnSpMkLst>
+            <pc:docMk/>
+            <pc:sldMk cId="2458947397" sldId="257"/>
+            <ac:cxnSpMk id="288" creationId="{F0477F82-D9A2-4989-AC70-C66B0A223932}"/>
+          </ac:cxnSpMkLst>
+        </pc:cxnChg>
+        <pc:cxnChg chg="mod">
+          <ac:chgData name="Thomas Welter" userId="6ba22f2b25d63732" providerId="LiveId" clId="{C3AD5994-71BB-4E97-BA5C-783AF1214255}" dt="2023-07-24T18:39:13.800" v="47" actId="1035"/>
+          <ac:cxnSpMkLst>
+            <pc:docMk/>
+            <pc:sldMk cId="2458947397" sldId="257"/>
+            <ac:cxnSpMk id="292" creationId="{1866A36F-F870-DF9A-C71F-D6BC33369A8F}"/>
+          </ac:cxnSpMkLst>
+        </pc:cxnChg>
+        <pc:cxnChg chg="mod">
+          <ac:chgData name="Thomas Welter" userId="6ba22f2b25d63732" providerId="LiveId" clId="{C3AD5994-71BB-4E97-BA5C-783AF1214255}" dt="2023-07-24T18:39:13.800" v="47" actId="1035"/>
+          <ac:cxnSpMkLst>
+            <pc:docMk/>
+            <pc:sldMk cId="2458947397" sldId="257"/>
+            <ac:cxnSpMk id="298" creationId="{25331369-0679-4EEE-BB8D-FBB4C2AA3E06}"/>
+          </ac:cxnSpMkLst>
+        </pc:cxnChg>
+        <pc:cxnChg chg="mod">
+          <ac:chgData name="Thomas Welter" userId="6ba22f2b25d63732" providerId="LiveId" clId="{C3AD5994-71BB-4E97-BA5C-783AF1214255}" dt="2023-07-24T18:39:13.800" v="47" actId="1035"/>
+          <ac:cxnSpMkLst>
+            <pc:docMk/>
+            <pc:sldMk cId="2458947397" sldId="257"/>
+            <ac:cxnSpMk id="301" creationId="{16F59691-6CC8-7FDD-D384-77ABAE824DFD}"/>
+          </ac:cxnSpMkLst>
+        </pc:cxnChg>
+        <pc:cxnChg chg="mod">
+          <ac:chgData name="Thomas Welter" userId="6ba22f2b25d63732" providerId="LiveId" clId="{C3AD5994-71BB-4E97-BA5C-783AF1214255}" dt="2023-07-24T18:39:13.800" v="47" actId="1035"/>
+          <ac:cxnSpMkLst>
+            <pc:docMk/>
+            <pc:sldMk cId="2458947397" sldId="257"/>
+            <ac:cxnSpMk id="308" creationId="{E1C5D271-33D1-35A2-550C-6C658C61DFAD}"/>
+          </ac:cxnSpMkLst>
+        </pc:cxnChg>
+        <pc:cxnChg chg="mod">
+          <ac:chgData name="Thomas Welter" userId="6ba22f2b25d63732" providerId="LiveId" clId="{C3AD5994-71BB-4E97-BA5C-783AF1214255}" dt="2023-07-24T18:39:13.800" v="47" actId="1035"/>
+          <ac:cxnSpMkLst>
+            <pc:docMk/>
+            <pc:sldMk cId="2458947397" sldId="257"/>
+            <ac:cxnSpMk id="316" creationId="{AA1E9CF9-632E-F4AC-3CDF-6559CDE73086}"/>
+          </ac:cxnSpMkLst>
+        </pc:cxnChg>
+        <pc:cxnChg chg="mod">
+          <ac:chgData name="Thomas Welter" userId="6ba22f2b25d63732" providerId="LiveId" clId="{C3AD5994-71BB-4E97-BA5C-783AF1214255}" dt="2023-07-24T18:39:13.800" v="47" actId="1035"/>
+          <ac:cxnSpMkLst>
+            <pc:docMk/>
+            <pc:sldMk cId="2458947397" sldId="257"/>
+            <ac:cxnSpMk id="320" creationId="{2E4A0ADA-DE61-5AF8-D6A7-A7D519277115}"/>
+          </ac:cxnSpMkLst>
+        </pc:cxnChg>
+        <pc:cxnChg chg="mod">
+          <ac:chgData name="Thomas Welter" userId="6ba22f2b25d63732" providerId="LiveId" clId="{C3AD5994-71BB-4E97-BA5C-783AF1214255}" dt="2023-07-24T18:39:13.800" v="47" actId="1035"/>
+          <ac:cxnSpMkLst>
+            <pc:docMk/>
+            <pc:sldMk cId="2458947397" sldId="257"/>
+            <ac:cxnSpMk id="323" creationId="{8BC0DF79-ACB8-AD30-C01B-B7A991E3D5BC}"/>
+          </ac:cxnSpMkLst>
+        </pc:cxnChg>
+        <pc:cxnChg chg="mod">
+          <ac:chgData name="Thomas Welter" userId="6ba22f2b25d63732" providerId="LiveId" clId="{C3AD5994-71BB-4E97-BA5C-783AF1214255}" dt="2023-07-24T18:39:13.800" v="47" actId="1035"/>
+          <ac:cxnSpMkLst>
+            <pc:docMk/>
+            <pc:sldMk cId="2458947397" sldId="257"/>
+            <ac:cxnSpMk id="326" creationId="{AF86826B-05A9-CD7D-B204-32DC02046954}"/>
+          </ac:cxnSpMkLst>
+        </pc:cxnChg>
+        <pc:cxnChg chg="mod">
+          <ac:chgData name="Thomas Welter" userId="6ba22f2b25d63732" providerId="LiveId" clId="{C3AD5994-71BB-4E97-BA5C-783AF1214255}" dt="2023-07-24T18:39:13.800" v="47" actId="1035"/>
+          <ac:cxnSpMkLst>
+            <pc:docMk/>
+            <pc:sldMk cId="2458947397" sldId="257"/>
+            <ac:cxnSpMk id="332" creationId="{25801BD7-1CC6-3635-B19A-474E214A0DC7}"/>
+          </ac:cxnSpMkLst>
+        </pc:cxnChg>
+        <pc:cxnChg chg="mod">
+          <ac:chgData name="Thomas Welter" userId="6ba22f2b25d63732" providerId="LiveId" clId="{C3AD5994-71BB-4E97-BA5C-783AF1214255}" dt="2023-07-24T18:39:13.800" v="47" actId="1035"/>
+          <ac:cxnSpMkLst>
+            <pc:docMk/>
+            <pc:sldMk cId="2458947397" sldId="257"/>
+            <ac:cxnSpMk id="335" creationId="{ECFDD9D9-EF83-30CF-7CDE-B4CF6BCF3C70}"/>
+          </ac:cxnSpMkLst>
+        </pc:cxnChg>
+        <pc:cxnChg chg="mod">
+          <ac:chgData name="Thomas Welter" userId="6ba22f2b25d63732" providerId="LiveId" clId="{C3AD5994-71BB-4E97-BA5C-783AF1214255}" dt="2023-07-24T18:39:13.800" v="47" actId="1035"/>
+          <ac:cxnSpMkLst>
+            <pc:docMk/>
+            <pc:sldMk cId="2458947397" sldId="257"/>
+            <ac:cxnSpMk id="339" creationId="{5176BC7B-CDB2-56F3-3EC5-10128A446E40}"/>
+          </ac:cxnSpMkLst>
+        </pc:cxnChg>
+        <pc:cxnChg chg="mod">
+          <ac:chgData name="Thomas Welter" userId="6ba22f2b25d63732" providerId="LiveId" clId="{C3AD5994-71BB-4E97-BA5C-783AF1214255}" dt="2023-07-24T18:39:13.800" v="47" actId="1035"/>
+          <ac:cxnSpMkLst>
+            <pc:docMk/>
+            <pc:sldMk cId="2458947397" sldId="257"/>
+            <ac:cxnSpMk id="342" creationId="{BBFD7080-6A60-BC72-6447-ACF3C6171854}"/>
+          </ac:cxnSpMkLst>
+        </pc:cxnChg>
+        <pc:cxnChg chg="mod">
+          <ac:chgData name="Thomas Welter" userId="6ba22f2b25d63732" providerId="LiveId" clId="{C3AD5994-71BB-4E97-BA5C-783AF1214255}" dt="2023-07-24T18:39:13.800" v="47" actId="1035"/>
+          <ac:cxnSpMkLst>
+            <pc:docMk/>
+            <pc:sldMk cId="2458947397" sldId="257"/>
+            <ac:cxnSpMk id="345" creationId="{8D71BF5C-75EC-58A4-CD4D-5FFCEC6572D2}"/>
+          </ac:cxnSpMkLst>
+        </pc:cxnChg>
+        <pc:cxnChg chg="mod">
+          <ac:chgData name="Thomas Welter" userId="6ba22f2b25d63732" providerId="LiveId" clId="{C3AD5994-71BB-4E97-BA5C-783AF1214255}" dt="2023-07-24T18:39:13.800" v="47" actId="1035"/>
+          <ac:cxnSpMkLst>
+            <pc:docMk/>
+            <pc:sldMk cId="2458947397" sldId="257"/>
+            <ac:cxnSpMk id="348" creationId="{0369632F-C7A8-DDEE-64B8-704FA7797F09}"/>
+          </ac:cxnSpMkLst>
+        </pc:cxnChg>
+        <pc:cxnChg chg="mod">
+          <ac:chgData name="Thomas Welter" userId="6ba22f2b25d63732" providerId="LiveId" clId="{C3AD5994-71BB-4E97-BA5C-783AF1214255}" dt="2023-07-24T18:39:13.800" v="47" actId="1035"/>
+          <ac:cxnSpMkLst>
+            <pc:docMk/>
+            <pc:sldMk cId="2458947397" sldId="257"/>
+            <ac:cxnSpMk id="352" creationId="{509305E4-9BBA-6ACC-9C27-085D4E2A0DA6}"/>
+          </ac:cxnSpMkLst>
+        </pc:cxnChg>
+        <pc:cxnChg chg="mod">
+          <ac:chgData name="Thomas Welter" userId="6ba22f2b25d63732" providerId="LiveId" clId="{C3AD5994-71BB-4E97-BA5C-783AF1214255}" dt="2023-07-24T18:39:13.800" v="47" actId="1035"/>
+          <ac:cxnSpMkLst>
+            <pc:docMk/>
+            <pc:sldMk cId="2458947397" sldId="257"/>
+            <ac:cxnSpMk id="355" creationId="{AC5CE64F-57EB-50FD-CFE0-9C3A49B2D384}"/>
+          </ac:cxnSpMkLst>
+        </pc:cxnChg>
+        <pc:cxnChg chg="mod">
+          <ac:chgData name="Thomas Welter" userId="6ba22f2b25d63732" providerId="LiveId" clId="{C3AD5994-71BB-4E97-BA5C-783AF1214255}" dt="2023-07-24T18:39:13.800" v="47" actId="1035"/>
+          <ac:cxnSpMkLst>
+            <pc:docMk/>
+            <pc:sldMk cId="2458947397" sldId="257"/>
+            <ac:cxnSpMk id="359" creationId="{FA8567E4-67DB-02E7-977D-CB932FBA3B30}"/>
+          </ac:cxnSpMkLst>
+        </pc:cxnChg>
+        <pc:cxnChg chg="mod">
+          <ac:chgData name="Thomas Welter" userId="6ba22f2b25d63732" providerId="LiveId" clId="{C3AD5994-71BB-4E97-BA5C-783AF1214255}" dt="2023-07-24T18:39:13.800" v="47" actId="1035"/>
+          <ac:cxnSpMkLst>
+            <pc:docMk/>
+            <pc:sldMk cId="2458947397" sldId="257"/>
+            <ac:cxnSpMk id="362" creationId="{19BB60CE-2F9D-B6F1-4A54-52AF9165AA62}"/>
+          </ac:cxnSpMkLst>
+        </pc:cxnChg>
+        <pc:cxnChg chg="mod">
+          <ac:chgData name="Thomas Welter" userId="6ba22f2b25d63732" providerId="LiveId" clId="{C3AD5994-71BB-4E97-BA5C-783AF1214255}" dt="2023-07-24T18:39:13.800" v="47" actId="1035"/>
+          <ac:cxnSpMkLst>
+            <pc:docMk/>
+            <pc:sldMk cId="2458947397" sldId="257"/>
+            <ac:cxnSpMk id="368" creationId="{FD451739-48FA-2E75-359F-7360981DB263}"/>
+          </ac:cxnSpMkLst>
+        </pc:cxnChg>
+        <pc:cxnChg chg="mod">
+          <ac:chgData name="Thomas Welter" userId="6ba22f2b25d63732" providerId="LiveId" clId="{C3AD5994-71BB-4E97-BA5C-783AF1214255}" dt="2023-07-24T18:39:13.800" v="47" actId="1035"/>
+          <ac:cxnSpMkLst>
+            <pc:docMk/>
+            <pc:sldMk cId="2458947397" sldId="257"/>
+            <ac:cxnSpMk id="372" creationId="{16D596C7-71D8-C69D-3DB6-B9D09B85125E}"/>
+          </ac:cxnSpMkLst>
+        </pc:cxnChg>
+        <pc:cxnChg chg="mod">
+          <ac:chgData name="Thomas Welter" userId="6ba22f2b25d63732" providerId="LiveId" clId="{C3AD5994-71BB-4E97-BA5C-783AF1214255}" dt="2023-07-24T18:39:13.800" v="47" actId="1035"/>
+          <ac:cxnSpMkLst>
+            <pc:docMk/>
+            <pc:sldMk cId="2458947397" sldId="257"/>
+            <ac:cxnSpMk id="378" creationId="{79277925-7BC9-7D91-3BAB-565B2A615508}"/>
+          </ac:cxnSpMkLst>
+        </pc:cxnChg>
+        <pc:cxnChg chg="mod">
+          <ac:chgData name="Thomas Welter" userId="6ba22f2b25d63732" providerId="LiveId" clId="{C3AD5994-71BB-4E97-BA5C-783AF1214255}" dt="2023-07-24T18:39:13.800" v="47" actId="1035"/>
+          <ac:cxnSpMkLst>
+            <pc:docMk/>
+            <pc:sldMk cId="2458947397" sldId="257"/>
+            <ac:cxnSpMk id="383" creationId="{BDCFB436-994A-EAD4-C09A-0982AE8A2C21}"/>
+          </ac:cxnSpMkLst>
+        </pc:cxnChg>
+        <pc:cxnChg chg="mod">
+          <ac:chgData name="Thomas Welter" userId="6ba22f2b25d63732" providerId="LiveId" clId="{C3AD5994-71BB-4E97-BA5C-783AF1214255}" dt="2023-07-24T18:39:13.800" v="47" actId="1035"/>
+          <ac:cxnSpMkLst>
+            <pc:docMk/>
+            <pc:sldMk cId="2458947397" sldId="257"/>
+            <ac:cxnSpMk id="387" creationId="{C43BAD97-6E27-6805-EFEF-4A4F7DB90C7F}"/>
+          </ac:cxnSpMkLst>
+        </pc:cxnChg>
+        <pc:cxnChg chg="mod">
+          <ac:chgData name="Thomas Welter" userId="6ba22f2b25d63732" providerId="LiveId" clId="{C3AD5994-71BB-4E97-BA5C-783AF1214255}" dt="2023-07-24T18:39:13.800" v="47" actId="1035"/>
+          <ac:cxnSpMkLst>
+            <pc:docMk/>
+            <pc:sldMk cId="2458947397" sldId="257"/>
+            <ac:cxnSpMk id="390" creationId="{3B72888A-E03A-3BBF-70EC-602D4B7EF05F}"/>
+          </ac:cxnSpMkLst>
+        </pc:cxnChg>
+        <pc:cxnChg chg="mod">
+          <ac:chgData name="Thomas Welter" userId="6ba22f2b25d63732" providerId="LiveId" clId="{C3AD5994-71BB-4E97-BA5C-783AF1214255}" dt="2023-07-24T18:39:13.800" v="47" actId="1035"/>
+          <ac:cxnSpMkLst>
+            <pc:docMk/>
+            <pc:sldMk cId="2458947397" sldId="257"/>
+            <ac:cxnSpMk id="393" creationId="{4D254949-F97E-80F5-897F-3E6DD2BD7AF0}"/>
+          </ac:cxnSpMkLst>
+        </pc:cxnChg>
+        <pc:cxnChg chg="mod">
+          <ac:chgData name="Thomas Welter" userId="6ba22f2b25d63732" providerId="LiveId" clId="{C3AD5994-71BB-4E97-BA5C-783AF1214255}" dt="2023-07-24T18:39:13.800" v="47" actId="1035"/>
+          <ac:cxnSpMkLst>
+            <pc:docMk/>
+            <pc:sldMk cId="2458947397" sldId="257"/>
+            <ac:cxnSpMk id="403" creationId="{293D9B33-36D2-8E3D-1FFA-674115F1B75C}"/>
+          </ac:cxnSpMkLst>
+        </pc:cxnChg>
+        <pc:cxnChg chg="mod">
+          <ac:chgData name="Thomas Welter" userId="6ba22f2b25d63732" providerId="LiveId" clId="{C3AD5994-71BB-4E97-BA5C-783AF1214255}" dt="2023-07-24T18:39:13.800" v="47" actId="1035"/>
+          <ac:cxnSpMkLst>
+            <pc:docMk/>
+            <pc:sldMk cId="2458947397" sldId="257"/>
+            <ac:cxnSpMk id="411" creationId="{4393E738-F343-4F86-806B-4129DE06D809}"/>
+          </ac:cxnSpMkLst>
+        </pc:cxnChg>
+        <pc:cxnChg chg="mod">
+          <ac:chgData name="Thomas Welter" userId="6ba22f2b25d63732" providerId="LiveId" clId="{C3AD5994-71BB-4E97-BA5C-783AF1214255}" dt="2023-07-24T18:39:13.800" v="47" actId="1035"/>
+          <ac:cxnSpMkLst>
+            <pc:docMk/>
+            <pc:sldMk cId="2458947397" sldId="257"/>
+            <ac:cxnSpMk id="415" creationId="{C2A43186-34B0-BD32-F5BE-2F84BD555C38}"/>
+          </ac:cxnSpMkLst>
+        </pc:cxnChg>
+        <pc:cxnChg chg="mod">
+          <ac:chgData name="Thomas Welter" userId="6ba22f2b25d63732" providerId="LiveId" clId="{C3AD5994-71BB-4E97-BA5C-783AF1214255}" dt="2023-07-24T18:39:13.800" v="47" actId="1035"/>
+          <ac:cxnSpMkLst>
+            <pc:docMk/>
+            <pc:sldMk cId="2458947397" sldId="257"/>
+            <ac:cxnSpMk id="419" creationId="{A5438CB8-368E-5AE1-D705-D798CB7B1674}"/>
+          </ac:cxnSpMkLst>
+        </pc:cxnChg>
+        <pc:cxnChg chg="mod">
+          <ac:chgData name="Thomas Welter" userId="6ba22f2b25d63732" providerId="LiveId" clId="{C3AD5994-71BB-4E97-BA5C-783AF1214255}" dt="2023-07-24T18:39:13.800" v="47" actId="1035"/>
+          <ac:cxnSpMkLst>
+            <pc:docMk/>
+            <pc:sldMk cId="2458947397" sldId="257"/>
+            <ac:cxnSpMk id="422" creationId="{8E9E7BBF-44D2-A906-D166-800BC8DE72DA}"/>
+          </ac:cxnSpMkLst>
+        </pc:cxnChg>
+        <pc:cxnChg chg="mod">
+          <ac:chgData name="Thomas Welter" userId="6ba22f2b25d63732" providerId="LiveId" clId="{C3AD5994-71BB-4E97-BA5C-783AF1214255}" dt="2023-07-24T18:39:13.800" v="47" actId="1035"/>
+          <ac:cxnSpMkLst>
+            <pc:docMk/>
+            <pc:sldMk cId="2458947397" sldId="257"/>
+            <ac:cxnSpMk id="426" creationId="{59462273-E901-6CEE-805F-7204D27F8DC5}"/>
+          </ac:cxnSpMkLst>
+        </pc:cxnChg>
+        <pc:cxnChg chg="mod">
+          <ac:chgData name="Thomas Welter" userId="6ba22f2b25d63732" providerId="LiveId" clId="{C3AD5994-71BB-4E97-BA5C-783AF1214255}" dt="2023-07-24T18:39:13.800" v="47" actId="1035"/>
+          <ac:cxnSpMkLst>
+            <pc:docMk/>
+            <pc:sldMk cId="2458947397" sldId="257"/>
+            <ac:cxnSpMk id="430" creationId="{D65006EB-FBEB-0B4C-5EC8-AD8BC71F1699}"/>
+          </ac:cxnSpMkLst>
+        </pc:cxnChg>
+        <pc:cxnChg chg="mod">
+          <ac:chgData name="Thomas Welter" userId="6ba22f2b25d63732" providerId="LiveId" clId="{C3AD5994-71BB-4E97-BA5C-783AF1214255}" dt="2023-07-24T18:39:13.800" v="47" actId="1035"/>
+          <ac:cxnSpMkLst>
+            <pc:docMk/>
+            <pc:sldMk cId="2458947397" sldId="257"/>
+            <ac:cxnSpMk id="434" creationId="{6BC38F48-7556-7AC2-E1BA-2FF58F97828B}"/>
+          </ac:cxnSpMkLst>
+        </pc:cxnChg>
+      </pc:sldChg>
+    </pc:docChg>
+  </pc:docChgLst>
+</pc:chgInfo>
 </file>
 
 <file path=ppt/notesMasters/notesMaster1.xml><?xml version="1.0" encoding="utf-8"?>
@@ -3473,7 +4918,7 @@
         </p:nvSpPr>
         <p:spPr>
           <a:xfrm>
-            <a:off x="39221881" y="3617606"/>
+            <a:off x="39221881" y="2897607"/>
             <a:ext cx="2880000" cy="23040000"/>
           </a:xfrm>
           <a:prstGeom prst="roundRect">
@@ -3537,7 +4982,7 @@
         </p:nvSpPr>
         <p:spPr>
           <a:xfrm>
-            <a:off x="4661881" y="3617606"/>
+            <a:off x="4661881" y="2897607"/>
             <a:ext cx="2880000" cy="23040000"/>
           </a:xfrm>
           <a:prstGeom prst="roundRect">
@@ -3605,7 +5050,7 @@
         </p:nvCxnSpPr>
         <p:spPr>
           <a:xfrm rot="16200000" flipH="1">
-            <a:off x="18611881" y="5957606"/>
+            <a:off x="18611881" y="5237607"/>
             <a:ext cx="5760000" cy="21240000"/>
           </a:xfrm>
           <a:prstGeom prst="curvedConnector3">
@@ -3660,7 +5105,7 @@
         </p:nvCxnSpPr>
         <p:spPr>
           <a:xfrm rot="5400000">
-            <a:off x="18521881" y="15047606"/>
+            <a:off x="18521881" y="14327607"/>
             <a:ext cx="5760000" cy="3060000"/>
           </a:xfrm>
           <a:prstGeom prst="curvedConnector3">
@@ -3715,7 +5160,7 @@
         </p:nvCxnSpPr>
         <p:spPr>
           <a:xfrm rot="10800000" flipV="1">
-            <a:off x="23921881" y="3887606"/>
+            <a:off x="23921881" y="3167607"/>
             <a:ext cx="13680000" cy="630000"/>
           </a:xfrm>
           <a:prstGeom prst="bentConnector2">
@@ -3768,7 +5213,7 @@
         </p:nvCxnSpPr>
         <p:spPr>
           <a:xfrm>
-            <a:off x="9161881" y="3887606"/>
+            <a:off x="9161881" y="3167607"/>
             <a:ext cx="7020000" cy="810000"/>
           </a:xfrm>
           <a:prstGeom prst="bentConnector2">
@@ -3817,8 +5262,8 @@
         </p:nvSpPr>
         <p:spPr>
           <a:xfrm>
-            <a:off x="7361881" y="27737606"/>
-            <a:ext cx="35441882" cy="2537607"/>
+            <a:off x="7361881" y="28277606"/>
+            <a:ext cx="35441882" cy="1997607"/>
           </a:xfrm>
           <a:prstGeom prst="rect">
             <a:avLst/>
@@ -3873,8 +5318,8 @@
         </p:nvSpPr>
         <p:spPr>
           <a:xfrm>
-            <a:off x="0" y="27737606"/>
-            <a:ext cx="7361881" cy="2537607"/>
+            <a:off x="0" y="28277606"/>
+            <a:ext cx="7361881" cy="1997607"/>
           </a:xfrm>
           <a:prstGeom prst="rect">
             <a:avLst/>
@@ -3982,7 +5427,7 @@
         </p:nvSpPr>
         <p:spPr>
           <a:xfrm>
-            <a:off x="521881" y="3617606"/>
+            <a:off x="521881" y="2897607"/>
             <a:ext cx="4680000" cy="1440000"/>
           </a:xfrm>
           <a:prstGeom prst="rect">
@@ -4027,7 +5472,7 @@
         </p:nvSpPr>
         <p:spPr>
           <a:xfrm>
-            <a:off x="521881" y="11537606"/>
+            <a:off x="521881" y="10817607"/>
             <a:ext cx="4680000" cy="1416197"/>
           </a:xfrm>
           <a:prstGeom prst="rect">
@@ -4072,7 +5517,7 @@
         </p:nvSpPr>
         <p:spPr>
           <a:xfrm>
-            <a:off x="521881" y="19637606"/>
+            <a:off x="521881" y="18917607"/>
             <a:ext cx="4680000" cy="1440000"/>
           </a:xfrm>
           <a:prstGeom prst="rect">
@@ -4117,7 +5562,7 @@
         </p:nvSpPr>
         <p:spPr>
           <a:xfrm>
-            <a:off x="521881" y="5057606"/>
+            <a:off x="521881" y="4337607"/>
             <a:ext cx="720000" cy="6480000"/>
           </a:xfrm>
           <a:prstGeom prst="downArrow">
@@ -4135,7 +5580,9 @@
                 </a:schemeClr>
               </a:gs>
               <a:gs pos="0">
-                <a:schemeClr val="bg1"/>
+                <a:schemeClr val="bg1">
+                  <a:alpha val="0"/>
+                </a:schemeClr>
               </a:gs>
               <a:gs pos="100000">
                 <a:schemeClr val="accent4"/>
@@ -4196,7 +5643,7 @@
         </p:nvSpPr>
         <p:spPr>
           <a:xfrm>
-            <a:off x="521881" y="12977606"/>
+            <a:off x="521881" y="12257607"/>
             <a:ext cx="720000" cy="6660000"/>
           </a:xfrm>
           <a:prstGeom prst="downArrow">
@@ -4214,7 +5661,9 @@
                 </a:schemeClr>
               </a:gs>
               <a:gs pos="0">
-                <a:schemeClr val="bg1"/>
+                <a:schemeClr val="bg1">
+                  <a:alpha val="0"/>
+                </a:schemeClr>
               </a:gs>
               <a:gs pos="100000">
                 <a:schemeClr val="accent4"/>
@@ -4275,7 +5724,7 @@
         </p:nvSpPr>
         <p:spPr>
           <a:xfrm>
-            <a:off x="521881" y="20897606"/>
+            <a:off x="521881" y="20177607"/>
             <a:ext cx="720000" cy="4320000"/>
           </a:xfrm>
           <a:prstGeom prst="downArrow">
@@ -4293,7 +5742,9 @@
                 </a:schemeClr>
               </a:gs>
               <a:gs pos="0">
-                <a:schemeClr val="bg1"/>
+                <a:schemeClr val="bg1">
+                  <a:alpha val="0"/>
+                </a:schemeClr>
               </a:gs>
               <a:gs pos="100000">
                 <a:schemeClr val="accent4"/>
@@ -4354,7 +5805,7 @@
         </p:nvSpPr>
         <p:spPr>
           <a:xfrm>
-            <a:off x="4841881" y="11177606"/>
+            <a:off x="4841881" y="10457607"/>
             <a:ext cx="180000" cy="2520000"/>
           </a:xfrm>
           <a:prstGeom prst="rect">
@@ -4415,7 +5866,7 @@
         </p:nvSpPr>
         <p:spPr>
           <a:xfrm>
-            <a:off x="5021881" y="11177606"/>
+            <a:off x="5021881" y="10457607"/>
             <a:ext cx="2340000" cy="2520000"/>
           </a:xfrm>
           <a:prstGeom prst="rect">
@@ -4486,7 +5937,7 @@
         </p:nvSpPr>
         <p:spPr>
           <a:xfrm>
-            <a:off x="7721881" y="11177606"/>
+            <a:off x="7721881" y="10457607"/>
             <a:ext cx="180000" cy="2520000"/>
           </a:xfrm>
           <a:prstGeom prst="rect">
@@ -4547,7 +5998,7 @@
         </p:nvSpPr>
         <p:spPr>
           <a:xfrm>
-            <a:off x="7901881" y="11177606"/>
+            <a:off x="7901881" y="10457607"/>
             <a:ext cx="2520000" cy="2520000"/>
           </a:xfrm>
           <a:prstGeom prst="rect">
@@ -4634,7 +6085,7 @@
         </p:nvSpPr>
         <p:spPr>
           <a:xfrm>
-            <a:off x="10781881" y="11177606"/>
+            <a:off x="10781881" y="10457607"/>
             <a:ext cx="180000" cy="2520000"/>
           </a:xfrm>
           <a:prstGeom prst="rect">
@@ -4695,7 +6146,7 @@
         </p:nvSpPr>
         <p:spPr>
           <a:xfrm>
-            <a:off x="10961881" y="11177606"/>
+            <a:off x="10961881" y="10457607"/>
             <a:ext cx="2160000" cy="2520000"/>
           </a:xfrm>
           <a:prstGeom prst="rect">
@@ -4779,7 +6230,7 @@
         </p:nvSpPr>
         <p:spPr>
           <a:xfrm>
-            <a:off x="13481881" y="11177606"/>
+            <a:off x="13481881" y="10457607"/>
             <a:ext cx="180000" cy="2520000"/>
           </a:xfrm>
           <a:prstGeom prst="rect">
@@ -4840,7 +6291,7 @@
         </p:nvSpPr>
         <p:spPr>
           <a:xfrm>
-            <a:off x="13661881" y="11177606"/>
+            <a:off x="13661881" y="10457607"/>
             <a:ext cx="2520000" cy="2520000"/>
           </a:xfrm>
           <a:prstGeom prst="rect">
@@ -4924,7 +6375,7 @@
         </p:nvSpPr>
         <p:spPr>
           <a:xfrm>
-            <a:off x="16541881" y="11177606"/>
+            <a:off x="16541881" y="10457607"/>
             <a:ext cx="180000" cy="2520000"/>
           </a:xfrm>
           <a:prstGeom prst="rect">
@@ -4985,7 +6436,7 @@
         </p:nvSpPr>
         <p:spPr>
           <a:xfrm>
-            <a:off x="16721881" y="11177606"/>
+            <a:off x="16721881" y="10457607"/>
             <a:ext cx="2700000" cy="2520000"/>
           </a:xfrm>
           <a:prstGeom prst="rect">
@@ -5051,7 +6502,7 @@
         </p:nvSpPr>
         <p:spPr>
           <a:xfrm>
-            <a:off x="19781881" y="11177606"/>
+            <a:off x="19781881" y="10457607"/>
             <a:ext cx="180000" cy="2520000"/>
           </a:xfrm>
           <a:prstGeom prst="rect">
@@ -5112,7 +6563,7 @@
         </p:nvSpPr>
         <p:spPr>
           <a:xfrm>
-            <a:off x="19961881" y="11177606"/>
+            <a:off x="19961881" y="10457607"/>
             <a:ext cx="2520000" cy="2520000"/>
           </a:xfrm>
           <a:prstGeom prst="rect">
@@ -5229,7 +6680,7 @@
         </p:nvSpPr>
         <p:spPr>
           <a:xfrm>
-            <a:off x="22841881" y="11177606"/>
+            <a:off x="22841881" y="10457607"/>
             <a:ext cx="180000" cy="2520000"/>
           </a:xfrm>
           <a:prstGeom prst="rect">
@@ -5290,7 +6741,7 @@
         </p:nvSpPr>
         <p:spPr>
           <a:xfrm>
-            <a:off x="23021881" y="11177606"/>
+            <a:off x="23021881" y="10457607"/>
             <a:ext cx="2520000" cy="2520000"/>
           </a:xfrm>
           <a:prstGeom prst="rect">
@@ -5365,7 +6816,7 @@
         </p:nvSpPr>
         <p:spPr>
           <a:xfrm>
-            <a:off x="25901881" y="11177606"/>
+            <a:off x="25901881" y="10457607"/>
             <a:ext cx="180000" cy="2520000"/>
           </a:xfrm>
           <a:prstGeom prst="rect">
@@ -5426,7 +6877,7 @@
         </p:nvSpPr>
         <p:spPr>
           <a:xfrm>
-            <a:off x="26081881" y="11177606"/>
+            <a:off x="26081881" y="10457607"/>
             <a:ext cx="2340000" cy="2520000"/>
           </a:xfrm>
           <a:prstGeom prst="rect">
@@ -5519,7 +6970,7 @@
         </p:nvSpPr>
         <p:spPr>
           <a:xfrm>
-            <a:off x="28781881" y="11177606"/>
+            <a:off x="28781881" y="10457607"/>
             <a:ext cx="180000" cy="2520000"/>
           </a:xfrm>
           <a:prstGeom prst="rect">
@@ -5580,7 +7031,7 @@
         </p:nvSpPr>
         <p:spPr>
           <a:xfrm>
-            <a:off x="28961881" y="11177606"/>
+            <a:off x="28961881" y="10457607"/>
             <a:ext cx="2340000" cy="2520000"/>
           </a:xfrm>
           <a:prstGeom prst="rect">
@@ -5685,7 +7136,7 @@
         </p:nvSpPr>
         <p:spPr>
           <a:xfrm>
-            <a:off x="31661881" y="11177606"/>
+            <a:off x="31661881" y="10457607"/>
             <a:ext cx="180000" cy="2520000"/>
           </a:xfrm>
           <a:prstGeom prst="rect">
@@ -5746,7 +7197,7 @@
         </p:nvSpPr>
         <p:spPr>
           <a:xfrm>
-            <a:off x="31841881" y="11177606"/>
+            <a:off x="31841881" y="10457607"/>
             <a:ext cx="1800000" cy="2520000"/>
           </a:xfrm>
           <a:prstGeom prst="rect">
@@ -5821,7 +7272,7 @@
         </p:nvSpPr>
         <p:spPr>
           <a:xfrm>
-            <a:off x="34001881" y="11177606"/>
+            <a:off x="34001881" y="10457607"/>
             <a:ext cx="180000" cy="2520000"/>
           </a:xfrm>
           <a:prstGeom prst="rect">
@@ -5882,7 +7333,7 @@
         </p:nvSpPr>
         <p:spPr>
           <a:xfrm>
-            <a:off x="34181881" y="11177606"/>
+            <a:off x="34181881" y="10457607"/>
             <a:ext cx="2340000" cy="2520000"/>
           </a:xfrm>
           <a:prstGeom prst="rect">
@@ -5941,7 +7392,7 @@
         </p:nvSpPr>
         <p:spPr>
           <a:xfrm>
-            <a:off x="36881881" y="11177606"/>
+            <a:off x="36881881" y="10457607"/>
             <a:ext cx="180000" cy="2520000"/>
           </a:xfrm>
           <a:prstGeom prst="rect">
@@ -6002,7 +7453,7 @@
         </p:nvSpPr>
         <p:spPr>
           <a:xfrm>
-            <a:off x="37061881" y="11177606"/>
+            <a:off x="37061881" y="10457607"/>
             <a:ext cx="1980000" cy="2520000"/>
           </a:xfrm>
           <a:prstGeom prst="rect">
@@ -6052,7 +7503,7 @@
         </p:nvSpPr>
         <p:spPr>
           <a:xfrm>
-            <a:off x="39401881" y="11177606"/>
+            <a:off x="39401881" y="10457607"/>
             <a:ext cx="180000" cy="2520000"/>
           </a:xfrm>
           <a:prstGeom prst="rect">
@@ -6113,7 +7564,7 @@
         </p:nvSpPr>
         <p:spPr>
           <a:xfrm>
-            <a:off x="39581881" y="11177606"/>
+            <a:off x="39581881" y="10457607"/>
             <a:ext cx="2340000" cy="2520000"/>
           </a:xfrm>
           <a:prstGeom prst="rect">
@@ -6163,7 +7614,7 @@
         </p:nvSpPr>
         <p:spPr>
           <a:xfrm>
-            <a:off x="13481881" y="15317606"/>
+            <a:off x="13481881" y="14597607"/>
             <a:ext cx="180000" cy="2520000"/>
           </a:xfrm>
           <a:prstGeom prst="rect">
@@ -6224,7 +7675,7 @@
         </p:nvSpPr>
         <p:spPr>
           <a:xfrm>
-            <a:off x="13661881" y="15317606"/>
+            <a:off x="13661881" y="14597607"/>
             <a:ext cx="2520000" cy="2520000"/>
           </a:xfrm>
           <a:prstGeom prst="rect">
@@ -6289,7 +7740,7 @@
         </p:nvSpPr>
         <p:spPr>
           <a:xfrm>
-            <a:off x="4841881" y="20717606"/>
+            <a:off x="4841881" y="19997607"/>
             <a:ext cx="180000" cy="1260000"/>
           </a:xfrm>
           <a:prstGeom prst="rect">
@@ -6350,7 +7801,7 @@
         </p:nvSpPr>
         <p:spPr>
           <a:xfrm>
-            <a:off x="5021881" y="19457606"/>
+            <a:off x="5021881" y="18737607"/>
             <a:ext cx="2340000" cy="2520000"/>
           </a:xfrm>
           <a:prstGeom prst="rect">
@@ -6446,7 +7897,7 @@
         </p:nvSpPr>
         <p:spPr>
           <a:xfrm>
-            <a:off x="4841881" y="5777606"/>
+            <a:off x="4841881" y="5057607"/>
             <a:ext cx="37080000" cy="1980000"/>
           </a:xfrm>
           <a:prstGeom prst="roundRect">
@@ -6526,7 +7977,7 @@
         </p:nvSpPr>
         <p:spPr>
           <a:xfrm>
-            <a:off x="22841881" y="15317606"/>
+            <a:off x="22841881" y="14597607"/>
             <a:ext cx="180000" cy="2520000"/>
           </a:xfrm>
           <a:prstGeom prst="rect">
@@ -6587,7 +8038,7 @@
         </p:nvSpPr>
         <p:spPr>
           <a:xfrm>
-            <a:off x="23021881" y="15317606"/>
+            <a:off x="23021881" y="14597607"/>
             <a:ext cx="5400000" cy="2520000"/>
           </a:xfrm>
           <a:prstGeom prst="rect">
@@ -6680,7 +8131,7 @@
         </p:nvSpPr>
         <p:spPr>
           <a:xfrm>
-            <a:off x="16541881" y="15317606"/>
+            <a:off x="16541881" y="14597607"/>
             <a:ext cx="180000" cy="2520000"/>
           </a:xfrm>
           <a:prstGeom prst="rect">
@@ -6741,7 +8192,7 @@
         </p:nvSpPr>
         <p:spPr>
           <a:xfrm>
-            <a:off x="16721881" y="15317606"/>
+            <a:off x="16721881" y="14597607"/>
             <a:ext cx="5760000" cy="2520000"/>
           </a:xfrm>
           <a:prstGeom prst="rect">
@@ -7683,7 +9134,7 @@
         </p:nvSpPr>
         <p:spPr>
           <a:xfrm>
-            <a:off x="5381881" y="5957606"/>
+            <a:off x="5381881" y="5237607"/>
             <a:ext cx="1620000" cy="1620000"/>
           </a:xfrm>
           <a:prstGeom prst="rect">
@@ -7730,7 +9181,7 @@
         </p:nvSpPr>
         <p:spPr>
           <a:xfrm>
-            <a:off x="39941881" y="5957606"/>
+            <a:off x="39941881" y="5237607"/>
             <a:ext cx="1440000" cy="1620000"/>
           </a:xfrm>
           <a:prstGeom prst="rect">
@@ -7777,7 +9228,7 @@
         </p:nvSpPr>
         <p:spPr>
           <a:xfrm>
-            <a:off x="8441881" y="6497606"/>
+            <a:off x="8441881" y="5777607"/>
             <a:ext cx="2160000" cy="540000"/>
           </a:xfrm>
           <a:prstGeom prst="rect">
@@ -7825,7 +9276,7 @@
         </p:nvSpPr>
         <p:spPr>
           <a:xfrm>
-            <a:off x="11501881" y="6497606"/>
+            <a:off x="11501881" y="5777607"/>
             <a:ext cx="2520000" cy="540000"/>
           </a:xfrm>
           <a:prstGeom prst="rect">
@@ -7889,7 +9340,7 @@
         </p:nvSpPr>
         <p:spPr>
           <a:xfrm>
-            <a:off x="14561881" y="6497606"/>
+            <a:off x="14561881" y="5777607"/>
             <a:ext cx="3240000" cy="540000"/>
           </a:xfrm>
           <a:prstGeom prst="rect">
@@ -7937,7 +9388,7 @@
         </p:nvSpPr>
         <p:spPr>
           <a:xfrm>
-            <a:off x="18341881" y="6497606"/>
+            <a:off x="18341881" y="5777607"/>
             <a:ext cx="2520000" cy="540000"/>
           </a:xfrm>
           <a:prstGeom prst="rect">
@@ -8001,7 +9452,7 @@
         </p:nvSpPr>
         <p:spPr>
           <a:xfrm>
-            <a:off x="21581881" y="6497606"/>
+            <a:off x="21581881" y="5777607"/>
             <a:ext cx="4680000" cy="540000"/>
           </a:xfrm>
           <a:prstGeom prst="rect">
@@ -8065,7 +9516,7 @@
         </p:nvSpPr>
         <p:spPr>
           <a:xfrm>
-            <a:off x="26801881" y="6497606"/>
+            <a:off x="26801881" y="5777607"/>
             <a:ext cx="2700000" cy="540000"/>
           </a:xfrm>
           <a:prstGeom prst="rect">
@@ -8113,7 +9564,7 @@
         </p:nvSpPr>
         <p:spPr>
           <a:xfrm>
-            <a:off x="30221881" y="6497606"/>
+            <a:off x="30221881" y="5777607"/>
             <a:ext cx="3420000" cy="540000"/>
           </a:xfrm>
           <a:prstGeom prst="rect">
@@ -8161,7 +9612,7 @@
         </p:nvSpPr>
         <p:spPr>
           <a:xfrm>
-            <a:off x="34361881" y="6497606"/>
+            <a:off x="34361881" y="5777607"/>
             <a:ext cx="4140000" cy="540000"/>
           </a:xfrm>
           <a:prstGeom prst="rect">
@@ -8238,7 +9689,7 @@
         </p:nvSpPr>
         <p:spPr>
           <a:xfrm>
-            <a:off x="4841881" y="19457606"/>
+            <a:off x="4841881" y="18737607"/>
             <a:ext cx="180000" cy="1260000"/>
           </a:xfrm>
           <a:prstGeom prst="rect">
@@ -8299,7 +9750,7 @@
         </p:nvSpPr>
         <p:spPr>
           <a:xfrm>
-            <a:off x="7901881" y="19457606"/>
+            <a:off x="7901881" y="18737607"/>
             <a:ext cx="2340000" cy="2520000"/>
           </a:xfrm>
           <a:prstGeom prst="rect">
@@ -8364,7 +9815,7 @@
         </p:nvSpPr>
         <p:spPr>
           <a:xfrm>
-            <a:off x="7721881" y="19457606"/>
+            <a:off x="7721881" y="18737607"/>
             <a:ext cx="180000" cy="2520000"/>
           </a:xfrm>
           <a:prstGeom prst="rect">
@@ -8425,7 +9876,7 @@
         </p:nvSpPr>
         <p:spPr>
           <a:xfrm>
-            <a:off x="10781881" y="19457606"/>
+            <a:off x="10781881" y="18737607"/>
             <a:ext cx="2340000" cy="2520000"/>
           </a:xfrm>
           <a:prstGeom prst="rect">
@@ -8500,7 +9951,7 @@
         </p:nvSpPr>
         <p:spPr>
           <a:xfrm>
-            <a:off x="10601881" y="19457606"/>
+            <a:off x="10601881" y="18737607"/>
             <a:ext cx="180000" cy="2520000"/>
           </a:xfrm>
           <a:prstGeom prst="rect">
@@ -8561,7 +10012,7 @@
         </p:nvSpPr>
         <p:spPr>
           <a:xfrm>
-            <a:off x="13661881" y="19457606"/>
+            <a:off x="13661881" y="18737607"/>
             <a:ext cx="2520000" cy="2520000"/>
           </a:xfrm>
           <a:prstGeom prst="rect">
@@ -8611,7 +10062,7 @@
         </p:nvSpPr>
         <p:spPr>
           <a:xfrm>
-            <a:off x="13481881" y="19457606"/>
+            <a:off x="13481881" y="18737607"/>
             <a:ext cx="180000" cy="2520000"/>
           </a:xfrm>
           <a:prstGeom prst="rect">
@@ -8672,7 +10123,7 @@
         </p:nvSpPr>
         <p:spPr>
           <a:xfrm>
-            <a:off x="16721881" y="19457606"/>
+            <a:off x="16721881" y="18737607"/>
             <a:ext cx="2700000" cy="2520000"/>
           </a:xfrm>
           <a:prstGeom prst="rect">
@@ -8722,7 +10173,7 @@
         </p:nvSpPr>
         <p:spPr>
           <a:xfrm>
-            <a:off x="16541881" y="19457606"/>
+            <a:off x="16541881" y="18737607"/>
             <a:ext cx="180000" cy="2520000"/>
           </a:xfrm>
           <a:prstGeom prst="rect">
@@ -8783,7 +10234,7 @@
         </p:nvSpPr>
         <p:spPr>
           <a:xfrm>
-            <a:off x="19781881" y="20177606"/>
+            <a:off x="19781881" y="19457607"/>
             <a:ext cx="180000" cy="1800000"/>
           </a:xfrm>
           <a:prstGeom prst="rect">
@@ -8844,7 +10295,7 @@
         </p:nvSpPr>
         <p:spPr>
           <a:xfrm>
-            <a:off x="19961881" y="19457606"/>
+            <a:off x="19961881" y="18737607"/>
             <a:ext cx="2520000" cy="2520000"/>
           </a:xfrm>
           <a:prstGeom prst="rect">
@@ -8919,7 +10370,7 @@
         </p:nvSpPr>
         <p:spPr>
           <a:xfrm>
-            <a:off x="19781881" y="19457606"/>
+            <a:off x="19781881" y="18737607"/>
             <a:ext cx="180000" cy="720000"/>
           </a:xfrm>
           <a:prstGeom prst="rect">
@@ -8980,7 +10431,7 @@
         </p:nvSpPr>
         <p:spPr>
           <a:xfrm>
-            <a:off x="22841881" y="20897606"/>
+            <a:off x="22841881" y="20177607"/>
             <a:ext cx="180000" cy="1800000"/>
           </a:xfrm>
           <a:prstGeom prst="rect">
@@ -9041,7 +10492,7 @@
         </p:nvSpPr>
         <p:spPr>
           <a:xfrm>
-            <a:off x="23021881" y="19457606"/>
+            <a:off x="23021881" y="18737607"/>
             <a:ext cx="2520000" cy="3240000"/>
           </a:xfrm>
           <a:prstGeom prst="rect">
@@ -9160,7 +10611,7 @@
         </p:nvSpPr>
         <p:spPr>
           <a:xfrm>
-            <a:off x="22841881" y="19457606"/>
+            <a:off x="22841881" y="18737607"/>
             <a:ext cx="180000" cy="720000"/>
           </a:xfrm>
           <a:prstGeom prst="rect">
@@ -9221,7 +10672,7 @@
         </p:nvSpPr>
         <p:spPr>
           <a:xfrm>
-            <a:off x="22841881" y="20177606"/>
+            <a:off x="22841881" y="19457607"/>
             <a:ext cx="180000" cy="720000"/>
           </a:xfrm>
           <a:prstGeom prst="rect">
@@ -9282,7 +10733,7 @@
         </p:nvSpPr>
         <p:spPr>
           <a:xfrm>
-            <a:off x="25901881" y="20717606"/>
+            <a:off x="25901881" y="19997607"/>
             <a:ext cx="180000" cy="1260000"/>
           </a:xfrm>
           <a:prstGeom prst="rect">
@@ -9343,7 +10794,7 @@
         </p:nvSpPr>
         <p:spPr>
           <a:xfrm>
-            <a:off x="26081881" y="19457606"/>
+            <a:off x="26081881" y="18737607"/>
             <a:ext cx="2520000" cy="2520000"/>
           </a:xfrm>
           <a:prstGeom prst="rect">
@@ -9415,7 +10866,7 @@
         </p:nvSpPr>
         <p:spPr>
           <a:xfrm>
-            <a:off x="25901881" y="19457606"/>
+            <a:off x="25901881" y="18737607"/>
             <a:ext cx="180000" cy="1260000"/>
           </a:xfrm>
           <a:prstGeom prst="rect">
@@ -9476,7 +10927,7 @@
         </p:nvSpPr>
         <p:spPr>
           <a:xfrm>
-            <a:off x="28961881" y="20717606"/>
+            <a:off x="28961881" y="19997607"/>
             <a:ext cx="180000" cy="1260000"/>
           </a:xfrm>
           <a:prstGeom prst="rect">
@@ -9537,7 +10988,7 @@
         </p:nvSpPr>
         <p:spPr>
           <a:xfrm>
-            <a:off x="29141881" y="19457606"/>
+            <a:off x="29141881" y="18737607"/>
             <a:ext cx="2520000" cy="2520000"/>
           </a:xfrm>
           <a:prstGeom prst="rect">
@@ -9621,7 +11072,7 @@
         </p:nvSpPr>
         <p:spPr>
           <a:xfrm>
-            <a:off x="28961881" y="19457606"/>
+            <a:off x="28961881" y="18737607"/>
             <a:ext cx="180000" cy="1260000"/>
           </a:xfrm>
           <a:prstGeom prst="rect">
@@ -9682,7 +11133,7 @@
         </p:nvSpPr>
         <p:spPr>
           <a:xfrm>
-            <a:off x="32021881" y="20177606"/>
+            <a:off x="32021881" y="19457607"/>
             <a:ext cx="180000" cy="1800000"/>
           </a:xfrm>
           <a:prstGeom prst="rect">
@@ -9743,7 +11194,7 @@
         </p:nvSpPr>
         <p:spPr>
           <a:xfrm>
-            <a:off x="32201881" y="19457606"/>
+            <a:off x="32201881" y="18737607"/>
             <a:ext cx="1800000" cy="2520000"/>
           </a:xfrm>
           <a:prstGeom prst="rect">
@@ -9827,7 +11278,7 @@
         </p:nvSpPr>
         <p:spPr>
           <a:xfrm>
-            <a:off x="32021881" y="19457606"/>
+            <a:off x="32021881" y="18737607"/>
             <a:ext cx="180000" cy="720000"/>
           </a:xfrm>
           <a:prstGeom prst="rect">
@@ -9888,7 +11339,7 @@
         </p:nvSpPr>
         <p:spPr>
           <a:xfrm>
-            <a:off x="34361881" y="19457606"/>
+            <a:off x="34361881" y="18737607"/>
             <a:ext cx="180000" cy="2520000"/>
           </a:xfrm>
           <a:prstGeom prst="rect">
@@ -9949,7 +11400,7 @@
         </p:nvSpPr>
         <p:spPr>
           <a:xfrm>
-            <a:off x="34541881" y="19457606"/>
+            <a:off x="34541881" y="18737607"/>
             <a:ext cx="1980000" cy="2520000"/>
           </a:xfrm>
           <a:prstGeom prst="rect">
@@ -10008,7 +11459,7 @@
         </p:nvSpPr>
         <p:spPr>
           <a:xfrm>
-            <a:off x="39401881" y="19457606"/>
+            <a:off x="39401881" y="18737607"/>
             <a:ext cx="180000" cy="2520000"/>
           </a:xfrm>
           <a:prstGeom prst="rect">
@@ -10069,7 +11520,7 @@
         </p:nvSpPr>
         <p:spPr>
           <a:xfrm>
-            <a:off x="39581881" y="19457606"/>
+            <a:off x="39581881" y="18737607"/>
             <a:ext cx="2340000" cy="2520000"/>
           </a:xfrm>
           <a:prstGeom prst="rect">
@@ -10153,7 +11604,7 @@
         </p:nvSpPr>
         <p:spPr>
           <a:xfrm>
-            <a:off x="36881881" y="19457606"/>
+            <a:off x="36881881" y="18737607"/>
             <a:ext cx="180000" cy="2520000"/>
           </a:xfrm>
           <a:prstGeom prst="rect">
@@ -10214,7 +11665,7 @@
         </p:nvSpPr>
         <p:spPr>
           <a:xfrm>
-            <a:off x="37061881" y="19457606"/>
+            <a:off x="37061881" y="18737607"/>
             <a:ext cx="1980000" cy="2520000"/>
           </a:xfrm>
           <a:prstGeom prst="rect">
@@ -10264,7 +11715,7 @@
         </p:nvSpPr>
         <p:spPr>
           <a:xfrm>
-            <a:off x="7721881" y="25037606"/>
+            <a:off x="7721881" y="24317607"/>
             <a:ext cx="180000" cy="1260000"/>
           </a:xfrm>
           <a:prstGeom prst="rect">
@@ -10325,7 +11776,7 @@
         </p:nvSpPr>
         <p:spPr>
           <a:xfrm>
-            <a:off x="7901881" y="23777606"/>
+            <a:off x="7901881" y="23057607"/>
             <a:ext cx="2340000" cy="2520000"/>
           </a:xfrm>
           <a:prstGeom prst="rect">
@@ -10356,17 +11807,8 @@
               <a:rPr lang="de-DE" sz="3200" dirty="0">
                 <a:latin typeface="Tw Cen MT Condensed" panose="020B0606020104020203" pitchFamily="34" charset="0"/>
               </a:rPr>
-              <a:t>Hormonelle Verhütung kann Wirkung von Androgenen </a:t>
-            </a:r>
-            <a:r>
-              <a:rPr lang="de-DE" sz="3200" dirty="0" err="1">
-                <a:latin typeface="Tw Cen MT Condensed" panose="020B0606020104020203" pitchFamily="34" charset="0"/>
-              </a:rPr>
-              <a:t>regurieren</a:t>
-            </a:r>
-            <a:endParaRPr lang="de-DE" sz="3200" dirty="0">
-              <a:latin typeface="Tw Cen MT Condensed" panose="020B0606020104020203" pitchFamily="34" charset="0"/>
-            </a:endParaRPr>
+              <a:t>Hormonelle Verhütung kann Wirkung von Androgenen regulieren</a:t>
+            </a:r>
           </a:p>
         </p:txBody>
       </p:sp>
@@ -10384,7 +11826,7 @@
         </p:nvSpPr>
         <p:spPr>
           <a:xfrm>
-            <a:off x="7721881" y="23777606"/>
+            <a:off x="7721881" y="23057607"/>
             <a:ext cx="180000" cy="1260000"/>
           </a:xfrm>
           <a:prstGeom prst="rect">
@@ -10445,7 +11887,7 @@
         </p:nvSpPr>
         <p:spPr>
           <a:xfrm>
-            <a:off x="13481881" y="25037606"/>
+            <a:off x="13481881" y="24317607"/>
             <a:ext cx="180000" cy="1260000"/>
           </a:xfrm>
           <a:prstGeom prst="rect">
@@ -10506,7 +11948,7 @@
         </p:nvSpPr>
         <p:spPr>
           <a:xfrm>
-            <a:off x="13661881" y="23777606"/>
+            <a:off x="13661881" y="23057607"/>
             <a:ext cx="2340000" cy="2520000"/>
           </a:xfrm>
           <a:prstGeom prst="rect">
@@ -10587,7 +12029,7 @@
         </p:nvSpPr>
         <p:spPr>
           <a:xfrm>
-            <a:off x="13481881" y="23777606"/>
+            <a:off x="13481881" y="23057607"/>
             <a:ext cx="180000" cy="1260000"/>
           </a:xfrm>
           <a:prstGeom prst="rect">
@@ -10648,7 +12090,7 @@
         </p:nvSpPr>
         <p:spPr>
           <a:xfrm>
-            <a:off x="25901881" y="25037606"/>
+            <a:off x="25901881" y="24317607"/>
             <a:ext cx="180000" cy="1260000"/>
           </a:xfrm>
           <a:prstGeom prst="rect">
@@ -10709,7 +12151,7 @@
         </p:nvSpPr>
         <p:spPr>
           <a:xfrm>
-            <a:off x="26081881" y="23777606"/>
+            <a:off x="26081881" y="23057607"/>
             <a:ext cx="2340000" cy="2520000"/>
           </a:xfrm>
           <a:prstGeom prst="rect">
@@ -10774,7 +12216,7 @@
         </p:nvSpPr>
         <p:spPr>
           <a:xfrm>
-            <a:off x="25901881" y="23777606"/>
+            <a:off x="25901881" y="23057607"/>
             <a:ext cx="180000" cy="1260000"/>
           </a:xfrm>
           <a:prstGeom prst="rect">
@@ -10835,8 +12277,8 @@
         </p:nvSpPr>
         <p:spPr>
           <a:xfrm>
-            <a:off x="7721881" y="28097606"/>
-            <a:ext cx="4320000" cy="1980000"/>
+            <a:off x="7721881" y="28457606"/>
+            <a:ext cx="4320000" cy="1620000"/>
           </a:xfrm>
           <a:prstGeom prst="rect">
             <a:avLst/>
@@ -10936,8 +12378,8 @@
         </p:nvSpPr>
         <p:spPr>
           <a:xfrm>
-            <a:off x="12221881" y="28097606"/>
-            <a:ext cx="4320000" cy="1980000"/>
+            <a:off x="12221881" y="28457606"/>
+            <a:ext cx="4320000" cy="1620000"/>
           </a:xfrm>
           <a:prstGeom prst="rect">
             <a:avLst/>
@@ -11037,8 +12479,8 @@
         </p:nvSpPr>
         <p:spPr>
           <a:xfrm>
-            <a:off x="16721881" y="28097606"/>
-            <a:ext cx="13320000" cy="1980000"/>
+            <a:off x="16721881" y="28457606"/>
+            <a:ext cx="16200000" cy="1620000"/>
           </a:xfrm>
           <a:prstGeom prst="rect">
             <a:avLst/>
@@ -11207,8 +12649,8 @@
         </p:nvSpPr>
         <p:spPr>
           <a:xfrm>
-            <a:off x="30221881" y="28097606"/>
-            <a:ext cx="4320000" cy="1980000"/>
+            <a:off x="33101881" y="28457606"/>
+            <a:ext cx="4320000" cy="1620000"/>
           </a:xfrm>
           <a:prstGeom prst="rect">
             <a:avLst/>
@@ -11308,8 +12750,8 @@
         </p:nvSpPr>
         <p:spPr>
           <a:xfrm>
-            <a:off x="34721881" y="28097606"/>
-            <a:ext cx="4320000" cy="1980000"/>
+            <a:off x="37961881" y="28457606"/>
+            <a:ext cx="4320000" cy="1620000"/>
           </a:xfrm>
           <a:prstGeom prst="rect">
             <a:avLst/>
@@ -11409,8 +12851,8 @@
         </p:nvSpPr>
         <p:spPr>
           <a:xfrm>
-            <a:off x="341881" y="28097606"/>
-            <a:ext cx="5580000" cy="1800000"/>
+            <a:off x="341881" y="28637606"/>
+            <a:ext cx="5580000" cy="1260000"/>
           </a:xfrm>
           <a:prstGeom prst="rect">
             <a:avLst/>
@@ -11437,90 +12879,111 @@
           </a:p>
         </p:txBody>
       </p:sp>
-      <p:cxnSp>
-        <p:nvCxnSpPr>
-          <p:cNvPr id="141" name="Gerader Verbinder 140">
-            <a:extLst>
-              <a:ext uri="{FF2B5EF4-FFF2-40B4-BE49-F238E27FC236}">
-                <a16:creationId xmlns:a16="http://schemas.microsoft.com/office/drawing/2014/main" id="{A87F9963-0A8A-049C-8660-14730C23064D}"/>
-              </a:ext>
-            </a:extLst>
-          </p:cNvPr>
-          <p:cNvCxnSpPr/>
-          <p:nvPr/>
-        </p:nvCxnSpPr>
-        <p:spPr>
-          <a:xfrm>
-            <a:off x="6461881" y="28097606"/>
-            <a:ext cx="540000" cy="900000"/>
-          </a:xfrm>
-          <a:prstGeom prst="line">
-            <a:avLst/>
-          </a:prstGeom>
-          <a:ln w="76200">
-            <a:solidFill>
+      <p:grpSp>
+        <p:nvGrpSpPr>
+          <p:cNvPr id="140" name="Gruppieren 139">
+            <a:extLst>
+              <a:ext uri="{FF2B5EF4-FFF2-40B4-BE49-F238E27FC236}">
+                <a16:creationId xmlns:a16="http://schemas.microsoft.com/office/drawing/2014/main" id="{A1B8F445-84B3-C67A-57AE-2BDB7FD7FBF6}"/>
+              </a:ext>
+            </a:extLst>
+          </p:cNvPr>
+          <p:cNvGrpSpPr/>
+          <p:nvPr/>
+        </p:nvGrpSpPr>
+        <p:grpSpPr>
+          <a:xfrm>
+            <a:off x="6461881" y="28637606"/>
+            <a:ext cx="540000" cy="1260000"/>
+            <a:chOff x="6461881" y="28097606"/>
+            <a:chExt cx="540000" cy="1800000"/>
+          </a:xfrm>
+        </p:grpSpPr>
+        <p:cxnSp>
+          <p:nvCxnSpPr>
+            <p:cNvPr id="141" name="Gerader Verbinder 140">
+              <a:extLst>
+                <a:ext uri="{FF2B5EF4-FFF2-40B4-BE49-F238E27FC236}">
+                  <a16:creationId xmlns:a16="http://schemas.microsoft.com/office/drawing/2014/main" id="{A87F9963-0A8A-049C-8660-14730C23064D}"/>
+                </a:ext>
+              </a:extLst>
+            </p:cNvPr>
+            <p:cNvCxnSpPr/>
+            <p:nvPr/>
+          </p:nvCxnSpPr>
+          <p:spPr>
+            <a:xfrm>
+              <a:off x="6461881" y="28097606"/>
+              <a:ext cx="540000" cy="900000"/>
+            </a:xfrm>
+            <a:prstGeom prst="line">
+              <a:avLst/>
+            </a:prstGeom>
+            <a:ln w="76200">
+              <a:solidFill>
+                <a:schemeClr val="tx1"/>
+              </a:solidFill>
+            </a:ln>
+          </p:spPr>
+          <p:style>
+            <a:lnRef idx="1">
+              <a:schemeClr val="accent1"/>
+            </a:lnRef>
+            <a:fillRef idx="0">
+              <a:schemeClr val="accent1"/>
+            </a:fillRef>
+            <a:effectRef idx="0">
+              <a:schemeClr val="accent1"/>
+            </a:effectRef>
+            <a:fontRef idx="minor">
               <a:schemeClr val="tx1"/>
-            </a:solidFill>
-          </a:ln>
-        </p:spPr>
-        <p:style>
-          <a:lnRef idx="1">
-            <a:schemeClr val="accent1"/>
-          </a:lnRef>
-          <a:fillRef idx="0">
-            <a:schemeClr val="accent1"/>
-          </a:fillRef>
-          <a:effectRef idx="0">
-            <a:schemeClr val="accent1"/>
-          </a:effectRef>
-          <a:fontRef idx="minor">
-            <a:schemeClr val="tx1"/>
-          </a:fontRef>
-        </p:style>
-      </p:cxnSp>
-      <p:cxnSp>
-        <p:nvCxnSpPr>
-          <p:cNvPr id="143" name="Gerader Verbinder 142">
-            <a:extLst>
-              <a:ext uri="{FF2B5EF4-FFF2-40B4-BE49-F238E27FC236}">
-                <a16:creationId xmlns:a16="http://schemas.microsoft.com/office/drawing/2014/main" id="{5A08971A-968A-9BF4-474B-878D504CC9CF}"/>
-              </a:ext>
-            </a:extLst>
-          </p:cNvPr>
-          <p:cNvCxnSpPr>
-            <a:cxnSpLocks/>
-          </p:cNvCxnSpPr>
-          <p:nvPr/>
-        </p:nvCxnSpPr>
-        <p:spPr>
-          <a:xfrm flipH="1">
-            <a:off x="6461881" y="28997606"/>
-            <a:ext cx="540000" cy="900000"/>
-          </a:xfrm>
-          <a:prstGeom prst="line">
-            <a:avLst/>
-          </a:prstGeom>
-          <a:ln w="76200">
-            <a:solidFill>
+            </a:fontRef>
+          </p:style>
+        </p:cxnSp>
+        <p:cxnSp>
+          <p:nvCxnSpPr>
+            <p:cNvPr id="143" name="Gerader Verbinder 142">
+              <a:extLst>
+                <a:ext uri="{FF2B5EF4-FFF2-40B4-BE49-F238E27FC236}">
+                  <a16:creationId xmlns:a16="http://schemas.microsoft.com/office/drawing/2014/main" id="{5A08971A-968A-9BF4-474B-878D504CC9CF}"/>
+                </a:ext>
+              </a:extLst>
+            </p:cNvPr>
+            <p:cNvCxnSpPr>
+              <a:cxnSpLocks/>
+            </p:cNvCxnSpPr>
+            <p:nvPr/>
+          </p:nvCxnSpPr>
+          <p:spPr>
+            <a:xfrm flipH="1">
+              <a:off x="6461881" y="28997606"/>
+              <a:ext cx="540000" cy="900000"/>
+            </a:xfrm>
+            <a:prstGeom prst="line">
+              <a:avLst/>
+            </a:prstGeom>
+            <a:ln w="76200">
+              <a:solidFill>
+                <a:schemeClr val="tx1"/>
+              </a:solidFill>
+            </a:ln>
+          </p:spPr>
+          <p:style>
+            <a:lnRef idx="1">
+              <a:schemeClr val="accent1"/>
+            </a:lnRef>
+            <a:fillRef idx="0">
+              <a:schemeClr val="accent1"/>
+            </a:fillRef>
+            <a:effectRef idx="0">
+              <a:schemeClr val="accent1"/>
+            </a:effectRef>
+            <a:fontRef idx="minor">
               <a:schemeClr val="tx1"/>
-            </a:solidFill>
-          </a:ln>
-        </p:spPr>
-        <p:style>
-          <a:lnRef idx="1">
-            <a:schemeClr val="accent1"/>
-          </a:lnRef>
-          <a:fillRef idx="0">
-            <a:schemeClr val="accent1"/>
-          </a:fillRef>
-          <a:effectRef idx="0">
-            <a:schemeClr val="accent1"/>
-          </a:effectRef>
-          <a:fontRef idx="minor">
-            <a:schemeClr val="tx1"/>
-          </a:fontRef>
-        </p:style>
-      </p:cxnSp>
+            </a:fontRef>
+          </p:style>
+        </p:cxnSp>
+      </p:grpSp>
       <p:sp>
         <p:nvSpPr>
           <p:cNvPr id="152" name="Textfeld 151">
@@ -11535,7 +12998,7 @@
         </p:nvSpPr>
         <p:spPr>
           <a:xfrm>
-            <a:off x="5381881" y="4157606"/>
+            <a:off x="5381881" y="3437607"/>
             <a:ext cx="1620000" cy="1440000"/>
           </a:xfrm>
           <a:prstGeom prst="rect">
@@ -11575,7 +13038,7 @@
         </p:nvSpPr>
         <p:spPr>
           <a:xfrm>
-            <a:off x="11411881" y="4697606"/>
+            <a:off x="11411881" y="3977607"/>
             <a:ext cx="2700000" cy="540000"/>
           </a:xfrm>
           <a:prstGeom prst="rect">
@@ -11616,7 +13079,7 @@
         </p:nvSpPr>
         <p:spPr>
           <a:xfrm>
-            <a:off x="8261881" y="3617606"/>
+            <a:off x="8261881" y="2897607"/>
             <a:ext cx="900000" cy="540000"/>
           </a:xfrm>
           <a:prstGeom prst="rect">
@@ -11657,7 +13120,7 @@
         </p:nvSpPr>
         <p:spPr>
           <a:xfrm>
-            <a:off x="9161671" y="4337606"/>
+            <a:off x="9161671" y="3617607"/>
             <a:ext cx="720419" cy="618206"/>
           </a:xfrm>
           <a:prstGeom prst="rect">
@@ -11698,7 +13161,7 @@
         </p:nvSpPr>
         <p:spPr>
           <a:xfrm>
-            <a:off x="17981881" y="3977606"/>
+            <a:off x="17981881" y="3257607"/>
             <a:ext cx="3240000" cy="540000"/>
           </a:xfrm>
           <a:prstGeom prst="rect">
@@ -11758,7 +13221,7 @@
         </p:nvCxnSpPr>
         <p:spPr>
           <a:xfrm>
-            <a:off x="19601881" y="4517606"/>
+            <a:off x="19601881" y="3797607"/>
             <a:ext cx="0" cy="1980000"/>
           </a:xfrm>
           <a:prstGeom prst="straightConnector1">
@@ -11807,7 +13270,7 @@
         </p:nvSpPr>
         <p:spPr>
           <a:xfrm>
-            <a:off x="26891881" y="3977606"/>
+            <a:off x="26891881" y="3257607"/>
             <a:ext cx="2520000" cy="540000"/>
           </a:xfrm>
           <a:prstGeom prst="rect">
@@ -11852,7 +13315,7 @@
         </p:nvCxnSpPr>
         <p:spPr>
           <a:xfrm>
-            <a:off x="28151881" y="4517606"/>
+            <a:off x="28151881" y="3797607"/>
             <a:ext cx="0" cy="1980000"/>
           </a:xfrm>
           <a:prstGeom prst="straightConnector1">
@@ -11901,7 +13364,7 @@
         </p:nvSpPr>
         <p:spPr>
           <a:xfrm>
-            <a:off x="37601881" y="3617606"/>
+            <a:off x="37601881" y="2897607"/>
             <a:ext cx="720000" cy="540000"/>
           </a:xfrm>
           <a:prstGeom prst="rect">
@@ -11951,7 +13414,7 @@
         </p:nvSpPr>
         <p:spPr>
           <a:xfrm>
-            <a:off x="40121881" y="4517606"/>
+            <a:off x="40121881" y="3797607"/>
             <a:ext cx="1080000" cy="540000"/>
           </a:xfrm>
           <a:prstGeom prst="rect">
@@ -11991,7 +13454,7 @@
         </p:nvSpPr>
         <p:spPr>
           <a:xfrm>
-            <a:off x="34361881" y="4517606"/>
+            <a:off x="34361881" y="3797607"/>
             <a:ext cx="4140000" cy="540000"/>
           </a:xfrm>
           <a:prstGeom prst="rect">
@@ -12044,7 +13507,7 @@
         </p:nvCxnSpPr>
         <p:spPr>
           <a:xfrm>
-            <a:off x="36431881" y="5057606"/>
+            <a:off x="36431881" y="4337607"/>
             <a:ext cx="0" cy="1440000"/>
           </a:xfrm>
           <a:prstGeom prst="straightConnector1">
@@ -12093,7 +13556,7 @@
         </p:nvSpPr>
         <p:spPr>
           <a:xfrm>
-            <a:off x="30581881" y="4517606"/>
+            <a:off x="30581881" y="3797607"/>
             <a:ext cx="2700000" cy="512400"/>
           </a:xfrm>
           <a:prstGeom prst="rect">
@@ -12152,7 +13615,7 @@
         </p:nvCxnSpPr>
         <p:spPr>
           <a:xfrm>
-            <a:off x="31931881" y="5030006"/>
+            <a:off x="31931881" y="4310007"/>
             <a:ext cx="0" cy="1467600"/>
           </a:xfrm>
           <a:prstGeom prst="straightConnector1">
@@ -12205,7 +13668,7 @@
         </p:nvCxnSpPr>
         <p:spPr>
           <a:xfrm>
-            <a:off x="40661881" y="5057606"/>
+            <a:off x="40661881" y="4337607"/>
             <a:ext cx="0" cy="900000"/>
           </a:xfrm>
           <a:prstGeom prst="straightConnector1">
@@ -12258,7 +13721,7 @@
         </p:nvCxnSpPr>
         <p:spPr>
           <a:xfrm>
-            <a:off x="38321881" y="3887606"/>
+            <a:off x="38321881" y="3167607"/>
             <a:ext cx="2340000" cy="630000"/>
           </a:xfrm>
           <a:prstGeom prst="bentConnector2">
@@ -12311,7 +13774,7 @@
         </p:nvCxnSpPr>
         <p:spPr>
           <a:xfrm rot="5400000">
-            <a:off x="37016881" y="3572606"/>
+            <a:off x="37016881" y="2852607"/>
             <a:ext cx="360000" cy="1530000"/>
           </a:xfrm>
           <a:prstGeom prst="bentConnector3">
@@ -12366,7 +13829,7 @@
         </p:nvCxnSpPr>
         <p:spPr>
           <a:xfrm rot="10800000" flipV="1">
-            <a:off x="31931881" y="3887606"/>
+            <a:off x="31931881" y="3167607"/>
             <a:ext cx="5670000" cy="630000"/>
           </a:xfrm>
           <a:prstGeom prst="bentConnector2">
@@ -12415,7 +13878,7 @@
         </p:nvSpPr>
         <p:spPr>
           <a:xfrm>
-            <a:off x="22841881" y="4517606"/>
+            <a:off x="22841881" y="3797607"/>
             <a:ext cx="2160000" cy="512400"/>
           </a:xfrm>
           <a:prstGeom prst="rect">
@@ -12475,7 +13938,7 @@
         </p:nvCxnSpPr>
         <p:spPr>
           <a:xfrm>
-            <a:off x="23921881" y="5030006"/>
+            <a:off x="23921881" y="4310007"/>
             <a:ext cx="0" cy="1467600"/>
           </a:xfrm>
           <a:prstGeom prst="straightConnector1">
@@ -12524,7 +13987,7 @@
         </p:nvSpPr>
         <p:spPr>
           <a:xfrm>
-            <a:off x="14741881" y="4697606"/>
+            <a:off x="14741881" y="3977607"/>
             <a:ext cx="2880000" cy="540000"/>
           </a:xfrm>
           <a:prstGeom prst="rect">
@@ -12584,7 +14047,7 @@
         </p:nvCxnSpPr>
         <p:spPr>
           <a:xfrm>
-            <a:off x="12761881" y="5237606"/>
+            <a:off x="12761881" y="4517607"/>
             <a:ext cx="0" cy="1260000"/>
           </a:xfrm>
           <a:prstGeom prst="straightConnector1">
@@ -12637,7 +14100,7 @@
         </p:nvCxnSpPr>
         <p:spPr>
           <a:xfrm>
-            <a:off x="16181881" y="5237606"/>
+            <a:off x="16181881" y="4517607"/>
             <a:ext cx="0" cy="1260000"/>
           </a:xfrm>
           <a:prstGeom prst="straightConnector1">
@@ -12690,7 +14153,7 @@
         </p:nvCxnSpPr>
         <p:spPr>
           <a:xfrm rot="16200000" flipH="1" flipV="1">
-            <a:off x="27116881" y="-5877394"/>
+            <a:off x="27116881" y="-6597393"/>
             <a:ext cx="1350000" cy="20340000"/>
           </a:xfrm>
           <a:prstGeom prst="bentConnector4">
@@ -12746,7 +14209,7 @@
         </p:nvCxnSpPr>
         <p:spPr>
           <a:xfrm rot="10800000" flipV="1">
-            <a:off x="6191881" y="3887606"/>
+            <a:off x="6191881" y="3167607"/>
             <a:ext cx="2070000" cy="270000"/>
           </a:xfrm>
           <a:prstGeom prst="bentConnector2">
@@ -12799,7 +14262,7 @@
         </p:nvCxnSpPr>
         <p:spPr>
           <a:xfrm rot="16200000" flipH="1">
-            <a:off x="10466881" y="2402606"/>
+            <a:off x="10466881" y="1682607"/>
             <a:ext cx="540000" cy="4050000"/>
           </a:xfrm>
           <a:prstGeom prst="bentConnector3">
@@ -12854,7 +14317,7 @@
         </p:nvCxnSpPr>
         <p:spPr>
           <a:xfrm>
-            <a:off x="9521881" y="4955812"/>
+            <a:off x="9521881" y="4235813"/>
             <a:ext cx="0" cy="1541794"/>
           </a:xfrm>
           <a:prstGeom prst="straightConnector1">
@@ -12907,7 +14370,7 @@
         </p:nvCxnSpPr>
         <p:spPr>
           <a:xfrm>
-            <a:off x="4931881" y="13697606"/>
+            <a:off x="4931881" y="12977607"/>
             <a:ext cx="0" cy="5760000"/>
           </a:xfrm>
           <a:prstGeom prst="straightConnector1">
@@ -12960,7 +14423,7 @@
         </p:nvCxnSpPr>
         <p:spPr>
           <a:xfrm rot="16200000" flipH="1">
-            <a:off x="35351881" y="15317606"/>
+            <a:off x="35351881" y="14597607"/>
             <a:ext cx="5760000" cy="2520000"/>
           </a:xfrm>
           <a:prstGeom prst="curvedConnector3">
@@ -13015,7 +14478,7 @@
         </p:nvCxnSpPr>
         <p:spPr>
           <a:xfrm rot="5400000">
-            <a:off x="35351881" y="15317606"/>
+            <a:off x="35351881" y="14597607"/>
             <a:ext cx="5760000" cy="2520000"/>
           </a:xfrm>
           <a:prstGeom prst="curvedConnector3">
@@ -13070,7 +14533,7 @@
         </p:nvCxnSpPr>
         <p:spPr>
           <a:xfrm rot="16200000" flipH="1">
-            <a:off x="27341881" y="12347606"/>
+            <a:off x="27341881" y="11627607"/>
             <a:ext cx="5760000" cy="8460000"/>
           </a:xfrm>
           <a:prstGeom prst="curvedConnector3">
@@ -13125,7 +14588,7 @@
         </p:nvCxnSpPr>
         <p:spPr>
           <a:xfrm rot="5400000">
-            <a:off x="25631881" y="10997606"/>
+            <a:off x="25631881" y="10277607"/>
             <a:ext cx="5760000" cy="11160000"/>
           </a:xfrm>
           <a:prstGeom prst="curvedConnector3">
@@ -13180,7 +14643,7 @@
         </p:nvCxnSpPr>
         <p:spPr>
           <a:xfrm rot="5400000">
-            <a:off x="25991881" y="13697606"/>
+            <a:off x="25991881" y="12977607"/>
             <a:ext cx="5760000" cy="5760000"/>
           </a:xfrm>
           <a:prstGeom prst="curvedConnector3">
@@ -13235,7 +14698,7 @@
         </p:nvCxnSpPr>
         <p:spPr>
           <a:xfrm rot="16200000" flipH="1">
-            <a:off x="27611881" y="14957606"/>
+            <a:off x="27611881" y="14237607"/>
             <a:ext cx="5760000" cy="3240000"/>
           </a:xfrm>
           <a:prstGeom prst="curvedConnector3">
@@ -13290,7 +14753,7 @@
         </p:nvCxnSpPr>
         <p:spPr>
           <a:xfrm rot="16200000" flipH="1">
-            <a:off x="25181881" y="15587606"/>
+            <a:off x="25181881" y="14867607"/>
             <a:ext cx="1620000" cy="6120000"/>
           </a:xfrm>
           <a:prstGeom prst="curvedConnector3">
@@ -13342,7 +14805,7 @@
         </p:nvCxnSpPr>
         <p:spPr>
           <a:xfrm rot="5400000">
-            <a:off x="38276881" y="8792606"/>
+            <a:off x="38276881" y="8072607"/>
             <a:ext cx="3600000" cy="1170000"/>
           </a:xfrm>
           <a:prstGeom prst="curvedConnector3">
@@ -13395,7 +14858,7 @@
         </p:nvCxnSpPr>
         <p:spPr>
           <a:xfrm rot="5400000">
-            <a:off x="37016881" y="7532606"/>
+            <a:off x="37016881" y="6812607"/>
             <a:ext cx="3600000" cy="3690000"/>
           </a:xfrm>
           <a:prstGeom prst="curvedConnector3">
@@ -13444,8 +14907,8 @@
         </p:nvSpPr>
         <p:spPr>
           <a:xfrm>
-            <a:off x="22916762" y="7757606"/>
-            <a:ext cx="2520000" cy="540000"/>
+            <a:off x="22481881" y="7037607"/>
+            <a:ext cx="2985119" cy="540000"/>
           </a:xfrm>
           <a:prstGeom prst="rect">
             <a:avLst/>
@@ -13467,6 +14930,56 @@
                 <a:latin typeface="Tw Cen MT Condensed" panose="020B0606020104020203" pitchFamily="34" charset="0"/>
               </a:rPr>
               <a:t>Androgenresistenz</a:t>
+            </a:r>
+            <a:r>
+              <a:rPr lang="de-DE" sz="3200" dirty="0">
+                <a:solidFill>
+                  <a:schemeClr val="accent2"/>
+                </a:solidFill>
+                <a:latin typeface="Tw Cen MT Condensed" panose="020B0606020104020203" pitchFamily="34" charset="0"/>
+              </a:rPr>
+              <a:t> (AIS)</a:t>
+            </a:r>
+          </a:p>
+        </p:txBody>
+      </p:sp>
+      <p:sp>
+        <p:nvSpPr>
+          <p:cNvPr id="331" name="Textfeld 330">
+            <a:extLst>
+              <a:ext uri="{FF2B5EF4-FFF2-40B4-BE49-F238E27FC236}">
+                <a16:creationId xmlns:a16="http://schemas.microsoft.com/office/drawing/2014/main" id="{71AB2A86-15A3-EE52-4889-E8507355EA07}"/>
+              </a:ext>
+            </a:extLst>
+          </p:cNvPr>
+          <p:cNvSpPr txBox="1"/>
+          <p:nvPr/>
+        </p:nvSpPr>
+        <p:spPr>
+          <a:xfrm>
+            <a:off x="14741881" y="7037607"/>
+            <a:ext cx="2700000" cy="540000"/>
+          </a:xfrm>
+          <a:prstGeom prst="rect">
+            <a:avLst/>
+          </a:prstGeom>
+          <a:noFill/>
+        </p:spPr>
+        <p:txBody>
+          <a:bodyPr wrap="square" lIns="0" tIns="0" rIns="0" bIns="0" rtlCol="0" anchor="ctr" anchorCtr="0">
+            <a:noAutofit/>
+          </a:bodyPr>
+          <a:lstStyle/>
+          <a:p>
+            <a:pPr algn="ctr"/>
+            <a:r>
+              <a:rPr lang="de-DE" sz="3200" dirty="0" err="1">
+                <a:solidFill>
+                  <a:schemeClr val="accent2"/>
+                </a:solidFill>
+                <a:latin typeface="Tw Cen MT Condensed" panose="020B0606020104020203" pitchFamily="34" charset="0"/>
+              </a:rPr>
+              <a:t>Androgenüberschuss</a:t>
             </a:r>
             <a:endParaRPr lang="de-DE" sz="3200" dirty="0">
               <a:solidFill>
@@ -13477,53 +14990,6 @@
           </a:p>
         </p:txBody>
       </p:sp>
-      <p:sp>
-        <p:nvSpPr>
-          <p:cNvPr id="331" name="Textfeld 330">
-            <a:extLst>
-              <a:ext uri="{FF2B5EF4-FFF2-40B4-BE49-F238E27FC236}">
-                <a16:creationId xmlns:a16="http://schemas.microsoft.com/office/drawing/2014/main" id="{71AB2A86-15A3-EE52-4889-E8507355EA07}"/>
-              </a:ext>
-            </a:extLst>
-          </p:cNvPr>
-          <p:cNvSpPr txBox="1"/>
-          <p:nvPr/>
-        </p:nvSpPr>
-        <p:spPr>
-          <a:xfrm>
-            <a:off x="14741881" y="7757606"/>
-            <a:ext cx="2700000" cy="540000"/>
-          </a:xfrm>
-          <a:prstGeom prst="rect">
-            <a:avLst/>
-          </a:prstGeom>
-          <a:noFill/>
-        </p:spPr>
-        <p:txBody>
-          <a:bodyPr wrap="square" lIns="0" tIns="0" rIns="0" bIns="0" rtlCol="0" anchor="ctr" anchorCtr="0">
-            <a:noAutofit/>
-          </a:bodyPr>
-          <a:lstStyle/>
-          <a:p>
-            <a:pPr algn="ctr"/>
-            <a:r>
-              <a:rPr lang="de-DE" sz="3200" dirty="0" err="1">
-                <a:solidFill>
-                  <a:schemeClr val="accent2"/>
-                </a:solidFill>
-                <a:latin typeface="Tw Cen MT Condensed" panose="020B0606020104020203" pitchFamily="34" charset="0"/>
-              </a:rPr>
-              <a:t>Androgenüberschuss</a:t>
-            </a:r>
-            <a:endParaRPr lang="de-DE" sz="3200" dirty="0">
-              <a:solidFill>
-                <a:schemeClr val="accent2"/>
-              </a:solidFill>
-              <a:latin typeface="Tw Cen MT Condensed" panose="020B0606020104020203" pitchFamily="34" charset="0"/>
-            </a:endParaRPr>
-          </a:p>
-        </p:txBody>
-      </p:sp>
       <p:cxnSp>
         <p:nvCxnSpPr>
           <p:cNvPr id="335" name="Verbinder: gekrümmt 334">
@@ -13542,7 +15008,7 @@
         </p:nvCxnSpPr>
         <p:spPr>
           <a:xfrm rot="16200000" flipH="1">
-            <a:off x="20186881" y="-387394"/>
+            <a:off x="20186881" y="-1107393"/>
             <a:ext cx="4140000" cy="18990000"/>
           </a:xfrm>
           <a:prstGeom prst="curvedConnector3">
@@ -13597,7 +15063,7 @@
         </p:nvCxnSpPr>
         <p:spPr>
           <a:xfrm rot="5400000">
-            <a:off x="17441881" y="12887606"/>
+            <a:off x="17441881" y="12167607"/>
             <a:ext cx="1620000" cy="3240000"/>
           </a:xfrm>
           <a:prstGeom prst="curvedConnector3">
@@ -13652,7 +15118,7 @@
         </p:nvCxnSpPr>
         <p:spPr>
           <a:xfrm rot="5400000">
-            <a:off x="14291881" y="12977606"/>
+            <a:off x="14291881" y="12257607"/>
             <a:ext cx="1620000" cy="3060000"/>
           </a:xfrm>
           <a:prstGeom prst="curvedConnector3">
@@ -13707,7 +15173,7 @@
         </p:nvCxnSpPr>
         <p:spPr>
           <a:xfrm rot="16200000" flipH="1">
-            <a:off x="3491881" y="15137606"/>
+            <a:off x="3491881" y="14417607"/>
             <a:ext cx="5760000" cy="2880000"/>
           </a:xfrm>
           <a:prstGeom prst="curvedConnector3">
@@ -13762,7 +15228,7 @@
         </p:nvCxnSpPr>
         <p:spPr>
           <a:xfrm rot="16200000" flipH="1">
-            <a:off x="9341881" y="12167606"/>
+            <a:off x="9341881" y="11447607"/>
             <a:ext cx="5760000" cy="8820000"/>
           </a:xfrm>
           <a:prstGeom prst="curvedConnector3">
@@ -13817,7 +15283,7 @@
         </p:nvCxnSpPr>
         <p:spPr>
           <a:xfrm rot="5400000">
-            <a:off x="11321881" y="17207606"/>
+            <a:off x="11321881" y="16487607"/>
             <a:ext cx="1620000" cy="2880000"/>
           </a:xfrm>
           <a:prstGeom prst="curvedConnector3">
@@ -13872,7 +15338,7 @@
         </p:nvCxnSpPr>
         <p:spPr>
           <a:xfrm rot="5400000">
-            <a:off x="14291881" y="17117606"/>
+            <a:off x="14291881" y="16397607"/>
             <a:ext cx="1620000" cy="3060000"/>
           </a:xfrm>
           <a:prstGeom prst="curvedConnector3">
@@ -13927,7 +15393,7 @@
         </p:nvCxnSpPr>
         <p:spPr>
           <a:xfrm rot="16200000" flipH="1">
-            <a:off x="20591881" y="12977606"/>
+            <a:off x="20591881" y="12257607"/>
             <a:ext cx="1620000" cy="3060000"/>
           </a:xfrm>
           <a:prstGeom prst="curvedConnector3">
@@ -13982,7 +15448,7 @@
         </p:nvCxnSpPr>
         <p:spPr>
           <a:xfrm>
-            <a:off x="7811881" y="21977606"/>
+            <a:off x="7811881" y="21257607"/>
             <a:ext cx="0" cy="1800000"/>
           </a:xfrm>
           <a:prstGeom prst="straightConnector1">
@@ -14035,7 +15501,7 @@
         </p:nvCxnSpPr>
         <p:spPr>
           <a:xfrm>
-            <a:off x="13571881" y="21977606"/>
+            <a:off x="13571881" y="21257607"/>
             <a:ext cx="0" cy="1800000"/>
           </a:xfrm>
           <a:prstGeom prst="straightConnector1">
@@ -14088,7 +15554,7 @@
         </p:nvCxnSpPr>
         <p:spPr>
           <a:xfrm rot="5400000">
-            <a:off x="14201881" y="21347606"/>
+            <a:off x="14201881" y="20627607"/>
             <a:ext cx="1800000" cy="3060000"/>
           </a:xfrm>
           <a:prstGeom prst="curvedConnector3">
@@ -14143,7 +15609,7 @@
         </p:nvCxnSpPr>
         <p:spPr>
           <a:xfrm rot="16200000" flipH="1">
-            <a:off x="22031881" y="19817606"/>
+            <a:off x="22031881" y="19097607"/>
             <a:ext cx="1800000" cy="6120000"/>
           </a:xfrm>
           <a:prstGeom prst="curvedConnector3">
@@ -14198,7 +15664,7 @@
         </p:nvCxnSpPr>
         <p:spPr>
           <a:xfrm rot="16200000" flipH="1">
-            <a:off x="23921881" y="21707606"/>
+            <a:off x="23921881" y="20987607"/>
             <a:ext cx="1080000" cy="3060000"/>
           </a:xfrm>
           <a:prstGeom prst="curvedConnector3">
@@ -14253,7 +15719,7 @@
         </p:nvCxnSpPr>
         <p:spPr>
           <a:xfrm>
-            <a:off x="25991881" y="21977606"/>
+            <a:off x="25991881" y="21257607"/>
             <a:ext cx="0" cy="1800000"/>
           </a:xfrm>
           <a:prstGeom prst="straightConnector1">
@@ -14302,7 +15768,7 @@
         </p:nvSpPr>
         <p:spPr>
           <a:xfrm>
-            <a:off x="30041881" y="7757606"/>
+            <a:off x="30041881" y="7037607"/>
             <a:ext cx="3780000" cy="540000"/>
           </a:xfrm>
           <a:prstGeom prst="rect">
@@ -14356,7 +15822,7 @@
         </p:nvCxnSpPr>
         <p:spPr>
           <a:xfrm rot="5400000">
-            <a:off x="28961881" y="8207606"/>
+            <a:off x="28961881" y="7487607"/>
             <a:ext cx="2880000" cy="3060000"/>
           </a:xfrm>
           <a:prstGeom prst="curvedConnector3">
@@ -14411,7 +15877,7 @@
         </p:nvCxnSpPr>
         <p:spPr>
           <a:xfrm rot="5400000">
-            <a:off x="19961881" y="-792394"/>
+            <a:off x="19961881" y="-1512393"/>
             <a:ext cx="2880000" cy="21060000"/>
           </a:xfrm>
           <a:prstGeom prst="curvedConnector3">
@@ -14466,7 +15932,7 @@
         </p:nvCxnSpPr>
         <p:spPr>
           <a:xfrm rot="5400000">
-            <a:off x="6596881" y="8252606"/>
+            <a:off x="6596881" y="7532607"/>
             <a:ext cx="4140000" cy="1710000"/>
           </a:xfrm>
           <a:prstGeom prst="curvedConnector3">
@@ -14521,7 +15987,7 @@
         </p:nvCxnSpPr>
         <p:spPr>
           <a:xfrm rot="5400000">
-            <a:off x="3761881" y="8747606"/>
+            <a:off x="3761881" y="8027607"/>
             <a:ext cx="3600000" cy="1260000"/>
           </a:xfrm>
           <a:prstGeom prst="curvedConnector3">
@@ -14576,7 +16042,7 @@
         </p:nvCxnSpPr>
         <p:spPr>
           <a:xfrm>
-            <a:off x="39491881" y="13697606"/>
+            <a:off x="39491881" y="12977607"/>
             <a:ext cx="0" cy="5760000"/>
           </a:xfrm>
           <a:prstGeom prst="straightConnector1">
@@ -14629,7 +16095,7 @@
         </p:nvCxnSpPr>
         <p:spPr>
           <a:xfrm rot="5400000">
-            <a:off x="8351881" y="21437606"/>
+            <a:off x="8351881" y="20717607"/>
             <a:ext cx="1800000" cy="2880000"/>
           </a:xfrm>
           <a:prstGeom prst="curvedConnector3">
@@ -14684,7 +16150,7 @@
         </p:nvCxnSpPr>
         <p:spPr>
           <a:xfrm rot="5400000">
-            <a:off x="5021881" y="13607606"/>
+            <a:off x="5021881" y="12887607"/>
             <a:ext cx="5760000" cy="5940000"/>
           </a:xfrm>
           <a:prstGeom prst="curvedConnector3">
@@ -14739,7 +16205,7 @@
         </p:nvCxnSpPr>
         <p:spPr>
           <a:xfrm rot="16200000" flipH="1">
-            <a:off x="29051881" y="6137606"/>
+            <a:off x="29051881" y="5417607"/>
             <a:ext cx="4140000" cy="5940000"/>
           </a:xfrm>
           <a:prstGeom prst="curvedConnector3">
@@ -14794,7 +16260,7 @@
         </p:nvCxnSpPr>
         <p:spPr>
           <a:xfrm rot="5400000">
-            <a:off x="29141881" y="3887606"/>
+            <a:off x="29141881" y="3167607"/>
             <a:ext cx="4140000" cy="10440000"/>
           </a:xfrm>
           <a:prstGeom prst="curvedConnector3">
@@ -14849,12 +16315,12 @@
         </p:nvCxnSpPr>
         <p:spPr>
           <a:xfrm rot="5400000">
-            <a:off x="17434322" y="4435166"/>
-            <a:ext cx="2880000" cy="10604881"/>
+            <a:off x="17333161" y="3816327"/>
+            <a:ext cx="2880000" cy="10402560"/>
           </a:xfrm>
           <a:prstGeom prst="curvedConnector3">
             <a:avLst>
-              <a:gd name="adj1" fmla="val 72532"/>
+              <a:gd name="adj1" fmla="val 50000"/>
             </a:avLst>
           </a:prstGeom>
           <a:ln w="50800">
@@ -14904,12 +16370,12 @@
         </p:nvCxnSpPr>
         <p:spPr>
           <a:xfrm rot="5400000">
-            <a:off x="22114322" y="9115166"/>
-            <a:ext cx="2880000" cy="1244881"/>
+            <a:off x="22013161" y="8496327"/>
+            <a:ext cx="2880000" cy="1042560"/>
           </a:xfrm>
           <a:prstGeom prst="curvedConnector3">
             <a:avLst>
-              <a:gd name="adj1" fmla="val 60242"/>
+              <a:gd name="adj1" fmla="val 50000"/>
             </a:avLst>
           </a:prstGeom>
           <a:ln w="50800">
@@ -14959,7 +16425,7 @@
         </p:nvCxnSpPr>
         <p:spPr>
           <a:xfrm rot="16200000" flipH="1">
-            <a:off x="17666881" y="8972606"/>
+            <a:off x="17666881" y="8252607"/>
             <a:ext cx="4140000" cy="270000"/>
           </a:xfrm>
           <a:prstGeom prst="curvedConnector3">
@@ -15014,7 +16480,7 @@
         </p:nvCxnSpPr>
         <p:spPr>
           <a:xfrm rot="16200000" flipH="1">
-            <a:off x="14921881" y="9467606"/>
+            <a:off x="14921881" y="8747607"/>
             <a:ext cx="2880000" cy="540000"/>
           </a:xfrm>
           <a:prstGeom prst="curvedConnector3">
@@ -15051,6 +16517,189 @@
           </a:fontRef>
         </p:style>
       </p:cxnSp>
+      <p:sp>
+        <p:nvSpPr>
+          <p:cNvPr id="122" name="Textfeld 121">
+            <a:extLst>
+              <a:ext uri="{FF2B5EF4-FFF2-40B4-BE49-F238E27FC236}">
+                <a16:creationId xmlns:a16="http://schemas.microsoft.com/office/drawing/2014/main" id="{640B31C2-1F81-E9A6-2477-F067E9FFD180}"/>
+              </a:ext>
+            </a:extLst>
+          </p:cNvPr>
+          <p:cNvSpPr txBox="1"/>
+          <p:nvPr/>
+        </p:nvSpPr>
+        <p:spPr>
+          <a:xfrm>
+            <a:off x="24461881" y="26117606"/>
+            <a:ext cx="14040000" cy="1980000"/>
+          </a:xfrm>
+          <a:prstGeom prst="rect">
+            <a:avLst/>
+          </a:prstGeom>
+          <a:noFill/>
+        </p:spPr>
+        <p:txBody>
+          <a:bodyPr wrap="square" lIns="72000" tIns="0" rIns="0" bIns="0" rtlCol="0" anchor="ctr" anchorCtr="0">
+            <a:noAutofit/>
+          </a:bodyPr>
+          <a:lstStyle/>
+          <a:p>
+            <a:pPr>
+              <a:lnSpc>
+                <a:spcPts val="3400"/>
+              </a:lnSpc>
+            </a:pPr>
+            <a:r>
+              <a:rPr lang="de-DE" sz="4000" dirty="0">
+                <a:latin typeface="Tw Cen MT Condensed" panose="020B0606020104020203" pitchFamily="34" charset="0"/>
+              </a:rPr>
+              <a:t>Bei der </a:t>
+            </a:r>
+            <a:r>
+              <a:rPr lang="de-DE" sz="4000" b="1" dirty="0">
+                <a:latin typeface="Tw Cen MT Condensed" panose="020B0606020104020203" pitchFamily="34" charset="0"/>
+              </a:rPr>
+              <a:t>Transition</a:t>
+            </a:r>
+            <a:r>
+              <a:rPr lang="de-DE" sz="4000" dirty="0">
+                <a:latin typeface="Tw Cen MT Condensed" panose="020B0606020104020203" pitchFamily="34" charset="0"/>
+              </a:rPr>
+              <a:t> werden geschlechtsangleichende Maßnahmen getroffen, um </a:t>
+            </a:r>
+            <a:r>
+              <a:rPr lang="de-DE" sz="4000" b="1" dirty="0">
+                <a:latin typeface="Tw Cen MT Condensed" panose="020B0606020104020203" pitchFamily="34" charset="0"/>
+              </a:rPr>
+              <a:t>Geschlechtsinkongruenz</a:t>
+            </a:r>
+            <a:r>
+              <a:rPr lang="de-DE" sz="4000" dirty="0">
+                <a:latin typeface="Tw Cen MT Condensed" panose="020B0606020104020203" pitchFamily="34" charset="0"/>
+              </a:rPr>
+              <a:t> zu behandeln. </a:t>
+            </a:r>
+            <a:r>
+              <a:rPr lang="de-DE" sz="4000">
+                <a:latin typeface="Tw Cen MT Condensed" panose="020B0606020104020203" pitchFamily="34" charset="0"/>
+              </a:rPr>
+              <a:t>Betreffende </a:t>
+            </a:r>
+            <a:r>
+              <a:rPr lang="de-DE" sz="4000" dirty="0">
+                <a:latin typeface="Tw Cen MT Condensed" panose="020B0606020104020203" pitchFamily="34" charset="0"/>
+              </a:rPr>
+              <a:t>Personen identifizieren sich nicht mit dem bei ihrer Geburt zugewiesenen Geschlecht; haben also eine abweichende </a:t>
+            </a:r>
+            <a:r>
+              <a:rPr lang="de-DE" sz="4000" b="1" dirty="0">
+                <a:latin typeface="Tw Cen MT Condensed" panose="020B0606020104020203" pitchFamily="34" charset="0"/>
+              </a:rPr>
+              <a:t>Geschlechtsidentität</a:t>
+            </a:r>
+            <a:r>
+              <a:rPr lang="de-DE" sz="4000" dirty="0">
+                <a:latin typeface="Tw Cen MT Condensed" panose="020B0606020104020203" pitchFamily="34" charset="0"/>
+              </a:rPr>
+              <a:t>. Durch Hormontherapie und ggf. chirurgische Eingriffe können die Geschlechtsmerkmale der eigenen Identifikation angepasst werden.</a:t>
+            </a:r>
+            <a:endParaRPr lang="de-DE" sz="4000" dirty="0">
+              <a:solidFill>
+                <a:srgbClr val="CC00CA"/>
+              </a:solidFill>
+              <a:latin typeface="Tw Cen MT Condensed" panose="020B0606020104020203" pitchFamily="34" charset="0"/>
+            </a:endParaRPr>
+          </a:p>
+        </p:txBody>
+      </p:sp>
+      <p:sp>
+        <p:nvSpPr>
+          <p:cNvPr id="142" name="Pfeil: nach links und rechts 141">
+            <a:extLst>
+              <a:ext uri="{FF2B5EF4-FFF2-40B4-BE49-F238E27FC236}">
+                <a16:creationId xmlns:a16="http://schemas.microsoft.com/office/drawing/2014/main" id="{D29C1F22-2B49-8599-164F-348A9CF12434}"/>
+              </a:ext>
+            </a:extLst>
+          </p:cNvPr>
+          <p:cNvSpPr/>
+          <p:nvPr/>
+        </p:nvSpPr>
+        <p:spPr>
+          <a:xfrm>
+            <a:off x="18523072" y="26297606"/>
+            <a:ext cx="5759206" cy="1620000"/>
+          </a:xfrm>
+          <a:prstGeom prst="leftRightArrow">
+            <a:avLst>
+              <a:gd name="adj1" fmla="val 71167"/>
+              <a:gd name="adj2" fmla="val 50000"/>
+            </a:avLst>
+          </a:prstGeom>
+          <a:gradFill flip="none" rotWithShape="1">
+            <a:gsLst>
+              <a:gs pos="0">
+                <a:srgbClr val="58C8F2"/>
+              </a:gs>
+              <a:gs pos="40000">
+                <a:srgbClr val="EDA4B2"/>
+              </a:gs>
+              <a:gs pos="52000">
+                <a:srgbClr val="F7F7F7"/>
+              </a:gs>
+              <a:gs pos="60000">
+                <a:srgbClr val="EDA4B2"/>
+              </a:gs>
+              <a:gs pos="100000">
+                <a:srgbClr val="58C8F2"/>
+              </a:gs>
+            </a:gsLst>
+            <a:lin ang="5400000" scaled="1"/>
+            <a:tileRect/>
+          </a:gradFill>
+          <a:ln>
+            <a:noFill/>
+          </a:ln>
+        </p:spPr>
+        <p:style>
+          <a:lnRef idx="2">
+            <a:schemeClr val="accent1">
+              <a:shade val="15000"/>
+            </a:schemeClr>
+          </a:lnRef>
+          <a:fillRef idx="1">
+            <a:schemeClr val="accent1"/>
+          </a:fillRef>
+          <a:effectRef idx="0">
+            <a:schemeClr val="accent1"/>
+          </a:effectRef>
+          <a:fontRef idx="minor">
+            <a:schemeClr val="lt1"/>
+          </a:fontRef>
+        </p:style>
+        <p:txBody>
+          <a:bodyPr rtlCol="0" anchor="ctr"/>
+          <a:lstStyle/>
+          <a:p>
+            <a:pPr algn="ctr"/>
+            <a:r>
+              <a:rPr lang="en-US" sz="6600" dirty="0">
+                <a:solidFill>
+                  <a:schemeClr val="tx1"/>
+                </a:solidFill>
+                <a:latin typeface="Tw Cen MT" panose="020B0602020104020603" pitchFamily="34" charset="0"/>
+              </a:rPr>
+              <a:t>Transition</a:t>
+            </a:r>
+            <a:endParaRPr lang="de-DE" sz="6600" dirty="0">
+              <a:solidFill>
+                <a:schemeClr val="tx1"/>
+              </a:solidFill>
+              <a:latin typeface="Tw Cen MT" panose="020B0602020104020603" pitchFamily="34" charset="0"/>
+            </a:endParaRPr>
+          </a:p>
+        </p:txBody>
+      </p:sp>
     </p:spTree>
     <p:extLst>
       <p:ext uri="{BB962C8B-B14F-4D97-AF65-F5344CB8AC3E}">

--- a/Plakat_Intergeschlechtlichkeit.pptx
+++ b/Plakat_Intergeschlechtlichkeit.pptx
@@ -129,7 +129,7 @@
 <file path=ppt/revisionInfo.xml><?xml version="1.0" encoding="utf-8"?>
 <p1510:revInfo xmlns:a="http://schemas.openxmlformats.org/drawingml/2006/main" xmlns:r="http://schemas.openxmlformats.org/officeDocument/2006/relationships" xmlns:p1510="http://schemas.microsoft.com/office/powerpoint/2015/10/main">
   <p1510:revLst>
-    <p1510:client id="{C3AD5994-71BB-4E97-BA5C-783AF1214255}" v="3" dt="2023-07-24T18:36:33.451"/>
+    <p1510:client id="{C3AD5994-71BB-4E97-BA5C-783AF1214255}" v="5" dt="2023-08-04T06:29:09.021"/>
   </p1510:revLst>
 </p1510:revInfo>
 </file>
@@ -137,14 +137,38 @@
 <file path=ppt/changesInfos/changesInfo1.xml><?xml version="1.0" encoding="utf-8"?>
 <pc:chgInfo xmlns:a="http://schemas.openxmlformats.org/drawingml/2006/main" xmlns:r="http://schemas.openxmlformats.org/officeDocument/2006/relationships" xmlns:ac="http://schemas.microsoft.com/office/drawing/2013/main/command" xmlns:pc="http://schemas.microsoft.com/office/powerpoint/2013/main/command">
   <pc:docChgLst>
+    <pc:chgData name="Thomas Welter" userId="6ba22f2b25d63732" providerId="LiveId" clId="{5696C59D-0DA3-454E-B2CB-58BAAFFDF5A3}"/>
+    <pc:docChg chg="modSld">
+      <pc:chgData name="Thomas Welter" userId="6ba22f2b25d63732" providerId="LiveId" clId="{5696C59D-0DA3-454E-B2CB-58BAAFFDF5A3}" dt="2023-07-25T08:50:55.877" v="174" actId="14100"/>
+      <pc:docMkLst>
+        <pc:docMk/>
+      </pc:docMkLst>
+      <pc:sldChg chg="modSp mod">
+        <pc:chgData name="Thomas Welter" userId="6ba22f2b25d63732" providerId="LiveId" clId="{5696C59D-0DA3-454E-B2CB-58BAAFFDF5A3}" dt="2023-07-25T08:50:55.877" v="174" actId="14100"/>
+        <pc:sldMkLst>
+          <pc:docMk/>
+          <pc:sldMk cId="2458947397" sldId="257"/>
+        </pc:sldMkLst>
+        <pc:spChg chg="mod">
+          <ac:chgData name="Thomas Welter" userId="6ba22f2b25d63732" providerId="LiveId" clId="{5696C59D-0DA3-454E-B2CB-58BAAFFDF5A3}" dt="2023-07-25T08:50:55.877" v="174" actId="14100"/>
+          <ac:spMkLst>
+            <pc:docMk/>
+            <pc:sldMk cId="2458947397" sldId="257"/>
+            <ac:spMk id="122" creationId="{640B31C2-1F81-E9A6-2477-F067E9FFD180}"/>
+          </ac:spMkLst>
+        </pc:spChg>
+      </pc:sldChg>
+    </pc:docChg>
+  </pc:docChgLst>
+  <pc:docChgLst>
     <pc:chgData name="Thomas Welter" userId="6ba22f2b25d63732" providerId="LiveId" clId="{C3AD5994-71BB-4E97-BA5C-783AF1214255}"/>
-    <pc:docChg chg="custSel modSld">
-      <pc:chgData name="Thomas Welter" userId="6ba22f2b25d63732" providerId="LiveId" clId="{C3AD5994-71BB-4E97-BA5C-783AF1214255}" dt="2023-07-24T19:02:44.569" v="835" actId="20577"/>
+    <pc:docChg chg="undo custSel modSld">
+      <pc:chgData name="Thomas Welter" userId="6ba22f2b25d63732" providerId="LiveId" clId="{C3AD5994-71BB-4E97-BA5C-783AF1214255}" dt="2023-08-04T06:34:23.953" v="1600" actId="20577"/>
       <pc:docMkLst>
         <pc:docMk/>
       </pc:docMkLst>
       <pc:sldChg chg="addSp delSp modSp mod">
-        <pc:chgData name="Thomas Welter" userId="6ba22f2b25d63732" providerId="LiveId" clId="{C3AD5994-71BB-4E97-BA5C-783AF1214255}" dt="2023-07-24T19:02:44.569" v="835" actId="20577"/>
+        <pc:chgData name="Thomas Welter" userId="6ba22f2b25d63732" providerId="LiveId" clId="{C3AD5994-71BB-4E97-BA5C-783AF1214255}" dt="2023-08-04T06:34:23.953" v="1600" actId="20577"/>
         <pc:sldMkLst>
           <pc:docMk/>
           <pc:sldMk cId="2458947397" sldId="257"/>
@@ -245,6 +269,14 @@
             <ac:spMk id="14" creationId="{6017BA8A-2177-BE00-4E26-9E36A0DFD834}"/>
           </ac:spMkLst>
         </pc:spChg>
+        <pc:spChg chg="add mod">
+          <ac:chgData name="Thomas Welter" userId="6ba22f2b25d63732" providerId="LiveId" clId="{C3AD5994-71BB-4E97-BA5C-783AF1214255}" dt="2023-08-04T06:14:59.230" v="1009" actId="1076"/>
+          <ac:spMkLst>
+            <pc:docMk/>
+            <pc:sldMk cId="2458947397" sldId="257"/>
+            <ac:spMk id="16" creationId="{56D774D4-20C4-8E73-4B31-CF3C3CD95416}"/>
+          </ac:spMkLst>
+        </pc:spChg>
         <pc:spChg chg="mod">
           <ac:chgData name="Thomas Welter" userId="6ba22f2b25d63732" providerId="LiveId" clId="{C3AD5994-71BB-4E97-BA5C-783AF1214255}" dt="2023-07-24T18:39:13.800" v="47" actId="1035"/>
           <ac:spMkLst>
@@ -326,7 +358,7 @@
           </ac:spMkLst>
         </pc:spChg>
         <pc:spChg chg="mod">
-          <ac:chgData name="Thomas Welter" userId="6ba22f2b25d63732" providerId="LiveId" clId="{C3AD5994-71BB-4E97-BA5C-783AF1214255}" dt="2023-07-24T18:39:13.800" v="47" actId="1035"/>
+          <ac:chgData name="Thomas Welter" userId="6ba22f2b25d63732" providerId="LiveId" clId="{C3AD5994-71BB-4E97-BA5C-783AF1214255}" dt="2023-08-04T06:06:55.878" v="852" actId="20577"/>
           <ac:spMkLst>
             <pc:docMk/>
             <pc:sldMk cId="2458947397" sldId="257"/>
@@ -334,7 +366,7 @@
           </ac:spMkLst>
         </pc:spChg>
         <pc:spChg chg="mod">
-          <ac:chgData name="Thomas Welter" userId="6ba22f2b25d63732" providerId="LiveId" clId="{C3AD5994-71BB-4E97-BA5C-783AF1214255}" dt="2023-07-24T18:39:13.800" v="47" actId="1035"/>
+          <ac:chgData name="Thomas Welter" userId="6ba22f2b25d63732" providerId="LiveId" clId="{C3AD5994-71BB-4E97-BA5C-783AF1214255}" dt="2023-08-04T06:18:32.422" v="1014" actId="20577"/>
           <ac:spMkLst>
             <pc:docMk/>
             <pc:sldMk cId="2458947397" sldId="257"/>
@@ -622,7 +654,7 @@
           </ac:spMkLst>
         </pc:spChg>
         <pc:spChg chg="mod">
-          <ac:chgData name="Thomas Welter" userId="6ba22f2b25d63732" providerId="LiveId" clId="{C3AD5994-71BB-4E97-BA5C-783AF1214255}" dt="2023-07-24T18:39:13.800" v="47" actId="1035"/>
+          <ac:chgData name="Thomas Welter" userId="6ba22f2b25d63732" providerId="LiveId" clId="{C3AD5994-71BB-4E97-BA5C-783AF1214255}" dt="2023-08-04T06:07:45.675" v="854" actId="207"/>
           <ac:spMkLst>
             <pc:docMk/>
             <pc:sldMk cId="2458947397" sldId="257"/>
@@ -830,7 +862,7 @@
           </ac:spMkLst>
         </pc:spChg>
         <pc:spChg chg="add mod">
-          <ac:chgData name="Thomas Welter" userId="6ba22f2b25d63732" providerId="LiveId" clId="{C3AD5994-71BB-4E97-BA5C-783AF1214255}" dt="2023-07-24T19:02:44.569" v="835" actId="20577"/>
+          <ac:chgData name="Thomas Welter" userId="6ba22f2b25d63732" providerId="LiveId" clId="{C3AD5994-71BB-4E97-BA5C-783AF1214255}" dt="2023-08-04T06:34:23.953" v="1600" actId="20577"/>
           <ac:spMkLst>
             <pc:docMk/>
             <pc:sldMk cId="2458947397" sldId="257"/>
@@ -974,7 +1006,7 @@
           </ac:spMkLst>
         </pc:spChg>
         <pc:spChg chg="add mod">
-          <ac:chgData name="Thomas Welter" userId="6ba22f2b25d63732" providerId="LiveId" clId="{C3AD5994-71BB-4E97-BA5C-783AF1214255}" dt="2023-07-24T19:00:57.660" v="824" actId="207"/>
+          <ac:chgData name="Thomas Welter" userId="6ba22f2b25d63732" providerId="LiveId" clId="{C3AD5994-71BB-4E97-BA5C-783AF1214255}" dt="2023-08-04T06:14:50.474" v="1008" actId="1076"/>
           <ac:spMkLst>
             <pc:docMk/>
             <pc:sldMk cId="2458947397" sldId="257"/>
@@ -1661,7 +1693,7 @@
           <a:p>
             <a:fld id="{198EEFEF-31C7-4FDE-B3D5-116AAB432A0E}" type="datetimeFigureOut">
               <a:rPr lang="de-DE" smtClean="0"/>
-              <a:t>24.07.2023</a:t>
+              <a:t>04.08.2023</a:t>
             </a:fld>
             <a:endParaRPr lang="de-DE"/>
           </a:p>
@@ -2143,7 +2175,7 @@
           <a:p>
             <a:fld id="{FDA60E3F-2C06-4218-92BB-CD1364FCA3B2}" type="datetimeFigureOut">
               <a:rPr lang="de-DE" smtClean="0"/>
-              <a:t>24.07.2023</a:t>
+              <a:t>04.08.2023</a:t>
             </a:fld>
             <a:endParaRPr lang="de-DE"/>
           </a:p>
@@ -2313,7 +2345,7 @@
           <a:p>
             <a:fld id="{FDA60E3F-2C06-4218-92BB-CD1364FCA3B2}" type="datetimeFigureOut">
               <a:rPr lang="de-DE" smtClean="0"/>
-              <a:t>24.07.2023</a:t>
+              <a:t>04.08.2023</a:t>
             </a:fld>
             <a:endParaRPr lang="de-DE"/>
           </a:p>
@@ -2493,7 +2525,7 @@
           <a:p>
             <a:fld id="{FDA60E3F-2C06-4218-92BB-CD1364FCA3B2}" type="datetimeFigureOut">
               <a:rPr lang="de-DE" smtClean="0"/>
-              <a:t>24.07.2023</a:t>
+              <a:t>04.08.2023</a:t>
             </a:fld>
             <a:endParaRPr lang="de-DE"/>
           </a:p>
@@ -2663,7 +2695,7 @@
           <a:p>
             <a:fld id="{FDA60E3F-2C06-4218-92BB-CD1364FCA3B2}" type="datetimeFigureOut">
               <a:rPr lang="de-DE" smtClean="0"/>
-              <a:t>24.07.2023</a:t>
+              <a:t>04.08.2023</a:t>
             </a:fld>
             <a:endParaRPr lang="de-DE"/>
           </a:p>
@@ -2923,7 +2955,7 @@
           <a:p>
             <a:fld id="{FDA60E3F-2C06-4218-92BB-CD1364FCA3B2}" type="datetimeFigureOut">
               <a:rPr lang="de-DE" smtClean="0"/>
-              <a:t>24.07.2023</a:t>
+              <a:t>04.08.2023</a:t>
             </a:fld>
             <a:endParaRPr lang="de-DE"/>
           </a:p>
@@ -3155,7 +3187,7 @@
           <a:p>
             <a:fld id="{FDA60E3F-2C06-4218-92BB-CD1364FCA3B2}" type="datetimeFigureOut">
               <a:rPr lang="de-DE" smtClean="0"/>
-              <a:t>24.07.2023</a:t>
+              <a:t>04.08.2023</a:t>
             </a:fld>
             <a:endParaRPr lang="de-DE"/>
           </a:p>
@@ -3522,7 +3554,7 @@
           <a:p>
             <a:fld id="{FDA60E3F-2C06-4218-92BB-CD1364FCA3B2}" type="datetimeFigureOut">
               <a:rPr lang="de-DE" smtClean="0"/>
-              <a:t>24.07.2023</a:t>
+              <a:t>04.08.2023</a:t>
             </a:fld>
             <a:endParaRPr lang="de-DE"/>
           </a:p>
@@ -3640,7 +3672,7 @@
           <a:p>
             <a:fld id="{FDA60E3F-2C06-4218-92BB-CD1364FCA3B2}" type="datetimeFigureOut">
               <a:rPr lang="de-DE" smtClean="0"/>
-              <a:t>24.07.2023</a:t>
+              <a:t>04.08.2023</a:t>
             </a:fld>
             <a:endParaRPr lang="de-DE"/>
           </a:p>
@@ -3735,7 +3767,7 @@
           <a:p>
             <a:fld id="{FDA60E3F-2C06-4218-92BB-CD1364FCA3B2}" type="datetimeFigureOut">
               <a:rPr lang="de-DE" smtClean="0"/>
-              <a:t>24.07.2023</a:t>
+              <a:t>04.08.2023</a:t>
             </a:fld>
             <a:endParaRPr lang="de-DE"/>
           </a:p>
@@ -4012,7 +4044,7 @@
           <a:p>
             <a:fld id="{FDA60E3F-2C06-4218-92BB-CD1364FCA3B2}" type="datetimeFigureOut">
               <a:rPr lang="de-DE" smtClean="0"/>
-              <a:t>24.07.2023</a:t>
+              <a:t>04.08.2023</a:t>
             </a:fld>
             <a:endParaRPr lang="de-DE"/>
           </a:p>
@@ -4269,7 +4301,7 @@
           <a:p>
             <a:fld id="{FDA60E3F-2C06-4218-92BB-CD1364FCA3B2}" type="datetimeFigureOut">
               <a:rPr lang="de-DE" smtClean="0"/>
-              <a:t>24.07.2023</a:t>
+              <a:t>04.08.2023</a:t>
             </a:fld>
             <a:endParaRPr lang="de-DE"/>
           </a:p>
@@ -4482,7 +4514,7 @@
           <a:p>
             <a:fld id="{FDA60E3F-2C06-4218-92BB-CD1364FCA3B2}" type="datetimeFigureOut">
               <a:rPr lang="de-DE" smtClean="0"/>
-              <a:t>24.07.2023</a:t>
+              <a:t>04.08.2023</a:t>
             </a:fld>
             <a:endParaRPr lang="de-DE"/>
           </a:p>
@@ -6770,9 +6802,18 @@
             </a:pPr>
             <a:r>
               <a:rPr lang="de-DE" sz="3200" dirty="0">
-                <a:latin typeface="Tw Cen MT Condensed" panose="020B0606020104020203" pitchFamily="34" charset="0"/>
-              </a:rPr>
-              <a:t>Uneindeutige Genitalien </a:t>
+                <a:solidFill>
+                  <a:srgbClr val="BDA203"/>
+                </a:solidFill>
+                <a:latin typeface="Tw Cen MT Condensed" panose="020B0606020104020203" pitchFamily="34" charset="0"/>
+              </a:rPr>
+              <a:t>Uneindeutige</a:t>
+            </a:r>
+            <a:r>
+              <a:rPr lang="de-DE" sz="3200" dirty="0">
+                <a:latin typeface="Tw Cen MT Condensed" panose="020B0606020104020203" pitchFamily="34" charset="0"/>
+              </a:rPr>
+              <a:t> Genitalien </a:t>
             </a:r>
           </a:p>
           <a:p>
@@ -9481,7 +9522,7 @@
                 </a:effectLst>
                 <a:latin typeface="Tw Cen MT Condensed" panose="020B0606020104020203" pitchFamily="34" charset="0"/>
               </a:rPr>
-              <a:t>Androgenunempfindlichkeitssyndrom</a:t>
+              <a:t>Androgenresistenz</a:t>
             </a:r>
             <a:r>
               <a:rPr lang="de-DE" sz="3200" dirty="0">
@@ -9545,7 +9586,7 @@
                 </a:effectLst>
                 <a:latin typeface="Tw Cen MT Condensed" panose="020B0606020104020203" pitchFamily="34" charset="0"/>
               </a:rPr>
-              <a:t>Klinefelter Syndrom </a:t>
+              <a:t>Klinefelter-Syndrom </a:t>
             </a:r>
           </a:p>
         </p:txBody>
@@ -16531,8 +16572,8 @@
         </p:nvSpPr>
         <p:spPr>
           <a:xfrm>
-            <a:off x="24461881" y="26117606"/>
-            <a:ext cx="14040000" cy="1980000"/>
+            <a:off x="25721881" y="25937606"/>
+            <a:ext cx="16920000" cy="2340000"/>
           </a:xfrm>
           <a:prstGeom prst="rect">
             <a:avLst/>
@@ -16551,63 +16592,420 @@
               </a:lnSpc>
             </a:pPr>
             <a:r>
-              <a:rPr lang="de-DE" sz="4000" dirty="0">
-                <a:latin typeface="Tw Cen MT Condensed" panose="020B0606020104020203" pitchFamily="34" charset="0"/>
-              </a:rPr>
-              <a:t>Bei der </a:t>
-            </a:r>
-            <a:r>
-              <a:rPr lang="de-DE" sz="4000" b="1" dirty="0">
-                <a:latin typeface="Tw Cen MT Condensed" panose="020B0606020104020203" pitchFamily="34" charset="0"/>
-              </a:rPr>
-              <a:t>Transition</a:t>
-            </a:r>
-            <a:r>
-              <a:rPr lang="de-DE" sz="4000" dirty="0">
-                <a:latin typeface="Tw Cen MT Condensed" panose="020B0606020104020203" pitchFamily="34" charset="0"/>
-              </a:rPr>
-              <a:t> werden geschlechtsangleichende Maßnahmen getroffen, um </a:t>
-            </a:r>
-            <a:r>
-              <a:rPr lang="de-DE" sz="4000" b="1" dirty="0">
-                <a:latin typeface="Tw Cen MT Condensed" panose="020B0606020104020203" pitchFamily="34" charset="0"/>
-              </a:rPr>
-              <a:t>Geschlechtsinkongruenz</a:t>
-            </a:r>
-            <a:r>
-              <a:rPr lang="de-DE" sz="4000" dirty="0">
-                <a:latin typeface="Tw Cen MT Condensed" panose="020B0606020104020203" pitchFamily="34" charset="0"/>
-              </a:rPr>
-              <a:t> zu behandeln. </a:t>
-            </a:r>
-            <a:r>
-              <a:rPr lang="de-DE" sz="4000">
-                <a:latin typeface="Tw Cen MT Condensed" panose="020B0606020104020203" pitchFamily="34" charset="0"/>
-              </a:rPr>
-              <a:t>Betreffende </a:t>
-            </a:r>
-            <a:r>
-              <a:rPr lang="de-DE" sz="4000" dirty="0">
-                <a:latin typeface="Tw Cen MT Condensed" panose="020B0606020104020203" pitchFamily="34" charset="0"/>
-              </a:rPr>
-              <a:t>Personen identifizieren sich nicht mit dem bei ihrer Geburt zugewiesenen Geschlecht; haben also eine abweichende </a:t>
-            </a:r>
-            <a:r>
-              <a:rPr lang="de-DE" sz="4000" b="1" dirty="0">
+              <a:rPr lang="en-US" sz="4000" dirty="0">
+                <a:latin typeface="Tw Cen MT Condensed" panose="020B0606020104020203" pitchFamily="34" charset="0"/>
+              </a:rPr>
+              <a:t>Die </a:t>
+            </a:r>
+            <a:r>
+              <a:rPr lang="en-US" sz="4000" dirty="0" err="1">
+                <a:latin typeface="Tw Cen MT Condensed" panose="020B0606020104020203" pitchFamily="34" charset="0"/>
+              </a:rPr>
+              <a:t>hier</a:t>
+            </a:r>
+            <a:r>
+              <a:rPr lang="en-US" sz="4000" dirty="0">
+                <a:latin typeface="Tw Cen MT Condensed" panose="020B0606020104020203" pitchFamily="34" charset="0"/>
+              </a:rPr>
+              <a:t> </a:t>
+            </a:r>
+            <a:r>
+              <a:rPr lang="en-US" sz="4000" dirty="0" err="1">
+                <a:latin typeface="Tw Cen MT Condensed" panose="020B0606020104020203" pitchFamily="34" charset="0"/>
+              </a:rPr>
+              <a:t>dargestellten</a:t>
+            </a:r>
+            <a:r>
+              <a:rPr lang="en-US" sz="4000" dirty="0">
+                <a:latin typeface="Tw Cen MT Condensed" panose="020B0606020104020203" pitchFamily="34" charset="0"/>
+              </a:rPr>
+              <a:t> </a:t>
+            </a:r>
+            <a:r>
+              <a:rPr lang="en-US" sz="4000" dirty="0" err="1">
+                <a:latin typeface="Tw Cen MT Condensed" panose="020B0606020104020203" pitchFamily="34" charset="0"/>
+              </a:rPr>
+              <a:t>Hormontherapien</a:t>
+            </a:r>
+            <a:r>
+              <a:rPr lang="en-US" sz="4000" dirty="0">
+                <a:latin typeface="Tw Cen MT Condensed" panose="020B0606020104020203" pitchFamily="34" charset="0"/>
+              </a:rPr>
+              <a:t> </a:t>
+            </a:r>
+            <a:r>
+              <a:rPr lang="en-US" sz="4000" dirty="0" err="1">
+                <a:latin typeface="Tw Cen MT Condensed" panose="020B0606020104020203" pitchFamily="34" charset="0"/>
+              </a:rPr>
+              <a:t>beziehen</a:t>
+            </a:r>
+            <a:r>
+              <a:rPr lang="en-US" sz="4000" dirty="0">
+                <a:latin typeface="Tw Cen MT Condensed" panose="020B0606020104020203" pitchFamily="34" charset="0"/>
+              </a:rPr>
+              <a:t> </a:t>
+            </a:r>
+            <a:r>
+              <a:rPr lang="en-US" sz="4000" dirty="0" err="1">
+                <a:latin typeface="Tw Cen MT Condensed" panose="020B0606020104020203" pitchFamily="34" charset="0"/>
+              </a:rPr>
+              <a:t>sich</a:t>
+            </a:r>
+            <a:r>
+              <a:rPr lang="en-US" sz="4000" dirty="0">
+                <a:latin typeface="Tw Cen MT Condensed" panose="020B0606020104020203" pitchFamily="34" charset="0"/>
+              </a:rPr>
+              <a:t> auf den </a:t>
+            </a:r>
+            <a:r>
+              <a:rPr lang="en-US" sz="4000" dirty="0" err="1">
+                <a:latin typeface="Tw Cen MT Condensed" panose="020B0606020104020203" pitchFamily="34" charset="0"/>
+              </a:rPr>
+              <a:t>medizinischen</a:t>
+            </a:r>
+            <a:r>
+              <a:rPr lang="en-US" sz="4000" dirty="0">
+                <a:latin typeface="Tw Cen MT Condensed" panose="020B0606020104020203" pitchFamily="34" charset="0"/>
+              </a:rPr>
+              <a:t> Standard, der </a:t>
+            </a:r>
+            <a:r>
+              <a:rPr lang="en-US" sz="4000" dirty="0" err="1">
+                <a:latin typeface="Tw Cen MT Condensed" panose="020B0606020104020203" pitchFamily="34" charset="0"/>
+              </a:rPr>
+              <a:t>zunächst</a:t>
+            </a:r>
+            <a:r>
+              <a:rPr lang="en-US" sz="4000" dirty="0">
+                <a:latin typeface="Tw Cen MT Condensed" panose="020B0606020104020203" pitchFamily="34" charset="0"/>
+              </a:rPr>
+              <a:t> </a:t>
+            </a:r>
+            <a:r>
+              <a:rPr lang="en-US" sz="4000" dirty="0" err="1">
+                <a:latin typeface="Tw Cen MT Condensed" panose="020B0606020104020203" pitchFamily="34" charset="0"/>
+              </a:rPr>
+              <a:t>nur</a:t>
+            </a:r>
+            <a:r>
+              <a:rPr lang="en-US" sz="4000" dirty="0">
+                <a:latin typeface="Tw Cen MT Condensed" panose="020B0606020104020203" pitchFamily="34" charset="0"/>
+              </a:rPr>
+              <a:t> </a:t>
+            </a:r>
+            <a:r>
+              <a:rPr lang="en-US" sz="4000" dirty="0" err="1">
+                <a:latin typeface="Tw Cen MT Condensed" panose="020B0606020104020203" pitchFamily="34" charset="0"/>
+              </a:rPr>
+              <a:t>versucht</a:t>
+            </a:r>
+            <a:r>
+              <a:rPr lang="en-US" sz="4000" dirty="0">
+                <a:latin typeface="Tw Cen MT Condensed" panose="020B0606020104020203" pitchFamily="34" charset="0"/>
+              </a:rPr>
+              <a:t>, das </a:t>
+            </a:r>
+            <a:r>
+              <a:rPr lang="en-US" sz="4000" dirty="0" err="1">
+                <a:latin typeface="Tw Cen MT Condensed" panose="020B0606020104020203" pitchFamily="34" charset="0"/>
+              </a:rPr>
+              <a:t>jeweilige</a:t>
+            </a:r>
+            <a:r>
+              <a:rPr lang="en-US" sz="4000" dirty="0">
+                <a:latin typeface="Tw Cen MT Condensed" panose="020B0606020104020203" pitchFamily="34" charset="0"/>
+              </a:rPr>
+              <a:t> </a:t>
+            </a:r>
+            <a:r>
+              <a:rPr lang="en-US" sz="4000" dirty="0" err="1">
+                <a:latin typeface="Tw Cen MT Condensed" panose="020B0606020104020203" pitchFamily="34" charset="0"/>
+              </a:rPr>
+              <a:t>krankheitsbild</a:t>
+            </a:r>
+            <a:r>
+              <a:rPr lang="en-US" sz="4000" dirty="0">
+                <a:latin typeface="Tw Cen MT Condensed" panose="020B0606020104020203" pitchFamily="34" charset="0"/>
+              </a:rPr>
+              <a:t> </a:t>
+            </a:r>
+            <a:r>
+              <a:rPr lang="en-US" sz="4000" dirty="0" err="1">
+                <a:latin typeface="Tw Cen MT Condensed" panose="020B0606020104020203" pitchFamily="34" charset="0"/>
+              </a:rPr>
+              <a:t>zu</a:t>
+            </a:r>
+            <a:r>
+              <a:rPr lang="en-US" sz="4000" dirty="0">
+                <a:latin typeface="Tw Cen MT Condensed" panose="020B0606020104020203" pitchFamily="34" charset="0"/>
+              </a:rPr>
+              <a:t> </a:t>
+            </a:r>
+            <a:r>
+              <a:rPr lang="en-US" sz="4000" dirty="0" err="1">
+                <a:latin typeface="Tw Cen MT Condensed" panose="020B0606020104020203" pitchFamily="34" charset="0"/>
+              </a:rPr>
+              <a:t>therapieren</a:t>
+            </a:r>
+            <a:r>
+              <a:rPr lang="en-US" sz="4000" dirty="0">
+                <a:latin typeface="Tw Cen MT Condensed" panose="020B0606020104020203" pitchFamily="34" charset="0"/>
+              </a:rPr>
+              <a:t>. In dem Fall </a:t>
+            </a:r>
+            <a:r>
+              <a:rPr lang="en-US" sz="4000" dirty="0" err="1">
+                <a:latin typeface="Tw Cen MT Condensed" panose="020B0606020104020203" pitchFamily="34" charset="0"/>
+              </a:rPr>
+              <a:t>spricht</a:t>
+            </a:r>
+            <a:r>
+              <a:rPr lang="en-US" sz="4000" dirty="0">
+                <a:latin typeface="Tw Cen MT Condensed" panose="020B0606020104020203" pitchFamily="34" charset="0"/>
+              </a:rPr>
+              <a:t> man </a:t>
+            </a:r>
+            <a:r>
+              <a:rPr lang="en-US" sz="4000" dirty="0" err="1">
+                <a:latin typeface="Tw Cen MT Condensed" panose="020B0606020104020203" pitchFamily="34" charset="0"/>
+              </a:rPr>
+              <a:t>nicht</a:t>
+            </a:r>
+            <a:r>
+              <a:rPr lang="en-US" sz="4000" dirty="0">
+                <a:latin typeface="Tw Cen MT Condensed" panose="020B0606020104020203" pitchFamily="34" charset="0"/>
+              </a:rPr>
+              <a:t> von einer Transition. </a:t>
+            </a:r>
+            <a:r>
+              <a:rPr lang="en-US" sz="4000" dirty="0" err="1">
+                <a:latin typeface="Tw Cen MT Condensed" panose="020B0606020104020203" pitchFamily="34" charset="0"/>
+              </a:rPr>
+              <a:t>Insbesondere</a:t>
+            </a:r>
+            <a:r>
+              <a:rPr lang="en-US" sz="4000" dirty="0">
+                <a:latin typeface="Tw Cen MT Condensed" panose="020B0606020104020203" pitchFamily="34" charset="0"/>
+              </a:rPr>
+              <a:t> </a:t>
+            </a:r>
+            <a:r>
+              <a:rPr lang="en-US" sz="4000" b="1" dirty="0" err="1">
+                <a:latin typeface="Tw Cen MT Condensed" panose="020B0606020104020203" pitchFamily="34" charset="0"/>
+              </a:rPr>
+              <a:t>intersexuelle</a:t>
+            </a:r>
+            <a:r>
+              <a:rPr lang="en-US" sz="4000" dirty="0">
+                <a:latin typeface="Tw Cen MT Condensed" panose="020B0606020104020203" pitchFamily="34" charset="0"/>
+              </a:rPr>
+              <a:t> Menschen </a:t>
+            </a:r>
+            <a:r>
+              <a:rPr lang="en-US" sz="4000" dirty="0" err="1">
+                <a:latin typeface="Tw Cen MT Condensed" panose="020B0606020104020203" pitchFamily="34" charset="0"/>
+              </a:rPr>
+              <a:t>können</a:t>
+            </a:r>
+            <a:r>
+              <a:rPr lang="en-US" sz="4000" dirty="0">
+                <a:latin typeface="Tw Cen MT Condensed" panose="020B0606020104020203" pitchFamily="34" charset="0"/>
+              </a:rPr>
+              <a:t> </a:t>
+            </a:r>
+            <a:r>
+              <a:rPr lang="en-US" sz="4000" dirty="0" err="1">
+                <a:latin typeface="Tw Cen MT Condensed" panose="020B0606020104020203" pitchFamily="34" charset="0"/>
+              </a:rPr>
+              <a:t>aufgrund</a:t>
+            </a:r>
+            <a:r>
+              <a:rPr lang="en-US" sz="4000" dirty="0">
+                <a:latin typeface="Tw Cen MT Condensed" panose="020B0606020104020203" pitchFamily="34" charset="0"/>
+              </a:rPr>
+              <a:t> </a:t>
+            </a:r>
+            <a:r>
+              <a:rPr lang="en-US" sz="4000" dirty="0" err="1">
+                <a:latin typeface="Tw Cen MT Condensed" panose="020B0606020104020203" pitchFamily="34" charset="0"/>
+              </a:rPr>
+              <a:t>ihrer</a:t>
+            </a:r>
+            <a:r>
+              <a:rPr lang="en-US" sz="4000" dirty="0">
+                <a:latin typeface="Tw Cen MT Condensed" panose="020B0606020104020203" pitchFamily="34" charset="0"/>
+              </a:rPr>
+              <a:t> </a:t>
+            </a:r>
+            <a:r>
+              <a:rPr lang="en-US" sz="4000" dirty="0" err="1">
+                <a:latin typeface="Tw Cen MT Condensed" panose="020B0606020104020203" pitchFamily="34" charset="0"/>
+              </a:rPr>
+              <a:t>atypischen</a:t>
+            </a:r>
+            <a:r>
+              <a:rPr lang="en-US" sz="4000" dirty="0">
+                <a:latin typeface="Tw Cen MT Condensed" panose="020B0606020104020203" pitchFamily="34" charset="0"/>
+              </a:rPr>
+              <a:t> </a:t>
+            </a:r>
+            <a:r>
+              <a:rPr lang="en-US" sz="4000" dirty="0" err="1">
+                <a:latin typeface="Tw Cen MT Condensed" panose="020B0606020104020203" pitchFamily="34" charset="0"/>
+              </a:rPr>
+              <a:t>Geschlechtsentwicklung</a:t>
+            </a:r>
+            <a:r>
+              <a:rPr lang="en-US" sz="4000" dirty="0">
+                <a:latin typeface="Tw Cen MT Condensed" panose="020B0606020104020203" pitchFamily="34" charset="0"/>
+              </a:rPr>
+              <a:t> </a:t>
+            </a:r>
+            <a:r>
+              <a:rPr lang="en-US" sz="4000" dirty="0" err="1">
+                <a:latin typeface="Tw Cen MT Condensed" panose="020B0606020104020203" pitchFamily="34" charset="0"/>
+              </a:rPr>
+              <a:t>aber</a:t>
+            </a:r>
+            <a:r>
+              <a:rPr lang="en-US" sz="4000" dirty="0">
+                <a:latin typeface="Tw Cen MT Condensed" panose="020B0606020104020203" pitchFamily="34" charset="0"/>
+              </a:rPr>
+              <a:t> </a:t>
+            </a:r>
+            <a:r>
+              <a:rPr lang="en-US" sz="4000" dirty="0" err="1">
+                <a:latin typeface="Tw Cen MT Condensed" panose="020B0606020104020203" pitchFamily="34" charset="0"/>
+              </a:rPr>
+              <a:t>eine</a:t>
+            </a:r>
+            <a:r>
+              <a:rPr lang="en-US" sz="4000" dirty="0">
+                <a:latin typeface="Tw Cen MT Condensed" panose="020B0606020104020203" pitchFamily="34" charset="0"/>
+              </a:rPr>
+              <a:t> von der </a:t>
+            </a:r>
+            <a:r>
+              <a:rPr lang="en-US" sz="4000" dirty="0" err="1">
+                <a:latin typeface="Tw Cen MT Condensed" panose="020B0606020104020203" pitchFamily="34" charset="0"/>
+              </a:rPr>
+              <a:t>jeweiligen</a:t>
+            </a:r>
+            <a:r>
+              <a:rPr lang="en-US" sz="4000" dirty="0">
+                <a:latin typeface="Tw Cen MT Condensed" panose="020B0606020104020203" pitchFamily="34" charset="0"/>
+              </a:rPr>
+              <a:t> </a:t>
+            </a:r>
+            <a:r>
+              <a:rPr lang="en-US" sz="4000" dirty="0" err="1">
+                <a:latin typeface="Tw Cen MT Condensed" panose="020B0606020104020203" pitchFamily="34" charset="0"/>
+              </a:rPr>
+              <a:t>medizinischen</a:t>
+            </a:r>
+            <a:r>
+              <a:rPr lang="en-US" sz="4000" dirty="0">
+                <a:latin typeface="Tw Cen MT Condensed" panose="020B0606020104020203" pitchFamily="34" charset="0"/>
+              </a:rPr>
+              <a:t> </a:t>
+            </a:r>
+            <a:r>
+              <a:rPr lang="en-US" sz="4000" dirty="0" err="1">
+                <a:latin typeface="Tw Cen MT Condensed" panose="020B0606020104020203" pitchFamily="34" charset="0"/>
+              </a:rPr>
+              <a:t>Einordnung</a:t>
+            </a:r>
+            <a:r>
+              <a:rPr lang="en-US" sz="4000" dirty="0">
+                <a:latin typeface="Tw Cen MT Condensed" panose="020B0606020104020203" pitchFamily="34" charset="0"/>
+              </a:rPr>
+              <a:t> </a:t>
+            </a:r>
+            <a:r>
+              <a:rPr lang="en-US" sz="4000" dirty="0" err="1">
+                <a:latin typeface="Tw Cen MT Condensed" panose="020B0606020104020203" pitchFamily="34" charset="0"/>
+              </a:rPr>
+              <a:t>abweichende</a:t>
+            </a:r>
+            <a:r>
+              <a:rPr lang="en-US" sz="4000" dirty="0">
+                <a:latin typeface="Tw Cen MT Condensed" panose="020B0606020104020203" pitchFamily="34" charset="0"/>
+              </a:rPr>
+              <a:t> </a:t>
+            </a:r>
+            <a:r>
+              <a:rPr lang="en-US" sz="4000" dirty="0" err="1">
                 <a:latin typeface="Tw Cen MT Condensed" panose="020B0606020104020203" pitchFamily="34" charset="0"/>
               </a:rPr>
               <a:t>Geschlechtsidentität</a:t>
             </a:r>
             <a:r>
-              <a:rPr lang="de-DE" sz="4000" dirty="0">
-                <a:latin typeface="Tw Cen MT Condensed" panose="020B0606020104020203" pitchFamily="34" charset="0"/>
-              </a:rPr>
-              <a:t>. Durch Hormontherapie und ggf. chirurgische Eingriffe können die Geschlechtsmerkmale der eigenen Identifikation angepasst werden.</a:t>
+              <a:rPr lang="en-US" sz="4000" dirty="0">
+                <a:latin typeface="Tw Cen MT Condensed" panose="020B0606020104020203" pitchFamily="34" charset="0"/>
+              </a:rPr>
+              <a:t> </a:t>
+            </a:r>
+            <a:r>
+              <a:rPr lang="en-US" sz="4000" dirty="0" err="1">
+                <a:latin typeface="Tw Cen MT Condensed" panose="020B0606020104020203" pitchFamily="34" charset="0"/>
+              </a:rPr>
+              <a:t>ausbilden</a:t>
+            </a:r>
+            <a:r>
+              <a:rPr lang="en-US" sz="4000" dirty="0">
+                <a:latin typeface="Tw Cen MT Condensed" panose="020B0606020104020203" pitchFamily="34" charset="0"/>
+              </a:rPr>
+              <a:t> und </a:t>
+            </a:r>
+            <a:r>
+              <a:rPr lang="en-US" sz="4000" dirty="0" err="1">
+                <a:latin typeface="Tw Cen MT Condensed" panose="020B0606020104020203" pitchFamily="34" charset="0"/>
+              </a:rPr>
+              <a:t>sich</a:t>
+            </a:r>
+            <a:r>
+              <a:rPr lang="en-US" sz="4000" dirty="0">
+                <a:latin typeface="Tw Cen MT Condensed" panose="020B0606020104020203" pitchFamily="34" charset="0"/>
+              </a:rPr>
+              <a:t> </a:t>
+            </a:r>
+            <a:r>
+              <a:rPr lang="en-US" sz="4000" dirty="0" err="1">
+                <a:latin typeface="Tw Cen MT Condensed" panose="020B0606020104020203" pitchFamily="34" charset="0"/>
+              </a:rPr>
+              <a:t>dementsprechend</a:t>
+            </a:r>
+            <a:r>
+              <a:rPr lang="en-US" sz="4000" dirty="0">
+                <a:latin typeface="Tw Cen MT Condensed" panose="020B0606020104020203" pitchFamily="34" charset="0"/>
+              </a:rPr>
+              <a:t> für </a:t>
+            </a:r>
+            <a:r>
+              <a:rPr lang="en-US" sz="4000" dirty="0" err="1">
+                <a:latin typeface="Tw Cen MT Condensed" panose="020B0606020104020203" pitchFamily="34" charset="0"/>
+              </a:rPr>
+              <a:t>eine</a:t>
+            </a:r>
+            <a:r>
+              <a:rPr lang="en-US" sz="4000" dirty="0">
+                <a:latin typeface="Tw Cen MT Condensed" panose="020B0606020104020203" pitchFamily="34" charset="0"/>
+              </a:rPr>
+              <a:t> Transition </a:t>
+            </a:r>
+            <a:r>
+              <a:rPr lang="en-US" sz="4000" dirty="0" err="1">
+                <a:latin typeface="Tw Cen MT Condensed" panose="020B0606020104020203" pitchFamily="34" charset="0"/>
+              </a:rPr>
+              <a:t>entscheiden</a:t>
+            </a:r>
+            <a:r>
+              <a:rPr lang="en-US" sz="4000" dirty="0">
+                <a:latin typeface="Tw Cen MT Condensed" panose="020B0606020104020203" pitchFamily="34" charset="0"/>
+              </a:rPr>
+              <a:t>.</a:t>
             </a:r>
             <a:endParaRPr lang="de-DE" sz="4000" dirty="0">
-              <a:solidFill>
-                <a:srgbClr val="CC00CA"/>
-              </a:solidFill>
               <a:latin typeface="Tw Cen MT Condensed" panose="020B0606020104020203" pitchFamily="34" charset="0"/>
             </a:endParaRPr>
           </a:p>
@@ -16627,7 +17025,7 @@
         </p:nvSpPr>
         <p:spPr>
           <a:xfrm>
-            <a:off x="18523072" y="26297606"/>
+            <a:off x="19781881" y="26297606"/>
             <a:ext cx="5759206" cy="1620000"/>
           </a:xfrm>
           <a:prstGeom prst="leftRightArrow">
@@ -16696,6 +17094,90 @@
                 <a:schemeClr val="tx1"/>
               </a:solidFill>
               <a:latin typeface="Tw Cen MT" panose="020B0602020104020603" pitchFamily="34" charset="0"/>
+            </a:endParaRPr>
+          </a:p>
+        </p:txBody>
+      </p:sp>
+      <p:sp>
+        <p:nvSpPr>
+          <p:cNvPr id="16" name="Textfeld 15">
+            <a:extLst>
+              <a:ext uri="{FF2B5EF4-FFF2-40B4-BE49-F238E27FC236}">
+                <a16:creationId xmlns:a16="http://schemas.microsoft.com/office/drawing/2014/main" id="{56D774D4-20C4-8E73-4B31-CF3C3CD95416}"/>
+              </a:ext>
+            </a:extLst>
+          </p:cNvPr>
+          <p:cNvSpPr txBox="1"/>
+          <p:nvPr/>
+        </p:nvSpPr>
+        <p:spPr>
+          <a:xfrm>
+            <a:off x="4121881" y="25937606"/>
+            <a:ext cx="15480000" cy="2340000"/>
+          </a:xfrm>
+          <a:prstGeom prst="rect">
+            <a:avLst/>
+          </a:prstGeom>
+          <a:noFill/>
+        </p:spPr>
+        <p:txBody>
+          <a:bodyPr wrap="square" lIns="72000" tIns="0" rIns="0" bIns="0" rtlCol="0" anchor="ctr" anchorCtr="0">
+            <a:noAutofit/>
+          </a:bodyPr>
+          <a:lstStyle/>
+          <a:p>
+            <a:pPr algn="r">
+              <a:lnSpc>
+                <a:spcPts val="3400"/>
+              </a:lnSpc>
+            </a:pPr>
+            <a:r>
+              <a:rPr lang="de-DE" sz="4000" dirty="0">
+                <a:latin typeface="Tw Cen MT Condensed" panose="020B0606020104020203" pitchFamily="34" charset="0"/>
+              </a:rPr>
+              <a:t>Personen mit</a:t>
+            </a:r>
+            <a:r>
+              <a:rPr lang="de-DE" sz="4000" b="1" dirty="0">
+                <a:latin typeface="Tw Cen MT Condensed" panose="020B0606020104020203" pitchFamily="34" charset="0"/>
+              </a:rPr>
+              <a:t> Geschlechtsinkongruenz</a:t>
+            </a:r>
+            <a:r>
+              <a:rPr lang="de-DE" sz="4000" dirty="0">
+                <a:latin typeface="Tw Cen MT Condensed" panose="020B0606020104020203" pitchFamily="34" charset="0"/>
+              </a:rPr>
+              <a:t> identifizieren sich nicht mit dem bei ihrer Geburt zugewiesenen Geschlecht und entwickeln eine abweichende </a:t>
+            </a:r>
+            <a:r>
+              <a:rPr lang="de-DE" sz="4000" b="1" dirty="0">
+                <a:latin typeface="Tw Cen MT Condensed" panose="020B0606020104020203" pitchFamily="34" charset="0"/>
+              </a:rPr>
+              <a:t>Geschlechtsidentität</a:t>
+            </a:r>
+            <a:r>
+              <a:rPr lang="de-DE" sz="4000" dirty="0">
+                <a:latin typeface="Tw Cen MT Condensed" panose="020B0606020104020203" pitchFamily="34" charset="0"/>
+              </a:rPr>
+              <a:t>. Bei der </a:t>
+            </a:r>
+            <a:r>
+              <a:rPr lang="de-DE" sz="4000" b="1" dirty="0">
+                <a:latin typeface="Tw Cen MT Condensed" panose="020B0606020104020203" pitchFamily="34" charset="0"/>
+              </a:rPr>
+              <a:t>Transition</a:t>
+            </a:r>
+            <a:r>
+              <a:rPr lang="de-DE" sz="4000" dirty="0">
+                <a:latin typeface="Tw Cen MT Condensed" panose="020B0606020104020203" pitchFamily="34" charset="0"/>
+              </a:rPr>
+              <a:t> werden geschlechtsangleichende Maßnahmen getroffen: Durch Hormontherapie und ggf. chirurgische Eingriffe können die Geschlechtsmerkmale der eigenen Identifikation angepasst werden. Durch soziale und juristische Maßnahmen kann die Transition auch gesellschaftlich anerkannt werden.</a:t>
+            </a:r>
+            <a:endParaRPr lang="de-DE" sz="4000" dirty="0">
+              <a:solidFill>
+                <a:srgbClr val="CC00CA"/>
+              </a:solidFill>
+              <a:latin typeface="Tw Cen MT Condensed" panose="020B0606020104020203" pitchFamily="34" charset="0"/>
             </a:endParaRPr>
           </a:p>
         </p:txBody>
